--- a/figures/PINN_schematic.pptx
+++ b/figures/PINN_schematic.pptx
@@ -104,6 +104,11 @@
       </a:defRPr>
     </a:lvl9pPr>
   </p:defaultTextStyle>
+  <p:extLst>
+    <p:ext uri="{EFAFB233-063F-42B5-8137-9DF3F51BA10A}">
+      <p15:sldGuideLst xmlns:p15="http://schemas.microsoft.com/office/powerpoint/2012/main"/>
+    </p:ext>
+  </p:extLst>
 </p:presentation>
 </file>
 
@@ -254,7 +259,7 @@
           <a:p>
             <a:fld id="{5CAC9CA6-D076-4A33-B717-B7AD50CD15E2}" type="datetimeFigureOut">
               <a:rPr lang="en-US" smtClean="0"/>
-              <a:t>5/13/2024</a:t>
+              <a:t>5/16/2024</a:t>
             </a:fld>
             <a:endParaRPr lang="en-US"/>
           </a:p>
@@ -452,7 +457,7 @@
           <a:p>
             <a:fld id="{5CAC9CA6-D076-4A33-B717-B7AD50CD15E2}" type="datetimeFigureOut">
               <a:rPr lang="en-US" smtClean="0"/>
-              <a:t>5/13/2024</a:t>
+              <a:t>5/16/2024</a:t>
             </a:fld>
             <a:endParaRPr lang="en-US"/>
           </a:p>
@@ -660,7 +665,7 @@
           <a:p>
             <a:fld id="{5CAC9CA6-D076-4A33-B717-B7AD50CD15E2}" type="datetimeFigureOut">
               <a:rPr lang="en-US" smtClean="0"/>
-              <a:t>5/13/2024</a:t>
+              <a:t>5/16/2024</a:t>
             </a:fld>
             <a:endParaRPr lang="en-US"/>
           </a:p>
@@ -858,7 +863,7 @@
           <a:p>
             <a:fld id="{5CAC9CA6-D076-4A33-B717-B7AD50CD15E2}" type="datetimeFigureOut">
               <a:rPr lang="en-US" smtClean="0"/>
-              <a:t>5/13/2024</a:t>
+              <a:t>5/16/2024</a:t>
             </a:fld>
             <a:endParaRPr lang="en-US"/>
           </a:p>
@@ -1133,7 +1138,7 @@
           <a:p>
             <a:fld id="{5CAC9CA6-D076-4A33-B717-B7AD50CD15E2}" type="datetimeFigureOut">
               <a:rPr lang="en-US" smtClean="0"/>
-              <a:t>5/13/2024</a:t>
+              <a:t>5/16/2024</a:t>
             </a:fld>
             <a:endParaRPr lang="en-US"/>
           </a:p>
@@ -1398,7 +1403,7 @@
           <a:p>
             <a:fld id="{5CAC9CA6-D076-4A33-B717-B7AD50CD15E2}" type="datetimeFigureOut">
               <a:rPr lang="en-US" smtClean="0"/>
-              <a:t>5/13/2024</a:t>
+              <a:t>5/16/2024</a:t>
             </a:fld>
             <a:endParaRPr lang="en-US"/>
           </a:p>
@@ -1810,7 +1815,7 @@
           <a:p>
             <a:fld id="{5CAC9CA6-D076-4A33-B717-B7AD50CD15E2}" type="datetimeFigureOut">
               <a:rPr lang="en-US" smtClean="0"/>
-              <a:t>5/13/2024</a:t>
+              <a:t>5/16/2024</a:t>
             </a:fld>
             <a:endParaRPr lang="en-US"/>
           </a:p>
@@ -1951,7 +1956,7 @@
           <a:p>
             <a:fld id="{5CAC9CA6-D076-4A33-B717-B7AD50CD15E2}" type="datetimeFigureOut">
               <a:rPr lang="en-US" smtClean="0"/>
-              <a:t>5/13/2024</a:t>
+              <a:t>5/16/2024</a:t>
             </a:fld>
             <a:endParaRPr lang="en-US"/>
           </a:p>
@@ -2064,7 +2069,7 @@
           <a:p>
             <a:fld id="{5CAC9CA6-D076-4A33-B717-B7AD50CD15E2}" type="datetimeFigureOut">
               <a:rPr lang="en-US" smtClean="0"/>
-              <a:t>5/13/2024</a:t>
+              <a:t>5/16/2024</a:t>
             </a:fld>
             <a:endParaRPr lang="en-US"/>
           </a:p>
@@ -2375,7 +2380,7 @@
           <a:p>
             <a:fld id="{5CAC9CA6-D076-4A33-B717-B7AD50CD15E2}" type="datetimeFigureOut">
               <a:rPr lang="en-US" smtClean="0"/>
-              <a:t>5/13/2024</a:t>
+              <a:t>5/16/2024</a:t>
             </a:fld>
             <a:endParaRPr lang="en-US"/>
           </a:p>
@@ -2663,7 +2668,7 @@
           <a:p>
             <a:fld id="{5CAC9CA6-D076-4A33-B717-B7AD50CD15E2}" type="datetimeFigureOut">
               <a:rPr lang="en-US" smtClean="0"/>
-              <a:t>5/13/2024</a:t>
+              <a:t>5/16/2024</a:t>
             </a:fld>
             <a:endParaRPr lang="en-US"/>
           </a:p>
@@ -2904,7 +2909,7 @@
           <a:p>
             <a:fld id="{5CAC9CA6-D076-4A33-B717-B7AD50CD15E2}" type="datetimeFigureOut">
               <a:rPr lang="en-US" smtClean="0"/>
-              <a:t>5/13/2024</a:t>
+              <a:t>5/16/2024</a:t>
             </a:fld>
             <a:endParaRPr lang="en-US"/>
           </a:p>
@@ -3393,8 +3398,8 @@
             </a:p>
           </p:txBody>
         </p:sp>
-        <mc:AlternateContent xmlns:mc="http://schemas.openxmlformats.org/markup-compatibility/2006">
-          <mc:Choice xmlns:a14="http://schemas.microsoft.com/office/drawing/2010/main" Requires="a14">
+        <mc:AlternateContent xmlns:mc="http://schemas.openxmlformats.org/markup-compatibility/2006" xmlns:a14="http://schemas.microsoft.com/office/drawing/2010/main">
+          <mc:Choice Requires="a14">
             <p:sp>
               <p:nvSpPr>
                 <p:cNvPr id="5" name="TextBox 4">
@@ -3423,6 +3428,7 @@
                 </a:bodyPr>
                 <a:lstStyle/>
                 <a:p>
+                  <a:pPr/>
                   <a14:m>
                     <m:oMathPara xmlns:m="http://schemas.openxmlformats.org/officeDocument/2006/math">
                       <m:oMathParaPr>
@@ -3467,7 +3473,7 @@
               </p:txBody>
             </p:sp>
           </mc:Choice>
-          <mc:Fallback>
+          <mc:Fallback xmlns="">
             <p:sp>
               <p:nvSpPr>
                 <p:cNvPr id="5" name="TextBox 4">
@@ -3512,3782 +3518,6 @@
             </p:sp>
           </mc:Fallback>
         </mc:AlternateContent>
-      </p:grpSp>
-      <p:sp>
-        <p:nvSpPr>
-          <p:cNvPr id="11" name="Rectangle: Rounded Corners 10">
-            <a:extLst>
-              <a:ext uri="{FF2B5EF4-FFF2-40B4-BE49-F238E27FC236}">
-                <a16:creationId xmlns:a16="http://schemas.microsoft.com/office/drawing/2014/main" id="{F6251527-CFCF-C341-C9B4-96841CF0EA56}"/>
-              </a:ext>
-            </a:extLst>
-          </p:cNvPr>
-          <p:cNvSpPr/>
-          <p:nvPr/>
-        </p:nvSpPr>
-        <p:spPr>
-          <a:xfrm>
-            <a:off x="1395663" y="2737184"/>
-            <a:ext cx="1828799" cy="1888958"/>
-          </a:xfrm>
-          <a:prstGeom prst="roundRect">
-            <a:avLst/>
-          </a:prstGeom>
-          <a:noFill/>
-          <a:ln>
-            <a:solidFill>
-              <a:schemeClr val="tx1"/>
-            </a:solidFill>
-          </a:ln>
-        </p:spPr>
-        <p:style>
-          <a:lnRef idx="2">
-            <a:schemeClr val="accent1">
-              <a:shade val="15000"/>
-            </a:schemeClr>
-          </a:lnRef>
-          <a:fillRef idx="1">
-            <a:schemeClr val="accent1"/>
-          </a:fillRef>
-          <a:effectRef idx="0">
-            <a:schemeClr val="accent1"/>
-          </a:effectRef>
-          <a:fontRef idx="minor">
-            <a:schemeClr val="lt1"/>
-          </a:fontRef>
-        </p:style>
-        <p:txBody>
-          <a:bodyPr rtlCol="0" anchor="ctr"/>
-          <a:lstStyle/>
-          <a:p>
-            <a:pPr algn="ctr"/>
-            <a:endParaRPr lang="en-US"/>
-          </a:p>
-        </p:txBody>
-      </p:sp>
-      <p:grpSp>
-        <p:nvGrpSpPr>
-          <p:cNvPr id="241" name="Group 240">
-            <a:extLst>
-              <a:ext uri="{FF2B5EF4-FFF2-40B4-BE49-F238E27FC236}">
-                <a16:creationId xmlns:a16="http://schemas.microsoft.com/office/drawing/2014/main" id="{22302379-62C9-C45F-8D49-9D6AA3FD2DAE}"/>
-              </a:ext>
-            </a:extLst>
-          </p:cNvPr>
-          <p:cNvGrpSpPr/>
-          <p:nvPr/>
-        </p:nvGrpSpPr>
-        <p:grpSpPr>
-          <a:xfrm>
-            <a:off x="1833503" y="2857778"/>
-            <a:ext cx="1041410" cy="1618608"/>
-            <a:chOff x="1833503" y="2857778"/>
-            <a:chExt cx="1041410" cy="1618608"/>
-          </a:xfrm>
-        </p:grpSpPr>
-        <p:sp>
-          <p:nvSpPr>
-            <p:cNvPr id="12" name="Flowchart: Connector 11">
-              <a:extLst>
-                <a:ext uri="{FF2B5EF4-FFF2-40B4-BE49-F238E27FC236}">
-                  <a16:creationId xmlns:a16="http://schemas.microsoft.com/office/drawing/2014/main" id="{72A139DE-1E21-DE57-BE8A-ECA710D5F98F}"/>
-                </a:ext>
-              </a:extLst>
-            </p:cNvPr>
-            <p:cNvSpPr/>
-            <p:nvPr/>
-          </p:nvSpPr>
-          <p:spPr>
-            <a:xfrm>
-              <a:off x="1975213" y="4337830"/>
-              <a:ext cx="138556" cy="138556"/>
-            </a:xfrm>
-            <a:prstGeom prst="flowChartConnector">
-              <a:avLst/>
-            </a:prstGeom>
-            <a:noFill/>
-          </p:spPr>
-          <p:style>
-            <a:lnRef idx="2">
-              <a:schemeClr val="accent1">
-                <a:shade val="15000"/>
-              </a:schemeClr>
-            </a:lnRef>
-            <a:fillRef idx="1">
-              <a:schemeClr val="accent1"/>
-            </a:fillRef>
-            <a:effectRef idx="0">
-              <a:schemeClr val="accent1"/>
-            </a:effectRef>
-            <a:fontRef idx="minor">
-              <a:schemeClr val="lt1"/>
-            </a:fontRef>
-          </p:style>
-          <p:txBody>
-            <a:bodyPr rtlCol="0" anchor="ctr"/>
-            <a:lstStyle/>
-            <a:p>
-              <a:pPr algn="ctr"/>
-              <a:endParaRPr lang="en-US">
-                <a:solidFill>
-                  <a:schemeClr val="tx1"/>
-                </a:solidFill>
-              </a:endParaRPr>
-            </a:p>
-          </p:txBody>
-        </p:sp>
-        <p:sp>
-          <p:nvSpPr>
-            <p:cNvPr id="13" name="Flowchart: Connector 12">
-              <a:extLst>
-                <a:ext uri="{FF2B5EF4-FFF2-40B4-BE49-F238E27FC236}">
-                  <a16:creationId xmlns:a16="http://schemas.microsoft.com/office/drawing/2014/main" id="{FC246320-D414-08A6-21CB-3B122B864CF0}"/>
-                </a:ext>
-              </a:extLst>
-            </p:cNvPr>
-            <p:cNvSpPr/>
-            <p:nvPr/>
-          </p:nvSpPr>
-          <p:spPr>
-            <a:xfrm>
-              <a:off x="2282018" y="4337830"/>
-              <a:ext cx="138556" cy="138556"/>
-            </a:xfrm>
-            <a:prstGeom prst="flowChartConnector">
-              <a:avLst/>
-            </a:prstGeom>
-            <a:noFill/>
-          </p:spPr>
-          <p:style>
-            <a:lnRef idx="2">
-              <a:schemeClr val="accent1">
-                <a:shade val="15000"/>
-              </a:schemeClr>
-            </a:lnRef>
-            <a:fillRef idx="1">
-              <a:schemeClr val="accent1"/>
-            </a:fillRef>
-            <a:effectRef idx="0">
-              <a:schemeClr val="accent1"/>
-            </a:effectRef>
-            <a:fontRef idx="minor">
-              <a:schemeClr val="lt1"/>
-            </a:fontRef>
-          </p:style>
-          <p:txBody>
-            <a:bodyPr rtlCol="0" anchor="ctr"/>
-            <a:lstStyle/>
-            <a:p>
-              <a:pPr algn="ctr"/>
-              <a:endParaRPr lang="en-US">
-                <a:solidFill>
-                  <a:schemeClr val="tx1"/>
-                </a:solidFill>
-              </a:endParaRPr>
-            </a:p>
-          </p:txBody>
-        </p:sp>
-        <p:sp>
-          <p:nvSpPr>
-            <p:cNvPr id="14" name="Flowchart: Connector 13">
-              <a:extLst>
-                <a:ext uri="{FF2B5EF4-FFF2-40B4-BE49-F238E27FC236}">
-                  <a16:creationId xmlns:a16="http://schemas.microsoft.com/office/drawing/2014/main" id="{16A06E8A-A608-C524-8139-A6056611355F}"/>
-                </a:ext>
-              </a:extLst>
-            </p:cNvPr>
-            <p:cNvSpPr/>
-            <p:nvPr/>
-          </p:nvSpPr>
-          <p:spPr>
-            <a:xfrm>
-              <a:off x="2590157" y="4337830"/>
-              <a:ext cx="138556" cy="138556"/>
-            </a:xfrm>
-            <a:prstGeom prst="flowChartConnector">
-              <a:avLst/>
-            </a:prstGeom>
-            <a:noFill/>
-          </p:spPr>
-          <p:style>
-            <a:lnRef idx="2">
-              <a:schemeClr val="accent1">
-                <a:shade val="15000"/>
-              </a:schemeClr>
-            </a:lnRef>
-            <a:fillRef idx="1">
-              <a:schemeClr val="accent1"/>
-            </a:fillRef>
-            <a:effectRef idx="0">
-              <a:schemeClr val="accent1"/>
-            </a:effectRef>
-            <a:fontRef idx="minor">
-              <a:schemeClr val="lt1"/>
-            </a:fontRef>
-          </p:style>
-          <p:txBody>
-            <a:bodyPr rtlCol="0" anchor="ctr"/>
-            <a:lstStyle/>
-            <a:p>
-              <a:pPr algn="ctr"/>
-              <a:endParaRPr lang="en-US">
-                <a:solidFill>
-                  <a:schemeClr val="tx1"/>
-                </a:solidFill>
-              </a:endParaRPr>
-            </a:p>
-          </p:txBody>
-        </p:sp>
-        <p:sp>
-          <p:nvSpPr>
-            <p:cNvPr id="15" name="Flowchart: Connector 14">
-              <a:extLst>
-                <a:ext uri="{FF2B5EF4-FFF2-40B4-BE49-F238E27FC236}">
-                  <a16:creationId xmlns:a16="http://schemas.microsoft.com/office/drawing/2014/main" id="{89DB0150-9064-51E1-7859-E02375F63F26}"/>
-                </a:ext>
-              </a:extLst>
-            </p:cNvPr>
-            <p:cNvSpPr/>
-            <p:nvPr/>
-          </p:nvSpPr>
-          <p:spPr>
-            <a:xfrm>
-              <a:off x="1833503" y="3949813"/>
-              <a:ext cx="138556" cy="138556"/>
-            </a:xfrm>
-            <a:prstGeom prst="flowChartConnector">
-              <a:avLst/>
-            </a:prstGeom>
-            <a:noFill/>
-          </p:spPr>
-          <p:style>
-            <a:lnRef idx="2">
-              <a:schemeClr val="accent1">
-                <a:shade val="15000"/>
-              </a:schemeClr>
-            </a:lnRef>
-            <a:fillRef idx="1">
-              <a:schemeClr val="accent1"/>
-            </a:fillRef>
-            <a:effectRef idx="0">
-              <a:schemeClr val="accent1"/>
-            </a:effectRef>
-            <a:fontRef idx="minor">
-              <a:schemeClr val="lt1"/>
-            </a:fontRef>
-          </p:style>
-          <p:txBody>
-            <a:bodyPr rtlCol="0" anchor="ctr"/>
-            <a:lstStyle/>
-            <a:p>
-              <a:pPr algn="ctr"/>
-              <a:endParaRPr lang="en-US">
-                <a:solidFill>
-                  <a:schemeClr val="tx1"/>
-                </a:solidFill>
-              </a:endParaRPr>
-            </a:p>
-          </p:txBody>
-        </p:sp>
-        <p:sp>
-          <p:nvSpPr>
-            <p:cNvPr id="16" name="Flowchart: Connector 15">
-              <a:extLst>
-                <a:ext uri="{FF2B5EF4-FFF2-40B4-BE49-F238E27FC236}">
-                  <a16:creationId xmlns:a16="http://schemas.microsoft.com/office/drawing/2014/main" id="{038C518D-46D4-20A4-F55A-D31466828534}"/>
-                </a:ext>
-              </a:extLst>
-            </p:cNvPr>
-            <p:cNvSpPr/>
-            <p:nvPr/>
-          </p:nvSpPr>
-          <p:spPr>
-            <a:xfrm>
-              <a:off x="2001267" y="3949812"/>
-              <a:ext cx="138556" cy="138556"/>
-            </a:xfrm>
-            <a:prstGeom prst="flowChartConnector">
-              <a:avLst/>
-            </a:prstGeom>
-            <a:noFill/>
-          </p:spPr>
-          <p:style>
-            <a:lnRef idx="2">
-              <a:schemeClr val="accent1">
-                <a:shade val="15000"/>
-              </a:schemeClr>
-            </a:lnRef>
-            <a:fillRef idx="1">
-              <a:schemeClr val="accent1"/>
-            </a:fillRef>
-            <a:effectRef idx="0">
-              <a:schemeClr val="accent1"/>
-            </a:effectRef>
-            <a:fontRef idx="minor">
-              <a:schemeClr val="lt1"/>
-            </a:fontRef>
-          </p:style>
-          <p:txBody>
-            <a:bodyPr rtlCol="0" anchor="ctr"/>
-            <a:lstStyle/>
-            <a:p>
-              <a:pPr algn="ctr"/>
-              <a:endParaRPr lang="en-US">
-                <a:solidFill>
-                  <a:schemeClr val="tx1"/>
-                </a:solidFill>
-              </a:endParaRPr>
-            </a:p>
-          </p:txBody>
-        </p:sp>
-        <p:sp>
-          <p:nvSpPr>
-            <p:cNvPr id="17" name="Flowchart: Connector 16">
-              <a:extLst>
-                <a:ext uri="{FF2B5EF4-FFF2-40B4-BE49-F238E27FC236}">
-                  <a16:creationId xmlns:a16="http://schemas.microsoft.com/office/drawing/2014/main" id="{6CB9AB2B-7DEC-AD7C-4AC6-F6C8C38495A6}"/>
-                </a:ext>
-              </a:extLst>
-            </p:cNvPr>
-            <p:cNvSpPr/>
-            <p:nvPr/>
-          </p:nvSpPr>
-          <p:spPr>
-            <a:xfrm>
-              <a:off x="2169031" y="3949812"/>
-              <a:ext cx="138556" cy="138556"/>
-            </a:xfrm>
-            <a:prstGeom prst="flowChartConnector">
-              <a:avLst/>
-            </a:prstGeom>
-            <a:noFill/>
-          </p:spPr>
-          <p:style>
-            <a:lnRef idx="2">
-              <a:schemeClr val="accent1">
-                <a:shade val="15000"/>
-              </a:schemeClr>
-            </a:lnRef>
-            <a:fillRef idx="1">
-              <a:schemeClr val="accent1"/>
-            </a:fillRef>
-            <a:effectRef idx="0">
-              <a:schemeClr val="accent1"/>
-            </a:effectRef>
-            <a:fontRef idx="minor">
-              <a:schemeClr val="lt1"/>
-            </a:fontRef>
-          </p:style>
-          <p:txBody>
-            <a:bodyPr rtlCol="0" anchor="ctr"/>
-            <a:lstStyle/>
-            <a:p>
-              <a:pPr algn="ctr"/>
-              <a:endParaRPr lang="en-US">
-                <a:solidFill>
-                  <a:schemeClr val="tx1"/>
-                </a:solidFill>
-              </a:endParaRPr>
-            </a:p>
-          </p:txBody>
-        </p:sp>
-        <p:sp>
-          <p:nvSpPr>
-            <p:cNvPr id="18" name="Flowchart: Connector 17">
-              <a:extLst>
-                <a:ext uri="{FF2B5EF4-FFF2-40B4-BE49-F238E27FC236}">
-                  <a16:creationId xmlns:a16="http://schemas.microsoft.com/office/drawing/2014/main" id="{A2251BF8-F60A-2EA7-A817-8DE191AADC90}"/>
-                </a:ext>
-              </a:extLst>
-            </p:cNvPr>
-            <p:cNvSpPr/>
-            <p:nvPr/>
-          </p:nvSpPr>
-          <p:spPr>
-            <a:xfrm>
-              <a:off x="2515956" y="3949812"/>
-              <a:ext cx="138556" cy="138556"/>
-            </a:xfrm>
-            <a:prstGeom prst="flowChartConnector">
-              <a:avLst/>
-            </a:prstGeom>
-            <a:noFill/>
-          </p:spPr>
-          <p:style>
-            <a:lnRef idx="2">
-              <a:schemeClr val="accent1">
-                <a:shade val="15000"/>
-              </a:schemeClr>
-            </a:lnRef>
-            <a:fillRef idx="1">
-              <a:schemeClr val="accent1"/>
-            </a:fillRef>
-            <a:effectRef idx="0">
-              <a:schemeClr val="accent1"/>
-            </a:effectRef>
-            <a:fontRef idx="minor">
-              <a:schemeClr val="lt1"/>
-            </a:fontRef>
-          </p:style>
-          <p:txBody>
-            <a:bodyPr rtlCol="0" anchor="ctr"/>
-            <a:lstStyle/>
-            <a:p>
-              <a:pPr algn="ctr"/>
-              <a:endParaRPr lang="en-US">
-                <a:solidFill>
-                  <a:schemeClr val="tx1"/>
-                </a:solidFill>
-              </a:endParaRPr>
-            </a:p>
-          </p:txBody>
-        </p:sp>
-        <p:sp>
-          <p:nvSpPr>
-            <p:cNvPr id="19" name="Flowchart: Connector 18">
-              <a:extLst>
-                <a:ext uri="{FF2B5EF4-FFF2-40B4-BE49-F238E27FC236}">
-                  <a16:creationId xmlns:a16="http://schemas.microsoft.com/office/drawing/2014/main" id="{7B8535E7-7699-064E-1006-7C6E6BAE81A1}"/>
-                </a:ext>
-              </a:extLst>
-            </p:cNvPr>
-            <p:cNvSpPr/>
-            <p:nvPr/>
-          </p:nvSpPr>
-          <p:spPr>
-            <a:xfrm>
-              <a:off x="2736357" y="3949812"/>
-              <a:ext cx="138556" cy="138556"/>
-            </a:xfrm>
-            <a:prstGeom prst="flowChartConnector">
-              <a:avLst/>
-            </a:prstGeom>
-            <a:noFill/>
-          </p:spPr>
-          <p:style>
-            <a:lnRef idx="2">
-              <a:schemeClr val="accent1">
-                <a:shade val="15000"/>
-              </a:schemeClr>
-            </a:lnRef>
-            <a:fillRef idx="1">
-              <a:schemeClr val="accent1"/>
-            </a:fillRef>
-            <a:effectRef idx="0">
-              <a:schemeClr val="accent1"/>
-            </a:effectRef>
-            <a:fontRef idx="minor">
-              <a:schemeClr val="lt1"/>
-            </a:fontRef>
-          </p:style>
-          <p:txBody>
-            <a:bodyPr rtlCol="0" anchor="ctr"/>
-            <a:lstStyle/>
-            <a:p>
-              <a:pPr algn="ctr"/>
-              <a:endParaRPr lang="en-US">
-                <a:solidFill>
-                  <a:schemeClr val="tx1"/>
-                </a:solidFill>
-              </a:endParaRPr>
-            </a:p>
-          </p:txBody>
-        </p:sp>
-        <p:sp>
-          <p:nvSpPr>
-            <p:cNvPr id="20" name="TextBox 19">
-              <a:extLst>
-                <a:ext uri="{FF2B5EF4-FFF2-40B4-BE49-F238E27FC236}">
-                  <a16:creationId xmlns:a16="http://schemas.microsoft.com/office/drawing/2014/main" id="{1B1C0D40-E1D4-C5ED-F94A-5FBBA0817912}"/>
-                </a:ext>
-              </a:extLst>
-            </p:cNvPr>
-            <p:cNvSpPr txBox="1"/>
-            <p:nvPr/>
-          </p:nvSpPr>
-          <p:spPr>
-            <a:xfrm>
-              <a:off x="2230205" y="3783739"/>
-              <a:ext cx="439726" cy="369332"/>
-            </a:xfrm>
-            <a:prstGeom prst="rect">
-              <a:avLst/>
-            </a:prstGeom>
-            <a:noFill/>
-          </p:spPr>
-          <p:txBody>
-            <a:bodyPr wrap="square" rtlCol="0">
-              <a:spAutoFit/>
-            </a:bodyPr>
-            <a:lstStyle/>
-            <a:p>
-              <a:r>
-                <a:rPr lang="en-US" dirty="0"/>
-                <a:t>…</a:t>
-              </a:r>
-            </a:p>
-          </p:txBody>
-        </p:sp>
-        <p:sp>
-          <p:nvSpPr>
-            <p:cNvPr id="21" name="Flowchart: Connector 20">
-              <a:extLst>
-                <a:ext uri="{FF2B5EF4-FFF2-40B4-BE49-F238E27FC236}">
-                  <a16:creationId xmlns:a16="http://schemas.microsoft.com/office/drawing/2014/main" id="{F596FA89-3E10-FBDB-0FB9-C84F6A720797}"/>
-                </a:ext>
-              </a:extLst>
-            </p:cNvPr>
-            <p:cNvSpPr/>
-            <p:nvPr/>
-          </p:nvSpPr>
-          <p:spPr>
-            <a:xfrm>
-              <a:off x="1833503" y="3663424"/>
-              <a:ext cx="138556" cy="138556"/>
-            </a:xfrm>
-            <a:prstGeom prst="flowChartConnector">
-              <a:avLst/>
-            </a:prstGeom>
-            <a:noFill/>
-          </p:spPr>
-          <p:style>
-            <a:lnRef idx="2">
-              <a:schemeClr val="accent1">
-                <a:shade val="15000"/>
-              </a:schemeClr>
-            </a:lnRef>
-            <a:fillRef idx="1">
-              <a:schemeClr val="accent1"/>
-            </a:fillRef>
-            <a:effectRef idx="0">
-              <a:schemeClr val="accent1"/>
-            </a:effectRef>
-            <a:fontRef idx="minor">
-              <a:schemeClr val="lt1"/>
-            </a:fontRef>
-          </p:style>
-          <p:txBody>
-            <a:bodyPr rtlCol="0" anchor="ctr"/>
-            <a:lstStyle/>
-            <a:p>
-              <a:pPr algn="ctr"/>
-              <a:endParaRPr lang="en-US">
-                <a:solidFill>
-                  <a:schemeClr val="tx1"/>
-                </a:solidFill>
-              </a:endParaRPr>
-            </a:p>
-          </p:txBody>
-        </p:sp>
-        <p:sp>
-          <p:nvSpPr>
-            <p:cNvPr id="22" name="Flowchart: Connector 21">
-              <a:extLst>
-                <a:ext uri="{FF2B5EF4-FFF2-40B4-BE49-F238E27FC236}">
-                  <a16:creationId xmlns:a16="http://schemas.microsoft.com/office/drawing/2014/main" id="{1929B6CA-436E-4115-57CA-94119584CC90}"/>
-                </a:ext>
-              </a:extLst>
-            </p:cNvPr>
-            <p:cNvSpPr/>
-            <p:nvPr/>
-          </p:nvSpPr>
-          <p:spPr>
-            <a:xfrm>
-              <a:off x="2001267" y="3663423"/>
-              <a:ext cx="138556" cy="138556"/>
-            </a:xfrm>
-            <a:prstGeom prst="flowChartConnector">
-              <a:avLst/>
-            </a:prstGeom>
-            <a:noFill/>
-          </p:spPr>
-          <p:style>
-            <a:lnRef idx="2">
-              <a:schemeClr val="accent1">
-                <a:shade val="15000"/>
-              </a:schemeClr>
-            </a:lnRef>
-            <a:fillRef idx="1">
-              <a:schemeClr val="accent1"/>
-            </a:fillRef>
-            <a:effectRef idx="0">
-              <a:schemeClr val="accent1"/>
-            </a:effectRef>
-            <a:fontRef idx="minor">
-              <a:schemeClr val="lt1"/>
-            </a:fontRef>
-          </p:style>
-          <p:txBody>
-            <a:bodyPr rtlCol="0" anchor="ctr"/>
-            <a:lstStyle/>
-            <a:p>
-              <a:pPr algn="ctr"/>
-              <a:endParaRPr lang="en-US">
-                <a:solidFill>
-                  <a:schemeClr val="tx1"/>
-                </a:solidFill>
-              </a:endParaRPr>
-            </a:p>
-          </p:txBody>
-        </p:sp>
-        <p:sp>
-          <p:nvSpPr>
-            <p:cNvPr id="23" name="Flowchart: Connector 22">
-              <a:extLst>
-                <a:ext uri="{FF2B5EF4-FFF2-40B4-BE49-F238E27FC236}">
-                  <a16:creationId xmlns:a16="http://schemas.microsoft.com/office/drawing/2014/main" id="{A362412A-EA87-26C8-1D4A-5DAEE12560A9}"/>
-                </a:ext>
-              </a:extLst>
-            </p:cNvPr>
-            <p:cNvSpPr/>
-            <p:nvPr/>
-          </p:nvSpPr>
-          <p:spPr>
-            <a:xfrm>
-              <a:off x="2169031" y="3663423"/>
-              <a:ext cx="138556" cy="138556"/>
-            </a:xfrm>
-            <a:prstGeom prst="flowChartConnector">
-              <a:avLst/>
-            </a:prstGeom>
-            <a:noFill/>
-          </p:spPr>
-          <p:style>
-            <a:lnRef idx="2">
-              <a:schemeClr val="accent1">
-                <a:shade val="15000"/>
-              </a:schemeClr>
-            </a:lnRef>
-            <a:fillRef idx="1">
-              <a:schemeClr val="accent1"/>
-            </a:fillRef>
-            <a:effectRef idx="0">
-              <a:schemeClr val="accent1"/>
-            </a:effectRef>
-            <a:fontRef idx="minor">
-              <a:schemeClr val="lt1"/>
-            </a:fontRef>
-          </p:style>
-          <p:txBody>
-            <a:bodyPr rtlCol="0" anchor="ctr"/>
-            <a:lstStyle/>
-            <a:p>
-              <a:pPr algn="ctr"/>
-              <a:endParaRPr lang="en-US">
-                <a:solidFill>
-                  <a:schemeClr val="tx1"/>
-                </a:solidFill>
-              </a:endParaRPr>
-            </a:p>
-          </p:txBody>
-        </p:sp>
-        <p:sp>
-          <p:nvSpPr>
-            <p:cNvPr id="24" name="Flowchart: Connector 23">
-              <a:extLst>
-                <a:ext uri="{FF2B5EF4-FFF2-40B4-BE49-F238E27FC236}">
-                  <a16:creationId xmlns:a16="http://schemas.microsoft.com/office/drawing/2014/main" id="{9866E347-F059-4E53-8841-48C311C95FE8}"/>
-                </a:ext>
-              </a:extLst>
-            </p:cNvPr>
-            <p:cNvSpPr/>
-            <p:nvPr/>
-          </p:nvSpPr>
-          <p:spPr>
-            <a:xfrm>
-              <a:off x="2515956" y="3663423"/>
-              <a:ext cx="138556" cy="138556"/>
-            </a:xfrm>
-            <a:prstGeom prst="flowChartConnector">
-              <a:avLst/>
-            </a:prstGeom>
-            <a:noFill/>
-          </p:spPr>
-          <p:style>
-            <a:lnRef idx="2">
-              <a:schemeClr val="accent1">
-                <a:shade val="15000"/>
-              </a:schemeClr>
-            </a:lnRef>
-            <a:fillRef idx="1">
-              <a:schemeClr val="accent1"/>
-            </a:fillRef>
-            <a:effectRef idx="0">
-              <a:schemeClr val="accent1"/>
-            </a:effectRef>
-            <a:fontRef idx="minor">
-              <a:schemeClr val="lt1"/>
-            </a:fontRef>
-          </p:style>
-          <p:txBody>
-            <a:bodyPr rtlCol="0" anchor="ctr"/>
-            <a:lstStyle/>
-            <a:p>
-              <a:pPr algn="ctr"/>
-              <a:endParaRPr lang="en-US">
-                <a:solidFill>
-                  <a:schemeClr val="tx1"/>
-                </a:solidFill>
-              </a:endParaRPr>
-            </a:p>
-          </p:txBody>
-        </p:sp>
-        <p:sp>
-          <p:nvSpPr>
-            <p:cNvPr id="25" name="Flowchart: Connector 24">
-              <a:extLst>
-                <a:ext uri="{FF2B5EF4-FFF2-40B4-BE49-F238E27FC236}">
-                  <a16:creationId xmlns:a16="http://schemas.microsoft.com/office/drawing/2014/main" id="{68D534E7-DD99-BC54-4149-869C3A012D87}"/>
-                </a:ext>
-              </a:extLst>
-            </p:cNvPr>
-            <p:cNvSpPr/>
-            <p:nvPr/>
-          </p:nvSpPr>
-          <p:spPr>
-            <a:xfrm>
-              <a:off x="2736357" y="3663423"/>
-              <a:ext cx="138556" cy="138556"/>
-            </a:xfrm>
-            <a:prstGeom prst="flowChartConnector">
-              <a:avLst/>
-            </a:prstGeom>
-            <a:noFill/>
-          </p:spPr>
-          <p:style>
-            <a:lnRef idx="2">
-              <a:schemeClr val="accent1">
-                <a:shade val="15000"/>
-              </a:schemeClr>
-            </a:lnRef>
-            <a:fillRef idx="1">
-              <a:schemeClr val="accent1"/>
-            </a:fillRef>
-            <a:effectRef idx="0">
-              <a:schemeClr val="accent1"/>
-            </a:effectRef>
-            <a:fontRef idx="minor">
-              <a:schemeClr val="lt1"/>
-            </a:fontRef>
-          </p:style>
-          <p:txBody>
-            <a:bodyPr rtlCol="0" anchor="ctr"/>
-            <a:lstStyle/>
-            <a:p>
-              <a:pPr algn="ctr"/>
-              <a:endParaRPr lang="en-US">
-                <a:solidFill>
-                  <a:schemeClr val="tx1"/>
-                </a:solidFill>
-              </a:endParaRPr>
-            </a:p>
-          </p:txBody>
-        </p:sp>
-        <p:sp>
-          <p:nvSpPr>
-            <p:cNvPr id="26" name="TextBox 25">
-              <a:extLst>
-                <a:ext uri="{FF2B5EF4-FFF2-40B4-BE49-F238E27FC236}">
-                  <a16:creationId xmlns:a16="http://schemas.microsoft.com/office/drawing/2014/main" id="{1762170E-68D1-2C55-6FE4-67EBA2F94654}"/>
-                </a:ext>
-              </a:extLst>
-            </p:cNvPr>
-            <p:cNvSpPr txBox="1"/>
-            <p:nvPr/>
-          </p:nvSpPr>
-          <p:spPr>
-            <a:xfrm>
-              <a:off x="2221668" y="3496997"/>
-              <a:ext cx="381836" cy="369332"/>
-            </a:xfrm>
-            <a:prstGeom prst="rect">
-              <a:avLst/>
-            </a:prstGeom>
-            <a:noFill/>
-          </p:spPr>
-          <p:txBody>
-            <a:bodyPr wrap="none" rtlCol="0">
-              <a:spAutoFit/>
-            </a:bodyPr>
-            <a:lstStyle/>
-            <a:p>
-              <a:r>
-                <a:rPr lang="en-US" dirty="0"/>
-                <a:t>…</a:t>
-              </a:r>
-            </a:p>
-          </p:txBody>
-        </p:sp>
-        <p:sp>
-          <p:nvSpPr>
-            <p:cNvPr id="46" name="TextBox 45">
-              <a:extLst>
-                <a:ext uri="{FF2B5EF4-FFF2-40B4-BE49-F238E27FC236}">
-                  <a16:creationId xmlns:a16="http://schemas.microsoft.com/office/drawing/2014/main" id="{8643005A-3F83-E551-C8F1-F43A4E39565F}"/>
-                </a:ext>
-              </a:extLst>
-            </p:cNvPr>
-            <p:cNvSpPr txBox="1"/>
-            <p:nvPr/>
-          </p:nvSpPr>
-          <p:spPr>
-            <a:xfrm>
-              <a:off x="2220577" y="3291083"/>
-              <a:ext cx="439726" cy="369332"/>
-            </a:xfrm>
-            <a:prstGeom prst="rect">
-              <a:avLst/>
-            </a:prstGeom>
-            <a:noFill/>
-          </p:spPr>
-          <p:txBody>
-            <a:bodyPr wrap="square" rtlCol="0">
-              <a:spAutoFit/>
-            </a:bodyPr>
-            <a:lstStyle/>
-            <a:p>
-              <a:r>
-                <a:rPr lang="en-US" dirty="0"/>
-                <a:t>…</a:t>
-              </a:r>
-            </a:p>
-          </p:txBody>
-        </p:sp>
-        <p:sp>
-          <p:nvSpPr>
-            <p:cNvPr id="47" name="Flowchart: Connector 46">
-              <a:extLst>
-                <a:ext uri="{FF2B5EF4-FFF2-40B4-BE49-F238E27FC236}">
-                  <a16:creationId xmlns:a16="http://schemas.microsoft.com/office/drawing/2014/main" id="{408B1F56-EBD1-0AE6-8A04-125930406661}"/>
-                </a:ext>
-              </a:extLst>
-            </p:cNvPr>
-            <p:cNvSpPr/>
-            <p:nvPr/>
-          </p:nvSpPr>
-          <p:spPr>
-            <a:xfrm>
-              <a:off x="1833503" y="3255485"/>
-              <a:ext cx="138556" cy="138556"/>
-            </a:xfrm>
-            <a:prstGeom prst="flowChartConnector">
-              <a:avLst/>
-            </a:prstGeom>
-            <a:noFill/>
-          </p:spPr>
-          <p:style>
-            <a:lnRef idx="2">
-              <a:schemeClr val="accent1">
-                <a:shade val="15000"/>
-              </a:schemeClr>
-            </a:lnRef>
-            <a:fillRef idx="1">
-              <a:schemeClr val="accent1"/>
-            </a:fillRef>
-            <a:effectRef idx="0">
-              <a:schemeClr val="accent1"/>
-            </a:effectRef>
-            <a:fontRef idx="minor">
-              <a:schemeClr val="lt1"/>
-            </a:fontRef>
-          </p:style>
-          <p:txBody>
-            <a:bodyPr rtlCol="0" anchor="ctr"/>
-            <a:lstStyle/>
-            <a:p>
-              <a:pPr algn="ctr"/>
-              <a:endParaRPr lang="en-US">
-                <a:solidFill>
-                  <a:schemeClr val="tx1"/>
-                </a:solidFill>
-              </a:endParaRPr>
-            </a:p>
-          </p:txBody>
-        </p:sp>
-        <p:sp>
-          <p:nvSpPr>
-            <p:cNvPr id="48" name="Flowchart: Connector 47">
-              <a:extLst>
-                <a:ext uri="{FF2B5EF4-FFF2-40B4-BE49-F238E27FC236}">
-                  <a16:creationId xmlns:a16="http://schemas.microsoft.com/office/drawing/2014/main" id="{91A37084-9823-4DB3-B434-DF1CEC835FB4}"/>
-                </a:ext>
-              </a:extLst>
-            </p:cNvPr>
-            <p:cNvSpPr/>
-            <p:nvPr/>
-          </p:nvSpPr>
-          <p:spPr>
-            <a:xfrm>
-              <a:off x="2001267" y="3255484"/>
-              <a:ext cx="138556" cy="138556"/>
-            </a:xfrm>
-            <a:prstGeom prst="flowChartConnector">
-              <a:avLst/>
-            </a:prstGeom>
-            <a:noFill/>
-          </p:spPr>
-          <p:style>
-            <a:lnRef idx="2">
-              <a:schemeClr val="accent1">
-                <a:shade val="15000"/>
-              </a:schemeClr>
-            </a:lnRef>
-            <a:fillRef idx="1">
-              <a:schemeClr val="accent1"/>
-            </a:fillRef>
-            <a:effectRef idx="0">
-              <a:schemeClr val="accent1"/>
-            </a:effectRef>
-            <a:fontRef idx="minor">
-              <a:schemeClr val="lt1"/>
-            </a:fontRef>
-          </p:style>
-          <p:txBody>
-            <a:bodyPr rtlCol="0" anchor="ctr"/>
-            <a:lstStyle/>
-            <a:p>
-              <a:pPr algn="ctr"/>
-              <a:endParaRPr lang="en-US">
-                <a:solidFill>
-                  <a:schemeClr val="tx1"/>
-                </a:solidFill>
-              </a:endParaRPr>
-            </a:p>
-          </p:txBody>
-        </p:sp>
-        <p:sp>
-          <p:nvSpPr>
-            <p:cNvPr id="49" name="Flowchart: Connector 48">
-              <a:extLst>
-                <a:ext uri="{FF2B5EF4-FFF2-40B4-BE49-F238E27FC236}">
-                  <a16:creationId xmlns:a16="http://schemas.microsoft.com/office/drawing/2014/main" id="{E7BFE088-2D9E-4267-FC4E-675A78E1C641}"/>
-                </a:ext>
-              </a:extLst>
-            </p:cNvPr>
-            <p:cNvSpPr/>
-            <p:nvPr/>
-          </p:nvSpPr>
-          <p:spPr>
-            <a:xfrm>
-              <a:off x="2169031" y="3255484"/>
-              <a:ext cx="138556" cy="138556"/>
-            </a:xfrm>
-            <a:prstGeom prst="flowChartConnector">
-              <a:avLst/>
-            </a:prstGeom>
-            <a:noFill/>
-          </p:spPr>
-          <p:style>
-            <a:lnRef idx="2">
-              <a:schemeClr val="accent1">
-                <a:shade val="15000"/>
-              </a:schemeClr>
-            </a:lnRef>
-            <a:fillRef idx="1">
-              <a:schemeClr val="accent1"/>
-            </a:fillRef>
-            <a:effectRef idx="0">
-              <a:schemeClr val="accent1"/>
-            </a:effectRef>
-            <a:fontRef idx="minor">
-              <a:schemeClr val="lt1"/>
-            </a:fontRef>
-          </p:style>
-          <p:txBody>
-            <a:bodyPr rtlCol="0" anchor="ctr"/>
-            <a:lstStyle/>
-            <a:p>
-              <a:pPr algn="ctr"/>
-              <a:endParaRPr lang="en-US">
-                <a:solidFill>
-                  <a:schemeClr val="tx1"/>
-                </a:solidFill>
-              </a:endParaRPr>
-            </a:p>
-          </p:txBody>
-        </p:sp>
-        <p:sp>
-          <p:nvSpPr>
-            <p:cNvPr id="50" name="Flowchart: Connector 49">
-              <a:extLst>
-                <a:ext uri="{FF2B5EF4-FFF2-40B4-BE49-F238E27FC236}">
-                  <a16:creationId xmlns:a16="http://schemas.microsoft.com/office/drawing/2014/main" id="{BD85EF5B-4E7A-D3DC-362E-BD29EC691DC1}"/>
-                </a:ext>
-              </a:extLst>
-            </p:cNvPr>
-            <p:cNvSpPr/>
-            <p:nvPr/>
-          </p:nvSpPr>
-          <p:spPr>
-            <a:xfrm>
-              <a:off x="2515956" y="3255484"/>
-              <a:ext cx="138556" cy="138556"/>
-            </a:xfrm>
-            <a:prstGeom prst="flowChartConnector">
-              <a:avLst/>
-            </a:prstGeom>
-            <a:noFill/>
-          </p:spPr>
-          <p:style>
-            <a:lnRef idx="2">
-              <a:schemeClr val="accent1">
-                <a:shade val="15000"/>
-              </a:schemeClr>
-            </a:lnRef>
-            <a:fillRef idx="1">
-              <a:schemeClr val="accent1"/>
-            </a:fillRef>
-            <a:effectRef idx="0">
-              <a:schemeClr val="accent1"/>
-            </a:effectRef>
-            <a:fontRef idx="minor">
-              <a:schemeClr val="lt1"/>
-            </a:fontRef>
-          </p:style>
-          <p:txBody>
-            <a:bodyPr rtlCol="0" anchor="ctr"/>
-            <a:lstStyle/>
-            <a:p>
-              <a:pPr algn="ctr"/>
-              <a:endParaRPr lang="en-US">
-                <a:solidFill>
-                  <a:schemeClr val="tx1"/>
-                </a:solidFill>
-              </a:endParaRPr>
-            </a:p>
-          </p:txBody>
-        </p:sp>
-        <p:sp>
-          <p:nvSpPr>
-            <p:cNvPr id="51" name="Flowchart: Connector 50">
-              <a:extLst>
-                <a:ext uri="{FF2B5EF4-FFF2-40B4-BE49-F238E27FC236}">
-                  <a16:creationId xmlns:a16="http://schemas.microsoft.com/office/drawing/2014/main" id="{256B6C96-7296-8C00-C04F-DE40DE637E95}"/>
-                </a:ext>
-              </a:extLst>
-            </p:cNvPr>
-            <p:cNvSpPr/>
-            <p:nvPr/>
-          </p:nvSpPr>
-          <p:spPr>
-            <a:xfrm>
-              <a:off x="2736357" y="3255484"/>
-              <a:ext cx="138556" cy="138556"/>
-            </a:xfrm>
-            <a:prstGeom prst="flowChartConnector">
-              <a:avLst/>
-            </a:prstGeom>
-            <a:noFill/>
-          </p:spPr>
-          <p:style>
-            <a:lnRef idx="2">
-              <a:schemeClr val="accent1">
-                <a:shade val="15000"/>
-              </a:schemeClr>
-            </a:lnRef>
-            <a:fillRef idx="1">
-              <a:schemeClr val="accent1"/>
-            </a:fillRef>
-            <a:effectRef idx="0">
-              <a:schemeClr val="accent1"/>
-            </a:effectRef>
-            <a:fontRef idx="minor">
-              <a:schemeClr val="lt1"/>
-            </a:fontRef>
-          </p:style>
-          <p:txBody>
-            <a:bodyPr rtlCol="0" anchor="ctr"/>
-            <a:lstStyle/>
-            <a:p>
-              <a:pPr algn="ctr"/>
-              <a:endParaRPr lang="en-US">
-                <a:solidFill>
-                  <a:schemeClr val="tx1"/>
-                </a:solidFill>
-              </a:endParaRPr>
-            </a:p>
-          </p:txBody>
-        </p:sp>
-        <p:sp>
-          <p:nvSpPr>
-            <p:cNvPr id="52" name="Flowchart: Connector 51">
-              <a:extLst>
-                <a:ext uri="{FF2B5EF4-FFF2-40B4-BE49-F238E27FC236}">
-                  <a16:creationId xmlns:a16="http://schemas.microsoft.com/office/drawing/2014/main" id="{6A1808A7-DC76-E0A4-124B-3421519E47D8}"/>
-                </a:ext>
-              </a:extLst>
-            </p:cNvPr>
-            <p:cNvSpPr/>
-            <p:nvPr/>
-          </p:nvSpPr>
-          <p:spPr>
-            <a:xfrm>
-              <a:off x="1945876" y="2857778"/>
-              <a:ext cx="138556" cy="138556"/>
-            </a:xfrm>
-            <a:prstGeom prst="flowChartConnector">
-              <a:avLst/>
-            </a:prstGeom>
-            <a:noFill/>
-          </p:spPr>
-          <p:style>
-            <a:lnRef idx="2">
-              <a:schemeClr val="accent1">
-                <a:shade val="15000"/>
-              </a:schemeClr>
-            </a:lnRef>
-            <a:fillRef idx="1">
-              <a:schemeClr val="accent1"/>
-            </a:fillRef>
-            <a:effectRef idx="0">
-              <a:schemeClr val="accent1"/>
-            </a:effectRef>
-            <a:fontRef idx="minor">
-              <a:schemeClr val="lt1"/>
-            </a:fontRef>
-          </p:style>
-          <p:txBody>
-            <a:bodyPr rtlCol="0" anchor="ctr"/>
-            <a:lstStyle/>
-            <a:p>
-              <a:pPr algn="ctr"/>
-              <a:endParaRPr lang="en-US">
-                <a:solidFill>
-                  <a:schemeClr val="tx1"/>
-                </a:solidFill>
-              </a:endParaRPr>
-            </a:p>
-          </p:txBody>
-        </p:sp>
-        <p:sp>
-          <p:nvSpPr>
-            <p:cNvPr id="53" name="Flowchart: Connector 52">
-              <a:extLst>
-                <a:ext uri="{FF2B5EF4-FFF2-40B4-BE49-F238E27FC236}">
-                  <a16:creationId xmlns:a16="http://schemas.microsoft.com/office/drawing/2014/main" id="{3F029F8B-9FAE-4CAE-831F-4EEFAF9E202B}"/>
-                </a:ext>
-              </a:extLst>
-            </p:cNvPr>
-            <p:cNvSpPr/>
-            <p:nvPr/>
-          </p:nvSpPr>
-          <p:spPr>
-            <a:xfrm>
-              <a:off x="2252681" y="2857778"/>
-              <a:ext cx="138556" cy="138556"/>
-            </a:xfrm>
-            <a:prstGeom prst="flowChartConnector">
-              <a:avLst/>
-            </a:prstGeom>
-            <a:noFill/>
-          </p:spPr>
-          <p:style>
-            <a:lnRef idx="2">
-              <a:schemeClr val="accent1">
-                <a:shade val="15000"/>
-              </a:schemeClr>
-            </a:lnRef>
-            <a:fillRef idx="1">
-              <a:schemeClr val="accent1"/>
-            </a:fillRef>
-            <a:effectRef idx="0">
-              <a:schemeClr val="accent1"/>
-            </a:effectRef>
-            <a:fontRef idx="minor">
-              <a:schemeClr val="lt1"/>
-            </a:fontRef>
-          </p:style>
-          <p:txBody>
-            <a:bodyPr rtlCol="0" anchor="ctr"/>
-            <a:lstStyle/>
-            <a:p>
-              <a:pPr algn="ctr"/>
-              <a:endParaRPr lang="en-US">
-                <a:solidFill>
-                  <a:schemeClr val="tx1"/>
-                </a:solidFill>
-              </a:endParaRPr>
-            </a:p>
-          </p:txBody>
-        </p:sp>
-        <p:sp>
-          <p:nvSpPr>
-            <p:cNvPr id="54" name="Flowchart: Connector 53">
-              <a:extLst>
-                <a:ext uri="{FF2B5EF4-FFF2-40B4-BE49-F238E27FC236}">
-                  <a16:creationId xmlns:a16="http://schemas.microsoft.com/office/drawing/2014/main" id="{CDED1AAF-7A2F-8F88-8BF4-C9E132CDCEDF}"/>
-                </a:ext>
-              </a:extLst>
-            </p:cNvPr>
-            <p:cNvSpPr/>
-            <p:nvPr/>
-          </p:nvSpPr>
-          <p:spPr>
-            <a:xfrm>
-              <a:off x="2560820" y="2857778"/>
-              <a:ext cx="138556" cy="138556"/>
-            </a:xfrm>
-            <a:prstGeom prst="flowChartConnector">
-              <a:avLst/>
-            </a:prstGeom>
-            <a:noFill/>
-          </p:spPr>
-          <p:style>
-            <a:lnRef idx="2">
-              <a:schemeClr val="accent1">
-                <a:shade val="15000"/>
-              </a:schemeClr>
-            </a:lnRef>
-            <a:fillRef idx="1">
-              <a:schemeClr val="accent1"/>
-            </a:fillRef>
-            <a:effectRef idx="0">
-              <a:schemeClr val="accent1"/>
-            </a:effectRef>
-            <a:fontRef idx="minor">
-              <a:schemeClr val="lt1"/>
-            </a:fontRef>
-          </p:style>
-          <p:txBody>
-            <a:bodyPr rtlCol="0" anchor="ctr"/>
-            <a:lstStyle/>
-            <a:p>
-              <a:pPr algn="ctr"/>
-              <a:endParaRPr lang="en-US">
-                <a:solidFill>
-                  <a:schemeClr val="tx1"/>
-                </a:solidFill>
-              </a:endParaRPr>
-            </a:p>
-          </p:txBody>
-        </p:sp>
-        <p:cxnSp>
-          <p:nvCxnSpPr>
-            <p:cNvPr id="58" name="Straight Connector 57">
-              <a:extLst>
-                <a:ext uri="{FF2B5EF4-FFF2-40B4-BE49-F238E27FC236}">
-                  <a16:creationId xmlns:a16="http://schemas.microsoft.com/office/drawing/2014/main" id="{4D05710C-F5C7-0BEB-0C3B-9669501AE112}"/>
-                </a:ext>
-              </a:extLst>
-            </p:cNvPr>
-            <p:cNvCxnSpPr>
-              <a:cxnSpLocks/>
-              <a:stCxn id="15" idx="4"/>
-              <a:endCxn id="12" idx="0"/>
-            </p:cNvCxnSpPr>
-            <p:nvPr/>
-          </p:nvCxnSpPr>
-          <p:spPr>
-            <a:xfrm>
-              <a:off x="1902781" y="4088369"/>
-              <a:ext cx="141710" cy="249461"/>
-            </a:xfrm>
-            <a:prstGeom prst="line">
-              <a:avLst/>
-            </a:prstGeom>
-          </p:spPr>
-          <p:style>
-            <a:lnRef idx="2">
-              <a:schemeClr val="accent1"/>
-            </a:lnRef>
-            <a:fillRef idx="0">
-              <a:schemeClr val="accent1"/>
-            </a:fillRef>
-            <a:effectRef idx="1">
-              <a:schemeClr val="accent1"/>
-            </a:effectRef>
-            <a:fontRef idx="minor">
-              <a:schemeClr val="tx1"/>
-            </a:fontRef>
-          </p:style>
-        </p:cxnSp>
-        <p:cxnSp>
-          <p:nvCxnSpPr>
-            <p:cNvPr id="60" name="Straight Connector 59">
-              <a:extLst>
-                <a:ext uri="{FF2B5EF4-FFF2-40B4-BE49-F238E27FC236}">
-                  <a16:creationId xmlns:a16="http://schemas.microsoft.com/office/drawing/2014/main" id="{38154FE7-395A-378A-A1E2-0F67D3FA52B6}"/>
-                </a:ext>
-              </a:extLst>
-            </p:cNvPr>
-            <p:cNvCxnSpPr>
-              <a:cxnSpLocks/>
-              <a:stCxn id="16" idx="4"/>
-              <a:endCxn id="12" idx="0"/>
-            </p:cNvCxnSpPr>
-            <p:nvPr/>
-          </p:nvCxnSpPr>
-          <p:spPr>
-            <a:xfrm flipH="1">
-              <a:off x="2044491" y="4088368"/>
-              <a:ext cx="26054" cy="249462"/>
-            </a:xfrm>
-            <a:prstGeom prst="line">
-              <a:avLst/>
-            </a:prstGeom>
-          </p:spPr>
-          <p:style>
-            <a:lnRef idx="2">
-              <a:schemeClr val="accent1"/>
-            </a:lnRef>
-            <a:fillRef idx="0">
-              <a:schemeClr val="accent1"/>
-            </a:fillRef>
-            <a:effectRef idx="1">
-              <a:schemeClr val="accent1"/>
-            </a:effectRef>
-            <a:fontRef idx="minor">
-              <a:schemeClr val="tx1"/>
-            </a:fontRef>
-          </p:style>
-        </p:cxnSp>
-        <p:cxnSp>
-          <p:nvCxnSpPr>
-            <p:cNvPr id="63" name="Straight Connector 62">
-              <a:extLst>
-                <a:ext uri="{FF2B5EF4-FFF2-40B4-BE49-F238E27FC236}">
-                  <a16:creationId xmlns:a16="http://schemas.microsoft.com/office/drawing/2014/main" id="{5615FC9B-A406-BC0C-C3A4-1BEDB486335A}"/>
-                </a:ext>
-              </a:extLst>
-            </p:cNvPr>
-            <p:cNvCxnSpPr>
-              <a:cxnSpLocks/>
-              <a:stCxn id="17" idx="4"/>
-              <a:endCxn id="12" idx="0"/>
-            </p:cNvCxnSpPr>
-            <p:nvPr/>
-          </p:nvCxnSpPr>
-          <p:spPr>
-            <a:xfrm flipH="1">
-              <a:off x="2044491" y="4088368"/>
-              <a:ext cx="193818" cy="249462"/>
-            </a:xfrm>
-            <a:prstGeom prst="line">
-              <a:avLst/>
-            </a:prstGeom>
-          </p:spPr>
-          <p:style>
-            <a:lnRef idx="2">
-              <a:schemeClr val="accent1"/>
-            </a:lnRef>
-            <a:fillRef idx="0">
-              <a:schemeClr val="accent1"/>
-            </a:fillRef>
-            <a:effectRef idx="1">
-              <a:schemeClr val="accent1"/>
-            </a:effectRef>
-            <a:fontRef idx="minor">
-              <a:schemeClr val="tx1"/>
-            </a:fontRef>
-          </p:style>
-        </p:cxnSp>
-        <p:cxnSp>
-          <p:nvCxnSpPr>
-            <p:cNvPr id="67" name="Straight Connector 66">
-              <a:extLst>
-                <a:ext uri="{FF2B5EF4-FFF2-40B4-BE49-F238E27FC236}">
-                  <a16:creationId xmlns:a16="http://schemas.microsoft.com/office/drawing/2014/main" id="{DECA3BE6-C264-7ED4-00E6-C89F8D67BD0B}"/>
-                </a:ext>
-              </a:extLst>
-            </p:cNvPr>
-            <p:cNvCxnSpPr>
-              <a:cxnSpLocks/>
-              <a:endCxn id="12" idx="0"/>
-            </p:cNvCxnSpPr>
-            <p:nvPr/>
-          </p:nvCxnSpPr>
-          <p:spPr>
-            <a:xfrm flipH="1">
-              <a:off x="2044491" y="4070404"/>
-              <a:ext cx="507118" cy="267426"/>
-            </a:xfrm>
-            <a:prstGeom prst="line">
-              <a:avLst/>
-            </a:prstGeom>
-          </p:spPr>
-          <p:style>
-            <a:lnRef idx="2">
-              <a:schemeClr val="accent1"/>
-            </a:lnRef>
-            <a:fillRef idx="0">
-              <a:schemeClr val="accent1"/>
-            </a:fillRef>
-            <a:effectRef idx="1">
-              <a:schemeClr val="accent1"/>
-            </a:effectRef>
-            <a:fontRef idx="minor">
-              <a:schemeClr val="tx1"/>
-            </a:fontRef>
-          </p:style>
-        </p:cxnSp>
-        <p:cxnSp>
-          <p:nvCxnSpPr>
-            <p:cNvPr id="71" name="Straight Connector 70">
-              <a:extLst>
-                <a:ext uri="{FF2B5EF4-FFF2-40B4-BE49-F238E27FC236}">
-                  <a16:creationId xmlns:a16="http://schemas.microsoft.com/office/drawing/2014/main" id="{ADAA460E-9B5F-D611-933A-EEF30027E0C3}"/>
-                </a:ext>
-              </a:extLst>
-            </p:cNvPr>
-            <p:cNvCxnSpPr>
-              <a:cxnSpLocks/>
-              <a:stCxn id="19" idx="4"/>
-            </p:cNvCxnSpPr>
-            <p:nvPr/>
-          </p:nvCxnSpPr>
-          <p:spPr>
-            <a:xfrm flipH="1">
-              <a:off x="2059512" y="4088368"/>
-              <a:ext cx="746123" cy="246648"/>
-            </a:xfrm>
-            <a:prstGeom prst="line">
-              <a:avLst/>
-            </a:prstGeom>
-          </p:spPr>
-          <p:style>
-            <a:lnRef idx="2">
-              <a:schemeClr val="accent1"/>
-            </a:lnRef>
-            <a:fillRef idx="0">
-              <a:schemeClr val="accent1"/>
-            </a:fillRef>
-            <a:effectRef idx="1">
-              <a:schemeClr val="accent1"/>
-            </a:effectRef>
-            <a:fontRef idx="minor">
-              <a:schemeClr val="tx1"/>
-            </a:fontRef>
-          </p:style>
-        </p:cxnSp>
-        <p:cxnSp>
-          <p:nvCxnSpPr>
-            <p:cNvPr id="74" name="Straight Connector 73">
-              <a:extLst>
-                <a:ext uri="{FF2B5EF4-FFF2-40B4-BE49-F238E27FC236}">
-                  <a16:creationId xmlns:a16="http://schemas.microsoft.com/office/drawing/2014/main" id="{ECDB145F-5863-3918-EF40-6BC3784CC38B}"/>
-                </a:ext>
-              </a:extLst>
-            </p:cNvPr>
-            <p:cNvCxnSpPr>
-              <a:cxnSpLocks/>
-              <a:stCxn id="13" idx="1"/>
-              <a:endCxn id="15" idx="4"/>
-            </p:cNvCxnSpPr>
-            <p:nvPr/>
-          </p:nvCxnSpPr>
-          <p:spPr>
-            <a:xfrm flipH="1" flipV="1">
-              <a:off x="1902781" y="4088369"/>
-              <a:ext cx="399528" cy="269752"/>
-            </a:xfrm>
-            <a:prstGeom prst="line">
-              <a:avLst/>
-            </a:prstGeom>
-          </p:spPr>
-          <p:style>
-            <a:lnRef idx="2">
-              <a:schemeClr val="accent1"/>
-            </a:lnRef>
-            <a:fillRef idx="0">
-              <a:schemeClr val="accent1"/>
-            </a:fillRef>
-            <a:effectRef idx="1">
-              <a:schemeClr val="accent1"/>
-            </a:effectRef>
-            <a:fontRef idx="minor">
-              <a:schemeClr val="tx1"/>
-            </a:fontRef>
-          </p:style>
-        </p:cxnSp>
-        <p:cxnSp>
-          <p:nvCxnSpPr>
-            <p:cNvPr id="77" name="Straight Connector 76">
-              <a:extLst>
-                <a:ext uri="{FF2B5EF4-FFF2-40B4-BE49-F238E27FC236}">
-                  <a16:creationId xmlns:a16="http://schemas.microsoft.com/office/drawing/2014/main" id="{81192477-47BE-D0C3-5427-E1A69995F38B}"/>
-                </a:ext>
-              </a:extLst>
-            </p:cNvPr>
-            <p:cNvCxnSpPr>
-              <a:cxnSpLocks/>
-              <a:stCxn id="13" idx="1"/>
-              <a:endCxn id="16" idx="4"/>
-            </p:cNvCxnSpPr>
-            <p:nvPr/>
-          </p:nvCxnSpPr>
-          <p:spPr>
-            <a:xfrm flipH="1" flipV="1">
-              <a:off x="2070545" y="4088368"/>
-              <a:ext cx="231764" cy="269753"/>
-            </a:xfrm>
-            <a:prstGeom prst="line">
-              <a:avLst/>
-            </a:prstGeom>
-          </p:spPr>
-          <p:style>
-            <a:lnRef idx="2">
-              <a:schemeClr val="accent1"/>
-            </a:lnRef>
-            <a:fillRef idx="0">
-              <a:schemeClr val="accent1"/>
-            </a:fillRef>
-            <a:effectRef idx="1">
-              <a:schemeClr val="accent1"/>
-            </a:effectRef>
-            <a:fontRef idx="minor">
-              <a:schemeClr val="tx1"/>
-            </a:fontRef>
-          </p:style>
-        </p:cxnSp>
-        <p:cxnSp>
-          <p:nvCxnSpPr>
-            <p:cNvPr id="80" name="Straight Connector 79">
-              <a:extLst>
-                <a:ext uri="{FF2B5EF4-FFF2-40B4-BE49-F238E27FC236}">
-                  <a16:creationId xmlns:a16="http://schemas.microsoft.com/office/drawing/2014/main" id="{8C91EBA9-94D2-FBC7-3ED1-194DDEBEBB82}"/>
-                </a:ext>
-              </a:extLst>
-            </p:cNvPr>
-            <p:cNvCxnSpPr>
-              <a:cxnSpLocks/>
-              <a:stCxn id="13" idx="1"/>
-            </p:cNvCxnSpPr>
-            <p:nvPr/>
-          </p:nvCxnSpPr>
-          <p:spPr>
-            <a:xfrm flipV="1">
-              <a:off x="2302309" y="4085554"/>
-              <a:ext cx="286514" cy="272567"/>
-            </a:xfrm>
-            <a:prstGeom prst="line">
-              <a:avLst/>
-            </a:prstGeom>
-          </p:spPr>
-          <p:style>
-            <a:lnRef idx="2">
-              <a:schemeClr val="accent1"/>
-            </a:lnRef>
-            <a:fillRef idx="0">
-              <a:schemeClr val="accent1"/>
-            </a:fillRef>
-            <a:effectRef idx="1">
-              <a:schemeClr val="accent1"/>
-            </a:effectRef>
-            <a:fontRef idx="minor">
-              <a:schemeClr val="tx1"/>
-            </a:fontRef>
-          </p:style>
-        </p:cxnSp>
-        <p:cxnSp>
-          <p:nvCxnSpPr>
-            <p:cNvPr id="83" name="Straight Connector 82">
-              <a:extLst>
-                <a:ext uri="{FF2B5EF4-FFF2-40B4-BE49-F238E27FC236}">
-                  <a16:creationId xmlns:a16="http://schemas.microsoft.com/office/drawing/2014/main" id="{5873930E-6841-6A47-89D3-8619132088E0}"/>
-                </a:ext>
-              </a:extLst>
-            </p:cNvPr>
-            <p:cNvCxnSpPr>
-              <a:cxnSpLocks/>
-              <a:stCxn id="13" idx="1"/>
-              <a:endCxn id="19" idx="4"/>
-            </p:cNvCxnSpPr>
-            <p:nvPr/>
-          </p:nvCxnSpPr>
-          <p:spPr>
-            <a:xfrm flipV="1">
-              <a:off x="2302309" y="4088368"/>
-              <a:ext cx="503326" cy="269753"/>
-            </a:xfrm>
-            <a:prstGeom prst="line">
-              <a:avLst/>
-            </a:prstGeom>
-          </p:spPr>
-          <p:style>
-            <a:lnRef idx="2">
-              <a:schemeClr val="accent1"/>
-            </a:lnRef>
-            <a:fillRef idx="0">
-              <a:schemeClr val="accent1"/>
-            </a:fillRef>
-            <a:effectRef idx="1">
-              <a:schemeClr val="accent1"/>
-            </a:effectRef>
-            <a:fontRef idx="minor">
-              <a:schemeClr val="tx1"/>
-            </a:fontRef>
-          </p:style>
-        </p:cxnSp>
-        <p:cxnSp>
-          <p:nvCxnSpPr>
-            <p:cNvPr id="86" name="Straight Connector 85">
-              <a:extLst>
-                <a:ext uri="{FF2B5EF4-FFF2-40B4-BE49-F238E27FC236}">
-                  <a16:creationId xmlns:a16="http://schemas.microsoft.com/office/drawing/2014/main" id="{8F3A2EE0-D1DE-B45F-C62D-FC3A7CE9DE8E}"/>
-                </a:ext>
-              </a:extLst>
-            </p:cNvPr>
-            <p:cNvCxnSpPr>
-              <a:cxnSpLocks/>
-              <a:stCxn id="14" idx="0"/>
-              <a:endCxn id="15" idx="4"/>
-            </p:cNvCxnSpPr>
-            <p:nvPr/>
-          </p:nvCxnSpPr>
-          <p:spPr>
-            <a:xfrm flipH="1" flipV="1">
-              <a:off x="1902781" y="4088369"/>
-              <a:ext cx="756654" cy="249461"/>
-            </a:xfrm>
-            <a:prstGeom prst="line">
-              <a:avLst/>
-            </a:prstGeom>
-          </p:spPr>
-          <p:style>
-            <a:lnRef idx="2">
-              <a:schemeClr val="accent1"/>
-            </a:lnRef>
-            <a:fillRef idx="0">
-              <a:schemeClr val="accent1"/>
-            </a:fillRef>
-            <a:effectRef idx="1">
-              <a:schemeClr val="accent1"/>
-            </a:effectRef>
-            <a:fontRef idx="minor">
-              <a:schemeClr val="tx1"/>
-            </a:fontRef>
-          </p:style>
-        </p:cxnSp>
-        <p:cxnSp>
-          <p:nvCxnSpPr>
-            <p:cNvPr id="90" name="Straight Connector 89">
-              <a:extLst>
-                <a:ext uri="{FF2B5EF4-FFF2-40B4-BE49-F238E27FC236}">
-                  <a16:creationId xmlns:a16="http://schemas.microsoft.com/office/drawing/2014/main" id="{0398E664-4E38-E6E0-ED50-11F683BE38BF}"/>
-                </a:ext>
-              </a:extLst>
-            </p:cNvPr>
-            <p:cNvCxnSpPr>
-              <a:cxnSpLocks/>
-              <a:stCxn id="14" idx="0"/>
-              <a:endCxn id="16" idx="4"/>
-            </p:cNvCxnSpPr>
-            <p:nvPr/>
-          </p:nvCxnSpPr>
-          <p:spPr>
-            <a:xfrm flipH="1" flipV="1">
-              <a:off x="2070545" y="4088368"/>
-              <a:ext cx="588890" cy="249462"/>
-            </a:xfrm>
-            <a:prstGeom prst="line">
-              <a:avLst/>
-            </a:prstGeom>
-          </p:spPr>
-          <p:style>
-            <a:lnRef idx="2">
-              <a:schemeClr val="accent1"/>
-            </a:lnRef>
-            <a:fillRef idx="0">
-              <a:schemeClr val="accent1"/>
-            </a:fillRef>
-            <a:effectRef idx="1">
-              <a:schemeClr val="accent1"/>
-            </a:effectRef>
-            <a:fontRef idx="minor">
-              <a:schemeClr val="tx1"/>
-            </a:fontRef>
-          </p:style>
-        </p:cxnSp>
-        <p:cxnSp>
-          <p:nvCxnSpPr>
-            <p:cNvPr id="93" name="Straight Connector 92">
-              <a:extLst>
-                <a:ext uri="{FF2B5EF4-FFF2-40B4-BE49-F238E27FC236}">
-                  <a16:creationId xmlns:a16="http://schemas.microsoft.com/office/drawing/2014/main" id="{8B8B4B5D-C4D2-42E2-A15D-4E966F2E02D9}"/>
-                </a:ext>
-              </a:extLst>
-            </p:cNvPr>
-            <p:cNvCxnSpPr>
-              <a:cxnSpLocks/>
-              <a:stCxn id="14" idx="0"/>
-              <a:endCxn id="17" idx="4"/>
-            </p:cNvCxnSpPr>
-            <p:nvPr/>
-          </p:nvCxnSpPr>
-          <p:spPr>
-            <a:xfrm flipH="1" flipV="1">
-              <a:off x="2238309" y="4088368"/>
-              <a:ext cx="421126" cy="249462"/>
-            </a:xfrm>
-            <a:prstGeom prst="line">
-              <a:avLst/>
-            </a:prstGeom>
-          </p:spPr>
-          <p:style>
-            <a:lnRef idx="2">
-              <a:schemeClr val="accent1"/>
-            </a:lnRef>
-            <a:fillRef idx="0">
-              <a:schemeClr val="accent1"/>
-            </a:fillRef>
-            <a:effectRef idx="1">
-              <a:schemeClr val="accent1"/>
-            </a:effectRef>
-            <a:fontRef idx="minor">
-              <a:schemeClr val="tx1"/>
-            </a:fontRef>
-          </p:style>
-        </p:cxnSp>
-        <p:cxnSp>
-          <p:nvCxnSpPr>
-            <p:cNvPr id="96" name="Straight Connector 95">
-              <a:extLst>
-                <a:ext uri="{FF2B5EF4-FFF2-40B4-BE49-F238E27FC236}">
-                  <a16:creationId xmlns:a16="http://schemas.microsoft.com/office/drawing/2014/main" id="{C3620A67-A744-442A-8DBC-F6144EFDEC1B}"/>
-                </a:ext>
-              </a:extLst>
-            </p:cNvPr>
-            <p:cNvCxnSpPr>
-              <a:cxnSpLocks/>
-              <a:stCxn id="14" idx="0"/>
-            </p:cNvCxnSpPr>
-            <p:nvPr/>
-          </p:nvCxnSpPr>
-          <p:spPr>
-            <a:xfrm flipH="1" flipV="1">
-              <a:off x="2580119" y="4065263"/>
-              <a:ext cx="79316" cy="272567"/>
-            </a:xfrm>
-            <a:prstGeom prst="line">
-              <a:avLst/>
-            </a:prstGeom>
-          </p:spPr>
-          <p:style>
-            <a:lnRef idx="2">
-              <a:schemeClr val="accent1"/>
-            </a:lnRef>
-            <a:fillRef idx="0">
-              <a:schemeClr val="accent1"/>
-            </a:fillRef>
-            <a:effectRef idx="1">
-              <a:schemeClr val="accent1"/>
-            </a:effectRef>
-            <a:fontRef idx="minor">
-              <a:schemeClr val="tx1"/>
-            </a:fontRef>
-          </p:style>
-        </p:cxnSp>
-        <p:cxnSp>
-          <p:nvCxnSpPr>
-            <p:cNvPr id="99" name="Straight Connector 98">
-              <a:extLst>
-                <a:ext uri="{FF2B5EF4-FFF2-40B4-BE49-F238E27FC236}">
-                  <a16:creationId xmlns:a16="http://schemas.microsoft.com/office/drawing/2014/main" id="{92E08D82-F359-A66E-6B95-27C5F40985D0}"/>
-                </a:ext>
-              </a:extLst>
-            </p:cNvPr>
-            <p:cNvCxnSpPr>
-              <a:cxnSpLocks/>
-              <a:stCxn id="14" idx="0"/>
-              <a:endCxn id="19" idx="4"/>
-            </p:cNvCxnSpPr>
-            <p:nvPr/>
-          </p:nvCxnSpPr>
-          <p:spPr>
-            <a:xfrm flipV="1">
-              <a:off x="2659435" y="4088368"/>
-              <a:ext cx="146200" cy="249462"/>
-            </a:xfrm>
-            <a:prstGeom prst="line">
-              <a:avLst/>
-            </a:prstGeom>
-          </p:spPr>
-          <p:style>
-            <a:lnRef idx="2">
-              <a:schemeClr val="accent1"/>
-            </a:lnRef>
-            <a:fillRef idx="0">
-              <a:schemeClr val="accent1"/>
-            </a:fillRef>
-            <a:effectRef idx="1">
-              <a:schemeClr val="accent1"/>
-            </a:effectRef>
-            <a:fontRef idx="minor">
-              <a:schemeClr val="tx1"/>
-            </a:fontRef>
-          </p:style>
-        </p:cxnSp>
-        <p:cxnSp>
-          <p:nvCxnSpPr>
-            <p:cNvPr id="102" name="Straight Connector 101">
-              <a:extLst>
-                <a:ext uri="{FF2B5EF4-FFF2-40B4-BE49-F238E27FC236}">
-                  <a16:creationId xmlns:a16="http://schemas.microsoft.com/office/drawing/2014/main" id="{7C95C74B-D45E-961D-602A-B4BE2A54C944}"/>
-                </a:ext>
-              </a:extLst>
-            </p:cNvPr>
-            <p:cNvCxnSpPr>
-              <a:cxnSpLocks/>
-              <a:stCxn id="15" idx="0"/>
-              <a:endCxn id="21" idx="4"/>
-            </p:cNvCxnSpPr>
-            <p:nvPr/>
-          </p:nvCxnSpPr>
-          <p:spPr>
-            <a:xfrm flipV="1">
-              <a:off x="1902781" y="3801980"/>
-              <a:ext cx="0" cy="147833"/>
-            </a:xfrm>
-            <a:prstGeom prst="line">
-              <a:avLst/>
-            </a:prstGeom>
-          </p:spPr>
-          <p:style>
-            <a:lnRef idx="2">
-              <a:schemeClr val="accent1"/>
-            </a:lnRef>
-            <a:fillRef idx="0">
-              <a:schemeClr val="accent1"/>
-            </a:fillRef>
-            <a:effectRef idx="1">
-              <a:schemeClr val="accent1"/>
-            </a:effectRef>
-            <a:fontRef idx="minor">
-              <a:schemeClr val="tx1"/>
-            </a:fontRef>
-          </p:style>
-        </p:cxnSp>
-        <p:cxnSp>
-          <p:nvCxnSpPr>
-            <p:cNvPr id="104" name="Straight Connector 103">
-              <a:extLst>
-                <a:ext uri="{FF2B5EF4-FFF2-40B4-BE49-F238E27FC236}">
-                  <a16:creationId xmlns:a16="http://schemas.microsoft.com/office/drawing/2014/main" id="{950F3811-D6B5-5CA1-CB30-1A11DAE3BD0E}"/>
-                </a:ext>
-              </a:extLst>
-            </p:cNvPr>
-            <p:cNvCxnSpPr>
-              <a:cxnSpLocks/>
-              <a:stCxn id="15" idx="0"/>
-              <a:endCxn id="22" idx="4"/>
-            </p:cNvCxnSpPr>
-            <p:nvPr/>
-          </p:nvCxnSpPr>
-          <p:spPr>
-            <a:xfrm flipV="1">
-              <a:off x="1902781" y="3801979"/>
-              <a:ext cx="167764" cy="147834"/>
-            </a:xfrm>
-            <a:prstGeom prst="line">
-              <a:avLst/>
-            </a:prstGeom>
-          </p:spPr>
-          <p:style>
-            <a:lnRef idx="2">
-              <a:schemeClr val="accent1"/>
-            </a:lnRef>
-            <a:fillRef idx="0">
-              <a:schemeClr val="accent1"/>
-            </a:fillRef>
-            <a:effectRef idx="1">
-              <a:schemeClr val="accent1"/>
-            </a:effectRef>
-            <a:fontRef idx="minor">
-              <a:schemeClr val="tx1"/>
-            </a:fontRef>
-          </p:style>
-        </p:cxnSp>
-        <p:cxnSp>
-          <p:nvCxnSpPr>
-            <p:cNvPr id="107" name="Straight Connector 106">
-              <a:extLst>
-                <a:ext uri="{FF2B5EF4-FFF2-40B4-BE49-F238E27FC236}">
-                  <a16:creationId xmlns:a16="http://schemas.microsoft.com/office/drawing/2014/main" id="{820F41E0-700F-7AD3-1679-B08BBCCA2D0E}"/>
-                </a:ext>
-              </a:extLst>
-            </p:cNvPr>
-            <p:cNvCxnSpPr>
-              <a:cxnSpLocks/>
-              <a:stCxn id="15" idx="0"/>
-            </p:cNvCxnSpPr>
-            <p:nvPr/>
-          </p:nvCxnSpPr>
-          <p:spPr>
-            <a:xfrm flipV="1">
-              <a:off x="1902781" y="3815599"/>
-              <a:ext cx="335093" cy="134214"/>
-            </a:xfrm>
-            <a:prstGeom prst="line">
-              <a:avLst/>
-            </a:prstGeom>
-          </p:spPr>
-          <p:style>
-            <a:lnRef idx="2">
-              <a:schemeClr val="accent1"/>
-            </a:lnRef>
-            <a:fillRef idx="0">
-              <a:schemeClr val="accent1"/>
-            </a:fillRef>
-            <a:effectRef idx="1">
-              <a:schemeClr val="accent1"/>
-            </a:effectRef>
-            <a:fontRef idx="minor">
-              <a:schemeClr val="tx1"/>
-            </a:fontRef>
-          </p:style>
-        </p:cxnSp>
-        <p:cxnSp>
-          <p:nvCxnSpPr>
-            <p:cNvPr id="110" name="Straight Connector 109">
-              <a:extLst>
-                <a:ext uri="{FF2B5EF4-FFF2-40B4-BE49-F238E27FC236}">
-                  <a16:creationId xmlns:a16="http://schemas.microsoft.com/office/drawing/2014/main" id="{30637C13-C465-E4F3-6D95-49E7278BAA4F}"/>
-                </a:ext>
-              </a:extLst>
-            </p:cNvPr>
-            <p:cNvCxnSpPr>
-              <a:cxnSpLocks/>
-              <a:stCxn id="15" idx="0"/>
-            </p:cNvCxnSpPr>
-            <p:nvPr/>
-          </p:nvCxnSpPr>
-          <p:spPr>
-            <a:xfrm flipV="1">
-              <a:off x="1902781" y="3814834"/>
-              <a:ext cx="682453" cy="134979"/>
-            </a:xfrm>
-            <a:prstGeom prst="line">
-              <a:avLst/>
-            </a:prstGeom>
-          </p:spPr>
-          <p:style>
-            <a:lnRef idx="2">
-              <a:schemeClr val="accent1"/>
-            </a:lnRef>
-            <a:fillRef idx="0">
-              <a:schemeClr val="accent1"/>
-            </a:fillRef>
-            <a:effectRef idx="1">
-              <a:schemeClr val="accent1"/>
-            </a:effectRef>
-            <a:fontRef idx="minor">
-              <a:schemeClr val="tx1"/>
-            </a:fontRef>
-          </p:style>
-        </p:cxnSp>
-        <p:cxnSp>
-          <p:nvCxnSpPr>
-            <p:cNvPr id="113" name="Straight Connector 112">
-              <a:extLst>
-                <a:ext uri="{FF2B5EF4-FFF2-40B4-BE49-F238E27FC236}">
-                  <a16:creationId xmlns:a16="http://schemas.microsoft.com/office/drawing/2014/main" id="{10945DB1-D534-B46B-23DA-9EC4D4588DCE}"/>
-                </a:ext>
-              </a:extLst>
-            </p:cNvPr>
-            <p:cNvCxnSpPr>
-              <a:cxnSpLocks/>
-              <a:endCxn id="25" idx="4"/>
-            </p:cNvCxnSpPr>
-            <p:nvPr/>
-          </p:nvCxnSpPr>
-          <p:spPr>
-            <a:xfrm flipV="1">
-              <a:off x="1875518" y="3801979"/>
-              <a:ext cx="930117" cy="167307"/>
-            </a:xfrm>
-            <a:prstGeom prst="line">
-              <a:avLst/>
-            </a:prstGeom>
-          </p:spPr>
-          <p:style>
-            <a:lnRef idx="2">
-              <a:schemeClr val="accent1"/>
-            </a:lnRef>
-            <a:fillRef idx="0">
-              <a:schemeClr val="accent1"/>
-            </a:fillRef>
-            <a:effectRef idx="1">
-              <a:schemeClr val="accent1"/>
-            </a:effectRef>
-            <a:fontRef idx="minor">
-              <a:schemeClr val="tx1"/>
-            </a:fontRef>
-          </p:style>
-        </p:cxnSp>
-        <p:cxnSp>
-          <p:nvCxnSpPr>
-            <p:cNvPr id="115" name="Straight Connector 114">
-              <a:extLst>
-                <a:ext uri="{FF2B5EF4-FFF2-40B4-BE49-F238E27FC236}">
-                  <a16:creationId xmlns:a16="http://schemas.microsoft.com/office/drawing/2014/main" id="{5E74EA15-DE0B-CBAC-CA01-1EE5537E7D75}"/>
-                </a:ext>
-              </a:extLst>
-            </p:cNvPr>
-            <p:cNvCxnSpPr>
-              <a:cxnSpLocks/>
-              <a:stCxn id="19" idx="0"/>
-              <a:endCxn id="25" idx="4"/>
-            </p:cNvCxnSpPr>
-            <p:nvPr/>
-          </p:nvCxnSpPr>
-          <p:spPr>
-            <a:xfrm flipV="1">
-              <a:off x="2805635" y="3801979"/>
-              <a:ext cx="0" cy="147833"/>
-            </a:xfrm>
-            <a:prstGeom prst="line">
-              <a:avLst/>
-            </a:prstGeom>
-          </p:spPr>
-          <p:style>
-            <a:lnRef idx="2">
-              <a:schemeClr val="accent1"/>
-            </a:lnRef>
-            <a:fillRef idx="0">
-              <a:schemeClr val="accent1"/>
-            </a:fillRef>
-            <a:effectRef idx="1">
-              <a:schemeClr val="accent1"/>
-            </a:effectRef>
-            <a:fontRef idx="minor">
-              <a:schemeClr val="tx1"/>
-            </a:fontRef>
-          </p:style>
-        </p:cxnSp>
-        <p:cxnSp>
-          <p:nvCxnSpPr>
-            <p:cNvPr id="118" name="Straight Connector 117">
-              <a:extLst>
-                <a:ext uri="{FF2B5EF4-FFF2-40B4-BE49-F238E27FC236}">
-                  <a16:creationId xmlns:a16="http://schemas.microsoft.com/office/drawing/2014/main" id="{DAC6FB7B-E9D5-15CE-1631-DEBD92D065EB}"/>
-                </a:ext>
-              </a:extLst>
-            </p:cNvPr>
-            <p:cNvCxnSpPr>
-              <a:cxnSpLocks/>
-              <a:stCxn id="19" idx="0"/>
-              <a:endCxn id="24" idx="4"/>
-            </p:cNvCxnSpPr>
-            <p:nvPr/>
-          </p:nvCxnSpPr>
-          <p:spPr>
-            <a:xfrm flipH="1" flipV="1">
-              <a:off x="2585234" y="3801979"/>
-              <a:ext cx="220401" cy="147833"/>
-            </a:xfrm>
-            <a:prstGeom prst="line">
-              <a:avLst/>
-            </a:prstGeom>
-          </p:spPr>
-          <p:style>
-            <a:lnRef idx="2">
-              <a:schemeClr val="accent1"/>
-            </a:lnRef>
-            <a:fillRef idx="0">
-              <a:schemeClr val="accent1"/>
-            </a:fillRef>
-            <a:effectRef idx="1">
-              <a:schemeClr val="accent1"/>
-            </a:effectRef>
-            <a:fontRef idx="minor">
-              <a:schemeClr val="tx1"/>
-            </a:fontRef>
-          </p:style>
-        </p:cxnSp>
-        <p:cxnSp>
-          <p:nvCxnSpPr>
-            <p:cNvPr id="121" name="Straight Connector 120">
-              <a:extLst>
-                <a:ext uri="{FF2B5EF4-FFF2-40B4-BE49-F238E27FC236}">
-                  <a16:creationId xmlns:a16="http://schemas.microsoft.com/office/drawing/2014/main" id="{B2ED6689-0C3E-A79D-A200-C4AE45237007}"/>
-                </a:ext>
-              </a:extLst>
-            </p:cNvPr>
-            <p:cNvCxnSpPr>
-              <a:cxnSpLocks/>
-              <a:stCxn id="19" idx="0"/>
-            </p:cNvCxnSpPr>
-            <p:nvPr/>
-          </p:nvCxnSpPr>
-          <p:spPr>
-            <a:xfrm flipH="1" flipV="1">
-              <a:off x="2248907" y="3825084"/>
-              <a:ext cx="556728" cy="124728"/>
-            </a:xfrm>
-            <a:prstGeom prst="line">
-              <a:avLst/>
-            </a:prstGeom>
-          </p:spPr>
-          <p:style>
-            <a:lnRef idx="2">
-              <a:schemeClr val="accent1"/>
-            </a:lnRef>
-            <a:fillRef idx="0">
-              <a:schemeClr val="accent1"/>
-            </a:fillRef>
-            <a:effectRef idx="1">
-              <a:schemeClr val="accent1"/>
-            </a:effectRef>
-            <a:fontRef idx="minor">
-              <a:schemeClr val="tx1"/>
-            </a:fontRef>
-          </p:style>
-        </p:cxnSp>
-        <p:cxnSp>
-          <p:nvCxnSpPr>
-            <p:cNvPr id="124" name="Straight Connector 123">
-              <a:extLst>
-                <a:ext uri="{FF2B5EF4-FFF2-40B4-BE49-F238E27FC236}">
-                  <a16:creationId xmlns:a16="http://schemas.microsoft.com/office/drawing/2014/main" id="{4FC2E57F-C2DF-2B63-D072-52F60AAAA54C}"/>
-                </a:ext>
-              </a:extLst>
-            </p:cNvPr>
-            <p:cNvCxnSpPr>
-              <a:cxnSpLocks/>
-              <a:stCxn id="19" idx="0"/>
-              <a:endCxn id="22" idx="4"/>
-            </p:cNvCxnSpPr>
-            <p:nvPr/>
-          </p:nvCxnSpPr>
-          <p:spPr>
-            <a:xfrm flipH="1" flipV="1">
-              <a:off x="2070545" y="3801979"/>
-              <a:ext cx="735090" cy="147833"/>
-            </a:xfrm>
-            <a:prstGeom prst="line">
-              <a:avLst/>
-            </a:prstGeom>
-          </p:spPr>
-          <p:style>
-            <a:lnRef idx="2">
-              <a:schemeClr val="accent1"/>
-            </a:lnRef>
-            <a:fillRef idx="0">
-              <a:schemeClr val="accent1"/>
-            </a:fillRef>
-            <a:effectRef idx="1">
-              <a:schemeClr val="accent1"/>
-            </a:effectRef>
-            <a:fontRef idx="minor">
-              <a:schemeClr val="tx1"/>
-            </a:fontRef>
-          </p:style>
-        </p:cxnSp>
-        <p:cxnSp>
-          <p:nvCxnSpPr>
-            <p:cNvPr id="128" name="Straight Connector 127">
-              <a:extLst>
-                <a:ext uri="{FF2B5EF4-FFF2-40B4-BE49-F238E27FC236}">
-                  <a16:creationId xmlns:a16="http://schemas.microsoft.com/office/drawing/2014/main" id="{0B5ABE46-BA9C-7E91-566D-3EE2E7D5CD1A}"/>
-                </a:ext>
-              </a:extLst>
-            </p:cNvPr>
-            <p:cNvCxnSpPr>
-              <a:cxnSpLocks/>
-              <a:endCxn id="25" idx="3"/>
-            </p:cNvCxnSpPr>
-            <p:nvPr/>
-          </p:nvCxnSpPr>
-          <p:spPr>
-            <a:xfrm flipV="1">
-              <a:off x="2551011" y="3781688"/>
-              <a:ext cx="205637" cy="185212"/>
-            </a:xfrm>
-            <a:prstGeom prst="line">
-              <a:avLst/>
-            </a:prstGeom>
-          </p:spPr>
-          <p:style>
-            <a:lnRef idx="2">
-              <a:schemeClr val="accent1"/>
-            </a:lnRef>
-            <a:fillRef idx="0">
-              <a:schemeClr val="accent1"/>
-            </a:fillRef>
-            <a:effectRef idx="1">
-              <a:schemeClr val="accent1"/>
-            </a:effectRef>
-            <a:fontRef idx="minor">
-              <a:schemeClr val="tx1"/>
-            </a:fontRef>
-          </p:style>
-        </p:cxnSp>
-        <p:cxnSp>
-          <p:nvCxnSpPr>
-            <p:cNvPr id="131" name="Straight Connector 130">
-              <a:extLst>
-                <a:ext uri="{FF2B5EF4-FFF2-40B4-BE49-F238E27FC236}">
-                  <a16:creationId xmlns:a16="http://schemas.microsoft.com/office/drawing/2014/main" id="{5394D895-A652-69CB-4E13-0F998002C36F}"/>
-                </a:ext>
-              </a:extLst>
-            </p:cNvPr>
-            <p:cNvCxnSpPr>
-              <a:cxnSpLocks/>
-            </p:cNvCxnSpPr>
-            <p:nvPr/>
-          </p:nvCxnSpPr>
-          <p:spPr>
-            <a:xfrm flipV="1">
-              <a:off x="2565812" y="3799165"/>
-              <a:ext cx="33153" cy="130992"/>
-            </a:xfrm>
-            <a:prstGeom prst="line">
-              <a:avLst/>
-            </a:prstGeom>
-          </p:spPr>
-          <p:style>
-            <a:lnRef idx="2">
-              <a:schemeClr val="accent1"/>
-            </a:lnRef>
-            <a:fillRef idx="0">
-              <a:schemeClr val="accent1"/>
-            </a:fillRef>
-            <a:effectRef idx="1">
-              <a:schemeClr val="accent1"/>
-            </a:effectRef>
-            <a:fontRef idx="minor">
-              <a:schemeClr val="tx1"/>
-            </a:fontRef>
-          </p:style>
-        </p:cxnSp>
-        <p:cxnSp>
-          <p:nvCxnSpPr>
-            <p:cNvPr id="134" name="Straight Connector 133">
-              <a:extLst>
-                <a:ext uri="{FF2B5EF4-FFF2-40B4-BE49-F238E27FC236}">
-                  <a16:creationId xmlns:a16="http://schemas.microsoft.com/office/drawing/2014/main" id="{09994565-B95F-80C3-DF49-7237CB36BB71}"/>
-                </a:ext>
-              </a:extLst>
-            </p:cNvPr>
-            <p:cNvCxnSpPr>
-              <a:cxnSpLocks/>
-              <a:stCxn id="20" idx="3"/>
-            </p:cNvCxnSpPr>
-            <p:nvPr/>
-          </p:nvCxnSpPr>
-          <p:spPr>
-            <a:xfrm flipH="1" flipV="1">
-              <a:off x="2282018" y="3794617"/>
-              <a:ext cx="387913" cy="173788"/>
-            </a:xfrm>
-            <a:prstGeom prst="line">
-              <a:avLst/>
-            </a:prstGeom>
-          </p:spPr>
-          <p:style>
-            <a:lnRef idx="2">
-              <a:schemeClr val="accent1"/>
-            </a:lnRef>
-            <a:fillRef idx="0">
-              <a:schemeClr val="accent1"/>
-            </a:fillRef>
-            <a:effectRef idx="1">
-              <a:schemeClr val="accent1"/>
-            </a:effectRef>
-            <a:fontRef idx="minor">
-              <a:schemeClr val="tx1"/>
-            </a:fontRef>
-          </p:style>
-        </p:cxnSp>
-        <p:cxnSp>
-          <p:nvCxnSpPr>
-            <p:cNvPr id="137" name="Straight Connector 136">
-              <a:extLst>
-                <a:ext uri="{FF2B5EF4-FFF2-40B4-BE49-F238E27FC236}">
-                  <a16:creationId xmlns:a16="http://schemas.microsoft.com/office/drawing/2014/main" id="{252C8164-8E00-B4D7-91A9-367227045A1B}"/>
-                </a:ext>
-              </a:extLst>
-            </p:cNvPr>
-            <p:cNvCxnSpPr>
-              <a:cxnSpLocks/>
-              <a:stCxn id="21" idx="4"/>
-            </p:cNvCxnSpPr>
-            <p:nvPr/>
-          </p:nvCxnSpPr>
-          <p:spPr>
-            <a:xfrm>
-              <a:off x="1902781" y="3801980"/>
-              <a:ext cx="182176" cy="138398"/>
-            </a:xfrm>
-            <a:prstGeom prst="line">
-              <a:avLst/>
-            </a:prstGeom>
-          </p:spPr>
-          <p:style>
-            <a:lnRef idx="2">
-              <a:schemeClr val="accent1"/>
-            </a:lnRef>
-            <a:fillRef idx="0">
-              <a:schemeClr val="accent1"/>
-            </a:fillRef>
-            <a:effectRef idx="1">
-              <a:schemeClr val="accent1"/>
-            </a:effectRef>
-            <a:fontRef idx="minor">
-              <a:schemeClr val="tx1"/>
-            </a:fontRef>
-          </p:style>
-        </p:cxnSp>
-        <p:cxnSp>
-          <p:nvCxnSpPr>
-            <p:cNvPr id="139" name="Straight Connector 138">
-              <a:extLst>
-                <a:ext uri="{FF2B5EF4-FFF2-40B4-BE49-F238E27FC236}">
-                  <a16:creationId xmlns:a16="http://schemas.microsoft.com/office/drawing/2014/main" id="{C0EFBDA1-B994-A603-C4D2-9BB636FDCA48}"/>
-                </a:ext>
-              </a:extLst>
-            </p:cNvPr>
-            <p:cNvCxnSpPr>
-              <a:cxnSpLocks/>
-              <a:endCxn id="22" idx="4"/>
-            </p:cNvCxnSpPr>
-            <p:nvPr/>
-          </p:nvCxnSpPr>
-          <p:spPr>
-            <a:xfrm flipV="1">
-              <a:off x="2055181" y="3801979"/>
-              <a:ext cx="15364" cy="152401"/>
-            </a:xfrm>
-            <a:prstGeom prst="line">
-              <a:avLst/>
-            </a:prstGeom>
-          </p:spPr>
-          <p:style>
-            <a:lnRef idx="2">
-              <a:schemeClr val="accent1"/>
-            </a:lnRef>
-            <a:fillRef idx="0">
-              <a:schemeClr val="accent1"/>
-            </a:fillRef>
-            <a:effectRef idx="1">
-              <a:schemeClr val="accent1"/>
-            </a:effectRef>
-            <a:fontRef idx="minor">
-              <a:schemeClr val="tx1"/>
-            </a:fontRef>
-          </p:style>
-        </p:cxnSp>
-        <p:cxnSp>
-          <p:nvCxnSpPr>
-            <p:cNvPr id="141" name="Straight Connector 140">
-              <a:extLst>
-                <a:ext uri="{FF2B5EF4-FFF2-40B4-BE49-F238E27FC236}">
-                  <a16:creationId xmlns:a16="http://schemas.microsoft.com/office/drawing/2014/main" id="{2AF3B249-F24C-AAD2-48DF-529FD5FFDFD7}"/>
-                </a:ext>
-              </a:extLst>
-            </p:cNvPr>
-            <p:cNvCxnSpPr>
-              <a:cxnSpLocks/>
-              <a:stCxn id="16" idx="0"/>
-            </p:cNvCxnSpPr>
-            <p:nvPr/>
-          </p:nvCxnSpPr>
-          <p:spPr>
-            <a:xfrm flipV="1">
-              <a:off x="2070545" y="3820219"/>
-              <a:ext cx="175677" cy="129593"/>
-            </a:xfrm>
-            <a:prstGeom prst="line">
-              <a:avLst/>
-            </a:prstGeom>
-          </p:spPr>
-          <p:style>
-            <a:lnRef idx="2">
-              <a:schemeClr val="accent1"/>
-            </a:lnRef>
-            <a:fillRef idx="0">
-              <a:schemeClr val="accent1"/>
-            </a:fillRef>
-            <a:effectRef idx="1">
-              <a:schemeClr val="accent1"/>
-            </a:effectRef>
-            <a:fontRef idx="minor">
-              <a:schemeClr val="tx1"/>
-            </a:fontRef>
-          </p:style>
-        </p:cxnSp>
-        <p:cxnSp>
-          <p:nvCxnSpPr>
-            <p:cNvPr id="144" name="Straight Connector 143">
-              <a:extLst>
-                <a:ext uri="{FF2B5EF4-FFF2-40B4-BE49-F238E27FC236}">
-                  <a16:creationId xmlns:a16="http://schemas.microsoft.com/office/drawing/2014/main" id="{79366A72-16C8-314C-F81D-CF90BF050EFF}"/>
-                </a:ext>
-              </a:extLst>
-            </p:cNvPr>
-            <p:cNvCxnSpPr>
-              <a:cxnSpLocks/>
-              <a:stCxn id="20" idx="1"/>
-            </p:cNvCxnSpPr>
-            <p:nvPr/>
-          </p:nvCxnSpPr>
-          <p:spPr>
-            <a:xfrm flipV="1">
-              <a:off x="2230205" y="3814833"/>
-              <a:ext cx="371108" cy="153572"/>
-            </a:xfrm>
-            <a:prstGeom prst="line">
-              <a:avLst/>
-            </a:prstGeom>
-          </p:spPr>
-          <p:style>
-            <a:lnRef idx="2">
-              <a:schemeClr val="accent1"/>
-            </a:lnRef>
-            <a:fillRef idx="0">
-              <a:schemeClr val="accent1"/>
-            </a:fillRef>
-            <a:effectRef idx="1">
-              <a:schemeClr val="accent1"/>
-            </a:effectRef>
-            <a:fontRef idx="minor">
-              <a:schemeClr val="tx1"/>
-            </a:fontRef>
-          </p:style>
-        </p:cxnSp>
-        <p:cxnSp>
-          <p:nvCxnSpPr>
-            <p:cNvPr id="147" name="Straight Connector 146">
-              <a:extLst>
-                <a:ext uri="{FF2B5EF4-FFF2-40B4-BE49-F238E27FC236}">
-                  <a16:creationId xmlns:a16="http://schemas.microsoft.com/office/drawing/2014/main" id="{4572AC63-74BC-81EC-F86B-DE18989FC7F7}"/>
-                </a:ext>
-              </a:extLst>
-            </p:cNvPr>
-            <p:cNvCxnSpPr>
-              <a:cxnSpLocks/>
-            </p:cNvCxnSpPr>
-            <p:nvPr/>
-          </p:nvCxnSpPr>
-          <p:spPr>
-            <a:xfrm flipV="1">
-              <a:off x="2215483" y="3823756"/>
-              <a:ext cx="41813" cy="165556"/>
-            </a:xfrm>
-            <a:prstGeom prst="line">
-              <a:avLst/>
-            </a:prstGeom>
-          </p:spPr>
-          <p:style>
-            <a:lnRef idx="2">
-              <a:schemeClr val="accent1"/>
-            </a:lnRef>
-            <a:fillRef idx="0">
-              <a:schemeClr val="accent1"/>
-            </a:fillRef>
-            <a:effectRef idx="1">
-              <a:schemeClr val="accent1"/>
-            </a:effectRef>
-            <a:fontRef idx="minor">
-              <a:schemeClr val="tx1"/>
-            </a:fontRef>
-          </p:style>
-        </p:cxnSp>
-        <p:cxnSp>
-          <p:nvCxnSpPr>
-            <p:cNvPr id="150" name="Straight Connector 149">
-              <a:extLst>
-                <a:ext uri="{FF2B5EF4-FFF2-40B4-BE49-F238E27FC236}">
-                  <a16:creationId xmlns:a16="http://schemas.microsoft.com/office/drawing/2014/main" id="{4C286AEA-21B8-FB66-ACC5-378891AD77E1}"/>
-                </a:ext>
-              </a:extLst>
-            </p:cNvPr>
-            <p:cNvCxnSpPr>
-              <a:cxnSpLocks/>
-              <a:stCxn id="21" idx="0"/>
-              <a:endCxn id="47" idx="4"/>
-            </p:cNvCxnSpPr>
-            <p:nvPr/>
-          </p:nvCxnSpPr>
-          <p:spPr>
-            <a:xfrm flipV="1">
-              <a:off x="1902781" y="3394041"/>
-              <a:ext cx="0" cy="269383"/>
-            </a:xfrm>
-            <a:prstGeom prst="line">
-              <a:avLst/>
-            </a:prstGeom>
-          </p:spPr>
-          <p:style>
-            <a:lnRef idx="2">
-              <a:schemeClr val="accent1"/>
-            </a:lnRef>
-            <a:fillRef idx="0">
-              <a:schemeClr val="accent1"/>
-            </a:fillRef>
-            <a:effectRef idx="1">
-              <a:schemeClr val="accent1"/>
-            </a:effectRef>
-            <a:fontRef idx="minor">
-              <a:schemeClr val="tx1"/>
-            </a:fontRef>
-          </p:style>
-        </p:cxnSp>
-        <p:cxnSp>
-          <p:nvCxnSpPr>
-            <p:cNvPr id="152" name="Straight Connector 151">
-              <a:extLst>
-                <a:ext uri="{FF2B5EF4-FFF2-40B4-BE49-F238E27FC236}">
-                  <a16:creationId xmlns:a16="http://schemas.microsoft.com/office/drawing/2014/main" id="{94F8C98E-7D2F-FB39-D9C5-80DCBD950072}"/>
-                </a:ext>
-              </a:extLst>
-            </p:cNvPr>
-            <p:cNvCxnSpPr>
-              <a:cxnSpLocks/>
-              <a:stCxn id="21" idx="0"/>
-              <a:endCxn id="48" idx="4"/>
-            </p:cNvCxnSpPr>
-            <p:nvPr/>
-          </p:nvCxnSpPr>
-          <p:spPr>
-            <a:xfrm flipV="1">
-              <a:off x="1902781" y="3394040"/>
-              <a:ext cx="167764" cy="269384"/>
-            </a:xfrm>
-            <a:prstGeom prst="line">
-              <a:avLst/>
-            </a:prstGeom>
-          </p:spPr>
-          <p:style>
-            <a:lnRef idx="2">
-              <a:schemeClr val="accent1"/>
-            </a:lnRef>
-            <a:fillRef idx="0">
-              <a:schemeClr val="accent1"/>
-            </a:fillRef>
-            <a:effectRef idx="1">
-              <a:schemeClr val="accent1"/>
-            </a:effectRef>
-            <a:fontRef idx="minor">
-              <a:schemeClr val="tx1"/>
-            </a:fontRef>
-          </p:style>
-        </p:cxnSp>
-        <p:cxnSp>
-          <p:nvCxnSpPr>
-            <p:cNvPr id="155" name="Straight Connector 154">
-              <a:extLst>
-                <a:ext uri="{FF2B5EF4-FFF2-40B4-BE49-F238E27FC236}">
-                  <a16:creationId xmlns:a16="http://schemas.microsoft.com/office/drawing/2014/main" id="{EEE840EC-A5A6-8F20-5253-9F508E965CEE}"/>
-                </a:ext>
-              </a:extLst>
-            </p:cNvPr>
-            <p:cNvCxnSpPr>
-              <a:cxnSpLocks/>
-              <a:stCxn id="21" idx="0"/>
-              <a:endCxn id="49" idx="4"/>
-            </p:cNvCxnSpPr>
-            <p:nvPr/>
-          </p:nvCxnSpPr>
-          <p:spPr>
-            <a:xfrm flipV="1">
-              <a:off x="1902781" y="3394040"/>
-              <a:ext cx="335528" cy="269384"/>
-            </a:xfrm>
-            <a:prstGeom prst="line">
-              <a:avLst/>
-            </a:prstGeom>
-          </p:spPr>
-          <p:style>
-            <a:lnRef idx="2">
-              <a:schemeClr val="accent1"/>
-            </a:lnRef>
-            <a:fillRef idx="0">
-              <a:schemeClr val="accent1"/>
-            </a:fillRef>
-            <a:effectRef idx="1">
-              <a:schemeClr val="accent1"/>
-            </a:effectRef>
-            <a:fontRef idx="minor">
-              <a:schemeClr val="tx1"/>
-            </a:fontRef>
-          </p:style>
-        </p:cxnSp>
-        <p:cxnSp>
-          <p:nvCxnSpPr>
-            <p:cNvPr id="158" name="Straight Connector 157">
-              <a:extLst>
-                <a:ext uri="{FF2B5EF4-FFF2-40B4-BE49-F238E27FC236}">
-                  <a16:creationId xmlns:a16="http://schemas.microsoft.com/office/drawing/2014/main" id="{AFA25423-3EE0-B0E0-BF03-5AF0C159557D}"/>
-                </a:ext>
-              </a:extLst>
-            </p:cNvPr>
-            <p:cNvCxnSpPr>
-              <a:cxnSpLocks/>
-              <a:stCxn id="21" idx="1"/>
-              <a:endCxn id="50" idx="4"/>
-            </p:cNvCxnSpPr>
-            <p:nvPr/>
-          </p:nvCxnSpPr>
-          <p:spPr>
-            <a:xfrm flipV="1">
-              <a:off x="1853794" y="3394040"/>
-              <a:ext cx="731440" cy="289675"/>
-            </a:xfrm>
-            <a:prstGeom prst="line">
-              <a:avLst/>
-            </a:prstGeom>
-          </p:spPr>
-          <p:style>
-            <a:lnRef idx="2">
-              <a:schemeClr val="accent1"/>
-            </a:lnRef>
-            <a:fillRef idx="0">
-              <a:schemeClr val="accent1"/>
-            </a:fillRef>
-            <a:effectRef idx="1">
-              <a:schemeClr val="accent1"/>
-            </a:effectRef>
-            <a:fontRef idx="minor">
-              <a:schemeClr val="tx1"/>
-            </a:fontRef>
-          </p:style>
-        </p:cxnSp>
-        <p:cxnSp>
-          <p:nvCxnSpPr>
-            <p:cNvPr id="161" name="Straight Connector 160">
-              <a:extLst>
-                <a:ext uri="{FF2B5EF4-FFF2-40B4-BE49-F238E27FC236}">
-                  <a16:creationId xmlns:a16="http://schemas.microsoft.com/office/drawing/2014/main" id="{248F6572-C83F-4562-42ED-5D2F42D4AB37}"/>
-                </a:ext>
-              </a:extLst>
-            </p:cNvPr>
-            <p:cNvCxnSpPr>
-              <a:cxnSpLocks/>
-              <a:endCxn id="51" idx="4"/>
-            </p:cNvCxnSpPr>
-            <p:nvPr/>
-          </p:nvCxnSpPr>
-          <p:spPr>
-            <a:xfrm flipV="1">
-              <a:off x="1903781" y="3394040"/>
-              <a:ext cx="901854" cy="261808"/>
-            </a:xfrm>
-            <a:prstGeom prst="line">
-              <a:avLst/>
-            </a:prstGeom>
-          </p:spPr>
-          <p:style>
-            <a:lnRef idx="2">
-              <a:schemeClr val="accent1"/>
-            </a:lnRef>
-            <a:fillRef idx="0">
-              <a:schemeClr val="accent1"/>
-            </a:fillRef>
-            <a:effectRef idx="1">
-              <a:schemeClr val="accent1"/>
-            </a:effectRef>
-            <a:fontRef idx="minor">
-              <a:schemeClr val="tx1"/>
-            </a:fontRef>
-          </p:style>
-        </p:cxnSp>
-        <p:cxnSp>
-          <p:nvCxnSpPr>
-            <p:cNvPr id="163" name="Straight Connector 162">
-              <a:extLst>
-                <a:ext uri="{FF2B5EF4-FFF2-40B4-BE49-F238E27FC236}">
-                  <a16:creationId xmlns:a16="http://schemas.microsoft.com/office/drawing/2014/main" id="{88274480-97ED-8419-B42A-DDC99C729377}"/>
-                </a:ext>
-              </a:extLst>
-            </p:cNvPr>
-            <p:cNvCxnSpPr>
-              <a:cxnSpLocks/>
-              <a:stCxn id="22" idx="0"/>
-              <a:endCxn id="47" idx="4"/>
-            </p:cNvCxnSpPr>
-            <p:nvPr/>
-          </p:nvCxnSpPr>
-          <p:spPr>
-            <a:xfrm flipH="1" flipV="1">
-              <a:off x="1902781" y="3394041"/>
-              <a:ext cx="167764" cy="269382"/>
-            </a:xfrm>
-            <a:prstGeom prst="line">
-              <a:avLst/>
-            </a:prstGeom>
-          </p:spPr>
-          <p:style>
-            <a:lnRef idx="2">
-              <a:schemeClr val="accent1"/>
-            </a:lnRef>
-            <a:fillRef idx="0">
-              <a:schemeClr val="accent1"/>
-            </a:fillRef>
-            <a:effectRef idx="1">
-              <a:schemeClr val="accent1"/>
-            </a:effectRef>
-            <a:fontRef idx="minor">
-              <a:schemeClr val="tx1"/>
-            </a:fontRef>
-          </p:style>
-        </p:cxnSp>
-        <p:cxnSp>
-          <p:nvCxnSpPr>
-            <p:cNvPr id="166" name="Straight Connector 165">
-              <a:extLst>
-                <a:ext uri="{FF2B5EF4-FFF2-40B4-BE49-F238E27FC236}">
-                  <a16:creationId xmlns:a16="http://schemas.microsoft.com/office/drawing/2014/main" id="{C3EE1E79-54C5-D4AA-6132-FC27FCD94F4C}"/>
-                </a:ext>
-              </a:extLst>
-            </p:cNvPr>
-            <p:cNvCxnSpPr>
-              <a:cxnSpLocks/>
-              <a:stCxn id="26" idx="1"/>
-              <a:endCxn id="47" idx="4"/>
-            </p:cNvCxnSpPr>
-            <p:nvPr/>
-          </p:nvCxnSpPr>
-          <p:spPr>
-            <a:xfrm flipH="1" flipV="1">
-              <a:off x="1902781" y="3394041"/>
-              <a:ext cx="318887" cy="287622"/>
-            </a:xfrm>
-            <a:prstGeom prst="line">
-              <a:avLst/>
-            </a:prstGeom>
-          </p:spPr>
-          <p:style>
-            <a:lnRef idx="2">
-              <a:schemeClr val="accent1"/>
-            </a:lnRef>
-            <a:fillRef idx="0">
-              <a:schemeClr val="accent1"/>
-            </a:fillRef>
-            <a:effectRef idx="1">
-              <a:schemeClr val="accent1"/>
-            </a:effectRef>
-            <a:fontRef idx="minor">
-              <a:schemeClr val="tx1"/>
-            </a:fontRef>
-          </p:style>
-        </p:cxnSp>
-        <p:cxnSp>
-          <p:nvCxnSpPr>
-            <p:cNvPr id="169" name="Straight Connector 168">
-              <a:extLst>
-                <a:ext uri="{FF2B5EF4-FFF2-40B4-BE49-F238E27FC236}">
-                  <a16:creationId xmlns:a16="http://schemas.microsoft.com/office/drawing/2014/main" id="{86C95FD8-8C3B-595B-30FA-7F34A2D72E93}"/>
-                </a:ext>
-              </a:extLst>
-            </p:cNvPr>
-            <p:cNvCxnSpPr>
-              <a:cxnSpLocks/>
-              <a:stCxn id="26" idx="3"/>
-              <a:endCxn id="47" idx="4"/>
-            </p:cNvCxnSpPr>
-            <p:nvPr/>
-          </p:nvCxnSpPr>
-          <p:spPr>
-            <a:xfrm flipH="1" flipV="1">
-              <a:off x="1902781" y="3394041"/>
-              <a:ext cx="700723" cy="287622"/>
-            </a:xfrm>
-            <a:prstGeom prst="line">
-              <a:avLst/>
-            </a:prstGeom>
-          </p:spPr>
-          <p:style>
-            <a:lnRef idx="2">
-              <a:schemeClr val="accent1"/>
-            </a:lnRef>
-            <a:fillRef idx="0">
-              <a:schemeClr val="accent1"/>
-            </a:fillRef>
-            <a:effectRef idx="1">
-              <a:schemeClr val="accent1"/>
-            </a:effectRef>
-            <a:fontRef idx="minor">
-              <a:schemeClr val="tx1"/>
-            </a:fontRef>
-          </p:style>
-        </p:cxnSp>
-        <p:cxnSp>
-          <p:nvCxnSpPr>
-            <p:cNvPr id="172" name="Straight Connector 171">
-              <a:extLst>
-                <a:ext uri="{FF2B5EF4-FFF2-40B4-BE49-F238E27FC236}">
-                  <a16:creationId xmlns:a16="http://schemas.microsoft.com/office/drawing/2014/main" id="{82A4FE11-40DB-1807-8993-2D5CBB3C9E29}"/>
-                </a:ext>
-              </a:extLst>
-            </p:cNvPr>
-            <p:cNvCxnSpPr>
-              <a:cxnSpLocks/>
-              <a:stCxn id="25" idx="0"/>
-            </p:cNvCxnSpPr>
-            <p:nvPr/>
-          </p:nvCxnSpPr>
-          <p:spPr>
-            <a:xfrm flipH="1" flipV="1">
-              <a:off x="1875518" y="3383433"/>
-              <a:ext cx="930117" cy="279990"/>
-            </a:xfrm>
-            <a:prstGeom prst="line">
-              <a:avLst/>
-            </a:prstGeom>
-          </p:spPr>
-          <p:style>
-            <a:lnRef idx="2">
-              <a:schemeClr val="accent1"/>
-            </a:lnRef>
-            <a:fillRef idx="0">
-              <a:schemeClr val="accent1"/>
-            </a:fillRef>
-            <a:effectRef idx="1">
-              <a:schemeClr val="accent1"/>
-            </a:effectRef>
-            <a:fontRef idx="minor">
-              <a:schemeClr val="tx1"/>
-            </a:fontRef>
-          </p:style>
-        </p:cxnSp>
-        <p:cxnSp>
-          <p:nvCxnSpPr>
-            <p:cNvPr id="174" name="Straight Connector 173">
-              <a:extLst>
-                <a:ext uri="{FF2B5EF4-FFF2-40B4-BE49-F238E27FC236}">
-                  <a16:creationId xmlns:a16="http://schemas.microsoft.com/office/drawing/2014/main" id="{04378EB3-0C06-71FF-4CF5-58315E5B9F5A}"/>
-                </a:ext>
-              </a:extLst>
-            </p:cNvPr>
-            <p:cNvCxnSpPr>
-              <a:cxnSpLocks/>
-              <a:stCxn id="25" idx="0"/>
-              <a:endCxn id="51" idx="4"/>
-            </p:cNvCxnSpPr>
-            <p:nvPr/>
-          </p:nvCxnSpPr>
-          <p:spPr>
-            <a:xfrm flipV="1">
-              <a:off x="2805635" y="3394040"/>
-              <a:ext cx="0" cy="269383"/>
-            </a:xfrm>
-            <a:prstGeom prst="line">
-              <a:avLst/>
-            </a:prstGeom>
-          </p:spPr>
-          <p:style>
-            <a:lnRef idx="2">
-              <a:schemeClr val="accent1"/>
-            </a:lnRef>
-            <a:fillRef idx="0">
-              <a:schemeClr val="accent1"/>
-            </a:fillRef>
-            <a:effectRef idx="1">
-              <a:schemeClr val="accent1"/>
-            </a:effectRef>
-            <a:fontRef idx="minor">
-              <a:schemeClr val="tx1"/>
-            </a:fontRef>
-          </p:style>
-        </p:cxnSp>
-        <p:cxnSp>
-          <p:nvCxnSpPr>
-            <p:cNvPr id="177" name="Straight Connector 176">
-              <a:extLst>
-                <a:ext uri="{FF2B5EF4-FFF2-40B4-BE49-F238E27FC236}">
-                  <a16:creationId xmlns:a16="http://schemas.microsoft.com/office/drawing/2014/main" id="{C5CA5899-2917-5773-B1D2-4AEE4378BF9F}"/>
-                </a:ext>
-              </a:extLst>
-            </p:cNvPr>
-            <p:cNvCxnSpPr>
-              <a:cxnSpLocks/>
-              <a:stCxn id="25" idx="0"/>
-              <a:endCxn id="50" idx="4"/>
-            </p:cNvCxnSpPr>
-            <p:nvPr/>
-          </p:nvCxnSpPr>
-          <p:spPr>
-            <a:xfrm flipH="1" flipV="1">
-              <a:off x="2585234" y="3394040"/>
-              <a:ext cx="220401" cy="269383"/>
-            </a:xfrm>
-            <a:prstGeom prst="line">
-              <a:avLst/>
-            </a:prstGeom>
-          </p:spPr>
-          <p:style>
-            <a:lnRef idx="2">
-              <a:schemeClr val="accent1"/>
-            </a:lnRef>
-            <a:fillRef idx="0">
-              <a:schemeClr val="accent1"/>
-            </a:fillRef>
-            <a:effectRef idx="1">
-              <a:schemeClr val="accent1"/>
-            </a:effectRef>
-            <a:fontRef idx="minor">
-              <a:schemeClr val="tx1"/>
-            </a:fontRef>
-          </p:style>
-        </p:cxnSp>
-        <p:cxnSp>
-          <p:nvCxnSpPr>
-            <p:cNvPr id="180" name="Straight Connector 179">
-              <a:extLst>
-                <a:ext uri="{FF2B5EF4-FFF2-40B4-BE49-F238E27FC236}">
-                  <a16:creationId xmlns:a16="http://schemas.microsoft.com/office/drawing/2014/main" id="{3150B9FA-5203-842A-3E0C-24A199325975}"/>
-                </a:ext>
-              </a:extLst>
-            </p:cNvPr>
-            <p:cNvCxnSpPr>
-              <a:cxnSpLocks/>
-              <a:stCxn id="25" idx="0"/>
-            </p:cNvCxnSpPr>
-            <p:nvPr/>
-          </p:nvCxnSpPr>
-          <p:spPr>
-            <a:xfrm flipH="1" flipV="1">
-              <a:off x="2263813" y="3363142"/>
-              <a:ext cx="541822" cy="300281"/>
-            </a:xfrm>
-            <a:prstGeom prst="line">
-              <a:avLst/>
-            </a:prstGeom>
-          </p:spPr>
-          <p:style>
-            <a:lnRef idx="2">
-              <a:schemeClr val="accent1"/>
-            </a:lnRef>
-            <a:fillRef idx="0">
-              <a:schemeClr val="accent1"/>
-            </a:fillRef>
-            <a:effectRef idx="1">
-              <a:schemeClr val="accent1"/>
-            </a:effectRef>
-            <a:fontRef idx="minor">
-              <a:schemeClr val="tx1"/>
-            </a:fontRef>
-          </p:style>
-        </p:cxnSp>
-        <p:cxnSp>
-          <p:nvCxnSpPr>
-            <p:cNvPr id="183" name="Straight Connector 182">
-              <a:extLst>
-                <a:ext uri="{FF2B5EF4-FFF2-40B4-BE49-F238E27FC236}">
-                  <a16:creationId xmlns:a16="http://schemas.microsoft.com/office/drawing/2014/main" id="{95EF4FB2-9F62-DE33-B5A2-4C23FD63B2F7}"/>
-                </a:ext>
-              </a:extLst>
-            </p:cNvPr>
-            <p:cNvCxnSpPr>
-              <a:cxnSpLocks/>
-              <a:stCxn id="25" idx="7"/>
-            </p:cNvCxnSpPr>
-            <p:nvPr/>
-          </p:nvCxnSpPr>
-          <p:spPr>
-            <a:xfrm flipH="1" flipV="1">
-              <a:off x="2085427" y="3384033"/>
-              <a:ext cx="769195" cy="299681"/>
-            </a:xfrm>
-            <a:prstGeom prst="line">
-              <a:avLst/>
-            </a:prstGeom>
-          </p:spPr>
-          <p:style>
-            <a:lnRef idx="2">
-              <a:schemeClr val="accent1"/>
-            </a:lnRef>
-            <a:fillRef idx="0">
-              <a:schemeClr val="accent1"/>
-            </a:fillRef>
-            <a:effectRef idx="1">
-              <a:schemeClr val="accent1"/>
-            </a:effectRef>
-            <a:fontRef idx="minor">
-              <a:schemeClr val="tx1"/>
-            </a:fontRef>
-          </p:style>
-        </p:cxnSp>
-        <p:cxnSp>
-          <p:nvCxnSpPr>
-            <p:cNvPr id="185" name="Straight Connector 184">
-              <a:extLst>
-                <a:ext uri="{FF2B5EF4-FFF2-40B4-BE49-F238E27FC236}">
-                  <a16:creationId xmlns:a16="http://schemas.microsoft.com/office/drawing/2014/main" id="{6D17475A-CA0D-0CD6-BD07-E6C7415A0F67}"/>
-                </a:ext>
-              </a:extLst>
-            </p:cNvPr>
-            <p:cNvCxnSpPr>
-              <a:cxnSpLocks/>
-              <a:stCxn id="49" idx="4"/>
-            </p:cNvCxnSpPr>
-            <p:nvPr/>
-          </p:nvCxnSpPr>
-          <p:spPr>
-            <a:xfrm flipH="1">
-              <a:off x="2234245" y="3394040"/>
-              <a:ext cx="4064" cy="252295"/>
-            </a:xfrm>
-            <a:prstGeom prst="line">
-              <a:avLst/>
-            </a:prstGeom>
-          </p:spPr>
-          <p:style>
-            <a:lnRef idx="2">
-              <a:schemeClr val="accent1"/>
-            </a:lnRef>
-            <a:fillRef idx="0">
-              <a:schemeClr val="accent1"/>
-            </a:fillRef>
-            <a:effectRef idx="1">
-              <a:schemeClr val="accent1"/>
-            </a:effectRef>
-            <a:fontRef idx="minor">
-              <a:schemeClr val="tx1"/>
-            </a:fontRef>
-          </p:style>
-        </p:cxnSp>
-        <p:cxnSp>
-          <p:nvCxnSpPr>
-            <p:cNvPr id="189" name="Straight Connector 188">
-              <a:extLst>
-                <a:ext uri="{FF2B5EF4-FFF2-40B4-BE49-F238E27FC236}">
-                  <a16:creationId xmlns:a16="http://schemas.microsoft.com/office/drawing/2014/main" id="{1C38A2EF-6F4D-8EFF-670D-6DCB2F4D8167}"/>
-                </a:ext>
-              </a:extLst>
-            </p:cNvPr>
-            <p:cNvCxnSpPr>
-              <a:cxnSpLocks/>
-              <a:stCxn id="50" idx="5"/>
-              <a:endCxn id="26" idx="1"/>
-            </p:cNvCxnSpPr>
-            <p:nvPr/>
-          </p:nvCxnSpPr>
-          <p:spPr>
-            <a:xfrm flipH="1">
-              <a:off x="2221668" y="3373749"/>
-              <a:ext cx="412553" cy="307914"/>
-            </a:xfrm>
-            <a:prstGeom prst="line">
-              <a:avLst/>
-            </a:prstGeom>
-          </p:spPr>
-          <p:style>
-            <a:lnRef idx="2">
-              <a:schemeClr val="accent1"/>
-            </a:lnRef>
-            <a:fillRef idx="0">
-              <a:schemeClr val="accent1"/>
-            </a:fillRef>
-            <a:effectRef idx="1">
-              <a:schemeClr val="accent1"/>
-            </a:effectRef>
-            <a:fontRef idx="minor">
-              <a:schemeClr val="tx1"/>
-            </a:fontRef>
-          </p:style>
-        </p:cxnSp>
-        <p:cxnSp>
-          <p:nvCxnSpPr>
-            <p:cNvPr id="192" name="Straight Connector 191">
-              <a:extLst>
-                <a:ext uri="{FF2B5EF4-FFF2-40B4-BE49-F238E27FC236}">
-                  <a16:creationId xmlns:a16="http://schemas.microsoft.com/office/drawing/2014/main" id="{556CB6AD-B40E-08CD-CC64-6C1837D31051}"/>
-                </a:ext>
-              </a:extLst>
-            </p:cNvPr>
-            <p:cNvCxnSpPr>
-              <a:cxnSpLocks/>
-              <a:stCxn id="51" idx="4"/>
-            </p:cNvCxnSpPr>
-            <p:nvPr/>
-          </p:nvCxnSpPr>
-          <p:spPr>
-            <a:xfrm flipH="1">
-              <a:off x="2246161" y="3394040"/>
-              <a:ext cx="559474" cy="296086"/>
-            </a:xfrm>
-            <a:prstGeom prst="line">
-              <a:avLst/>
-            </a:prstGeom>
-          </p:spPr>
-          <p:style>
-            <a:lnRef idx="2">
-              <a:schemeClr val="accent1"/>
-            </a:lnRef>
-            <a:fillRef idx="0">
-              <a:schemeClr val="accent1"/>
-            </a:fillRef>
-            <a:effectRef idx="1">
-              <a:schemeClr val="accent1"/>
-            </a:effectRef>
-            <a:fontRef idx="minor">
-              <a:schemeClr val="tx1"/>
-            </a:fontRef>
-          </p:style>
-        </p:cxnSp>
-        <p:cxnSp>
-          <p:nvCxnSpPr>
-            <p:cNvPr id="194" name="Straight Connector 193">
-              <a:extLst>
-                <a:ext uri="{FF2B5EF4-FFF2-40B4-BE49-F238E27FC236}">
-                  <a16:creationId xmlns:a16="http://schemas.microsoft.com/office/drawing/2014/main" id="{6C3C8DA4-5EA7-1A51-56FB-E969928036EC}"/>
-                </a:ext>
-              </a:extLst>
-            </p:cNvPr>
-            <p:cNvCxnSpPr>
-              <a:cxnSpLocks/>
-              <a:stCxn id="50" idx="4"/>
-            </p:cNvCxnSpPr>
-            <p:nvPr/>
-          </p:nvCxnSpPr>
-          <p:spPr>
-            <a:xfrm>
-              <a:off x="2585234" y="3394040"/>
-              <a:ext cx="4533" cy="285478"/>
-            </a:xfrm>
-            <a:prstGeom prst="line">
-              <a:avLst/>
-            </a:prstGeom>
-          </p:spPr>
-          <p:style>
-            <a:lnRef idx="2">
-              <a:schemeClr val="accent1"/>
-            </a:lnRef>
-            <a:fillRef idx="0">
-              <a:schemeClr val="accent1"/>
-            </a:fillRef>
-            <a:effectRef idx="1">
-              <a:schemeClr val="accent1"/>
-            </a:effectRef>
-            <a:fontRef idx="minor">
-              <a:schemeClr val="tx1"/>
-            </a:fontRef>
-          </p:style>
-        </p:cxnSp>
-        <p:cxnSp>
-          <p:nvCxnSpPr>
-            <p:cNvPr id="197" name="Straight Connector 196">
-              <a:extLst>
-                <a:ext uri="{FF2B5EF4-FFF2-40B4-BE49-F238E27FC236}">
-                  <a16:creationId xmlns:a16="http://schemas.microsoft.com/office/drawing/2014/main" id="{89C33201-D5C7-FAA3-2D21-E551F4406DC7}"/>
-                </a:ext>
-              </a:extLst>
-            </p:cNvPr>
-            <p:cNvCxnSpPr>
-              <a:cxnSpLocks/>
-              <a:stCxn id="51" idx="4"/>
-              <a:endCxn id="24" idx="0"/>
-            </p:cNvCxnSpPr>
-            <p:nvPr/>
-          </p:nvCxnSpPr>
-          <p:spPr>
-            <a:xfrm flipH="1">
-              <a:off x="2585234" y="3394040"/>
-              <a:ext cx="220401" cy="269383"/>
-            </a:xfrm>
-            <a:prstGeom prst="line">
-              <a:avLst/>
-            </a:prstGeom>
-          </p:spPr>
-          <p:style>
-            <a:lnRef idx="2">
-              <a:schemeClr val="accent1"/>
-            </a:lnRef>
-            <a:fillRef idx="0">
-              <a:schemeClr val="accent1"/>
-            </a:fillRef>
-            <a:effectRef idx="1">
-              <a:schemeClr val="accent1"/>
-            </a:effectRef>
-            <a:fontRef idx="minor">
-              <a:schemeClr val="tx1"/>
-            </a:fontRef>
-          </p:style>
-        </p:cxnSp>
-        <p:cxnSp>
-          <p:nvCxnSpPr>
-            <p:cNvPr id="205" name="Straight Connector 204">
-              <a:extLst>
-                <a:ext uri="{FF2B5EF4-FFF2-40B4-BE49-F238E27FC236}">
-                  <a16:creationId xmlns:a16="http://schemas.microsoft.com/office/drawing/2014/main" id="{1E1C8034-E5F8-1B4A-59D0-6918A2EBFC82}"/>
-                </a:ext>
-              </a:extLst>
-            </p:cNvPr>
-            <p:cNvCxnSpPr>
-              <a:cxnSpLocks/>
-              <a:stCxn id="47" idx="0"/>
-              <a:endCxn id="52" idx="4"/>
-            </p:cNvCxnSpPr>
-            <p:nvPr/>
-          </p:nvCxnSpPr>
-          <p:spPr>
-            <a:xfrm flipV="1">
-              <a:off x="1902781" y="2996334"/>
-              <a:ext cx="112373" cy="259151"/>
-            </a:xfrm>
-            <a:prstGeom prst="line">
-              <a:avLst/>
-            </a:prstGeom>
-          </p:spPr>
-          <p:style>
-            <a:lnRef idx="2">
-              <a:schemeClr val="accent1"/>
-            </a:lnRef>
-            <a:fillRef idx="0">
-              <a:schemeClr val="accent1"/>
-            </a:fillRef>
-            <a:effectRef idx="1">
-              <a:schemeClr val="accent1"/>
-            </a:effectRef>
-            <a:fontRef idx="minor">
-              <a:schemeClr val="tx1"/>
-            </a:fontRef>
-          </p:style>
-        </p:cxnSp>
-        <p:cxnSp>
-          <p:nvCxnSpPr>
-            <p:cNvPr id="207" name="Straight Connector 206">
-              <a:extLst>
-                <a:ext uri="{FF2B5EF4-FFF2-40B4-BE49-F238E27FC236}">
-                  <a16:creationId xmlns:a16="http://schemas.microsoft.com/office/drawing/2014/main" id="{E729C727-E869-387E-DF6E-D0B7636570C9}"/>
-                </a:ext>
-              </a:extLst>
-            </p:cNvPr>
-            <p:cNvCxnSpPr>
-              <a:cxnSpLocks/>
-              <a:stCxn id="47" idx="0"/>
-              <a:endCxn id="53" idx="4"/>
-            </p:cNvCxnSpPr>
-            <p:nvPr/>
-          </p:nvCxnSpPr>
-          <p:spPr>
-            <a:xfrm flipV="1">
-              <a:off x="1902781" y="2996334"/>
-              <a:ext cx="419178" cy="259151"/>
-            </a:xfrm>
-            <a:prstGeom prst="line">
-              <a:avLst/>
-            </a:prstGeom>
-          </p:spPr>
-          <p:style>
-            <a:lnRef idx="2">
-              <a:schemeClr val="accent1"/>
-            </a:lnRef>
-            <a:fillRef idx="0">
-              <a:schemeClr val="accent1"/>
-            </a:fillRef>
-            <a:effectRef idx="1">
-              <a:schemeClr val="accent1"/>
-            </a:effectRef>
-            <a:fontRef idx="minor">
-              <a:schemeClr val="tx1"/>
-            </a:fontRef>
-          </p:style>
-        </p:cxnSp>
-        <p:cxnSp>
-          <p:nvCxnSpPr>
-            <p:cNvPr id="210" name="Straight Connector 209">
-              <a:extLst>
-                <a:ext uri="{FF2B5EF4-FFF2-40B4-BE49-F238E27FC236}">
-                  <a16:creationId xmlns:a16="http://schemas.microsoft.com/office/drawing/2014/main" id="{5BB05D94-2BB1-62D5-66F1-DAE82CCE8A5E}"/>
-                </a:ext>
-              </a:extLst>
-            </p:cNvPr>
-            <p:cNvCxnSpPr>
-              <a:cxnSpLocks/>
-              <a:endCxn id="54" idx="5"/>
-            </p:cNvCxnSpPr>
-            <p:nvPr/>
-          </p:nvCxnSpPr>
-          <p:spPr>
-            <a:xfrm flipV="1">
-              <a:off x="1899692" y="2976043"/>
-              <a:ext cx="779393" cy="280849"/>
-            </a:xfrm>
-            <a:prstGeom prst="line">
-              <a:avLst/>
-            </a:prstGeom>
-          </p:spPr>
-          <p:style>
-            <a:lnRef idx="2">
-              <a:schemeClr val="accent1"/>
-            </a:lnRef>
-            <a:fillRef idx="0">
-              <a:schemeClr val="accent1"/>
-            </a:fillRef>
-            <a:effectRef idx="1">
-              <a:schemeClr val="accent1"/>
-            </a:effectRef>
-            <a:fontRef idx="minor">
-              <a:schemeClr val="tx1"/>
-            </a:fontRef>
-          </p:style>
-        </p:cxnSp>
-        <p:cxnSp>
-          <p:nvCxnSpPr>
-            <p:cNvPr id="212" name="Straight Connector 211">
-              <a:extLst>
-                <a:ext uri="{FF2B5EF4-FFF2-40B4-BE49-F238E27FC236}">
-                  <a16:creationId xmlns:a16="http://schemas.microsoft.com/office/drawing/2014/main" id="{E41E11E7-B0CA-DD6A-B7C8-5C70A3540293}"/>
-                </a:ext>
-              </a:extLst>
-            </p:cNvPr>
-            <p:cNvCxnSpPr>
-              <a:cxnSpLocks/>
-              <a:stCxn id="48" idx="0"/>
-              <a:endCxn id="52" idx="4"/>
-            </p:cNvCxnSpPr>
-            <p:nvPr/>
-          </p:nvCxnSpPr>
-          <p:spPr>
-            <a:xfrm flipH="1" flipV="1">
-              <a:off x="2015154" y="2996334"/>
-              <a:ext cx="55391" cy="259150"/>
-            </a:xfrm>
-            <a:prstGeom prst="line">
-              <a:avLst/>
-            </a:prstGeom>
-          </p:spPr>
-          <p:style>
-            <a:lnRef idx="2">
-              <a:schemeClr val="accent1"/>
-            </a:lnRef>
-            <a:fillRef idx="0">
-              <a:schemeClr val="accent1"/>
-            </a:fillRef>
-            <a:effectRef idx="1">
-              <a:schemeClr val="accent1"/>
-            </a:effectRef>
-            <a:fontRef idx="minor">
-              <a:schemeClr val="tx1"/>
-            </a:fontRef>
-          </p:style>
-        </p:cxnSp>
-        <p:cxnSp>
-          <p:nvCxnSpPr>
-            <p:cNvPr id="215" name="Straight Connector 214">
-              <a:extLst>
-                <a:ext uri="{FF2B5EF4-FFF2-40B4-BE49-F238E27FC236}">
-                  <a16:creationId xmlns:a16="http://schemas.microsoft.com/office/drawing/2014/main" id="{EA60124D-A41C-95D0-38C6-44AB57DABFCB}"/>
-                </a:ext>
-              </a:extLst>
-            </p:cNvPr>
-            <p:cNvCxnSpPr>
-              <a:cxnSpLocks/>
-              <a:stCxn id="48" idx="0"/>
-            </p:cNvCxnSpPr>
-            <p:nvPr/>
-          </p:nvCxnSpPr>
-          <p:spPr>
-            <a:xfrm flipV="1">
-              <a:off x="2070545" y="2986188"/>
-              <a:ext cx="265303" cy="269296"/>
-            </a:xfrm>
-            <a:prstGeom prst="line">
-              <a:avLst/>
-            </a:prstGeom>
-          </p:spPr>
-          <p:style>
-            <a:lnRef idx="2">
-              <a:schemeClr val="accent1"/>
-            </a:lnRef>
-            <a:fillRef idx="0">
-              <a:schemeClr val="accent1"/>
-            </a:fillRef>
-            <a:effectRef idx="1">
-              <a:schemeClr val="accent1"/>
-            </a:effectRef>
-            <a:fontRef idx="minor">
-              <a:schemeClr val="tx1"/>
-            </a:fontRef>
-          </p:style>
-        </p:cxnSp>
-        <p:cxnSp>
-          <p:nvCxnSpPr>
-            <p:cNvPr id="217" name="Straight Connector 216">
-              <a:extLst>
-                <a:ext uri="{FF2B5EF4-FFF2-40B4-BE49-F238E27FC236}">
-                  <a16:creationId xmlns:a16="http://schemas.microsoft.com/office/drawing/2014/main" id="{A8569E6D-DAA3-1F7F-CDA9-0AF158786CA3}"/>
-                </a:ext>
-              </a:extLst>
-            </p:cNvPr>
-            <p:cNvCxnSpPr>
-              <a:cxnSpLocks/>
-              <a:stCxn id="48" idx="0"/>
-            </p:cNvCxnSpPr>
-            <p:nvPr/>
-          </p:nvCxnSpPr>
-          <p:spPr>
-            <a:xfrm flipV="1">
-              <a:off x="2070545" y="3000088"/>
-              <a:ext cx="561454" cy="255396"/>
-            </a:xfrm>
-            <a:prstGeom prst="line">
-              <a:avLst/>
-            </a:prstGeom>
-          </p:spPr>
-          <p:style>
-            <a:lnRef idx="2">
-              <a:schemeClr val="accent1"/>
-            </a:lnRef>
-            <a:fillRef idx="0">
-              <a:schemeClr val="accent1"/>
-            </a:fillRef>
-            <a:effectRef idx="1">
-              <a:schemeClr val="accent1"/>
-            </a:effectRef>
-            <a:fontRef idx="minor">
-              <a:schemeClr val="tx1"/>
-            </a:fontRef>
-          </p:style>
-        </p:cxnSp>
-        <p:cxnSp>
-          <p:nvCxnSpPr>
-            <p:cNvPr id="219" name="Straight Connector 218">
-              <a:extLst>
-                <a:ext uri="{FF2B5EF4-FFF2-40B4-BE49-F238E27FC236}">
-                  <a16:creationId xmlns:a16="http://schemas.microsoft.com/office/drawing/2014/main" id="{480A7D78-0713-02EF-8408-76C51B627681}"/>
-                </a:ext>
-              </a:extLst>
-            </p:cNvPr>
-            <p:cNvCxnSpPr>
-              <a:cxnSpLocks/>
-              <a:endCxn id="52" idx="4"/>
-            </p:cNvCxnSpPr>
-            <p:nvPr/>
-          </p:nvCxnSpPr>
-          <p:spPr>
-            <a:xfrm flipH="1" flipV="1">
-              <a:off x="2015154" y="2996334"/>
-              <a:ext cx="206662" cy="273195"/>
-            </a:xfrm>
-            <a:prstGeom prst="line">
-              <a:avLst/>
-            </a:prstGeom>
-          </p:spPr>
-          <p:style>
-            <a:lnRef idx="2">
-              <a:schemeClr val="accent1"/>
-            </a:lnRef>
-            <a:fillRef idx="0">
-              <a:schemeClr val="accent1"/>
-            </a:fillRef>
-            <a:effectRef idx="1">
-              <a:schemeClr val="accent1"/>
-            </a:effectRef>
-            <a:fontRef idx="minor">
-              <a:schemeClr val="tx1"/>
-            </a:fontRef>
-          </p:style>
-        </p:cxnSp>
-        <p:cxnSp>
-          <p:nvCxnSpPr>
-            <p:cNvPr id="221" name="Straight Connector 220">
-              <a:extLst>
-                <a:ext uri="{FF2B5EF4-FFF2-40B4-BE49-F238E27FC236}">
-                  <a16:creationId xmlns:a16="http://schemas.microsoft.com/office/drawing/2014/main" id="{797C71EF-7DA7-1F43-D488-68C099E75837}"/>
-                </a:ext>
-              </a:extLst>
-            </p:cNvPr>
-            <p:cNvCxnSpPr>
-              <a:cxnSpLocks/>
-              <a:stCxn id="49" idx="0"/>
-              <a:endCxn id="53" idx="4"/>
-            </p:cNvCxnSpPr>
-            <p:nvPr/>
-          </p:nvCxnSpPr>
-          <p:spPr>
-            <a:xfrm flipV="1">
-              <a:off x="2238309" y="2996334"/>
-              <a:ext cx="83650" cy="259150"/>
-            </a:xfrm>
-            <a:prstGeom prst="line">
-              <a:avLst/>
-            </a:prstGeom>
-          </p:spPr>
-          <p:style>
-            <a:lnRef idx="2">
-              <a:schemeClr val="accent1"/>
-            </a:lnRef>
-            <a:fillRef idx="0">
-              <a:schemeClr val="accent1"/>
-            </a:fillRef>
-            <a:effectRef idx="1">
-              <a:schemeClr val="accent1"/>
-            </a:effectRef>
-            <a:fontRef idx="minor">
-              <a:schemeClr val="tx1"/>
-            </a:fontRef>
-          </p:style>
-        </p:cxnSp>
-        <p:cxnSp>
-          <p:nvCxnSpPr>
-            <p:cNvPr id="224" name="Straight Connector 223">
-              <a:extLst>
-                <a:ext uri="{FF2B5EF4-FFF2-40B4-BE49-F238E27FC236}">
-                  <a16:creationId xmlns:a16="http://schemas.microsoft.com/office/drawing/2014/main" id="{B72CCBF4-D965-D501-59AC-4489A57EEC37}"/>
-                </a:ext>
-              </a:extLst>
-            </p:cNvPr>
-            <p:cNvCxnSpPr>
-              <a:cxnSpLocks/>
-              <a:stCxn id="49" idx="0"/>
-              <a:endCxn id="54" idx="4"/>
-            </p:cNvCxnSpPr>
-            <p:nvPr/>
-          </p:nvCxnSpPr>
-          <p:spPr>
-            <a:xfrm flipV="1">
-              <a:off x="2238309" y="2996334"/>
-              <a:ext cx="391789" cy="259150"/>
-            </a:xfrm>
-            <a:prstGeom prst="line">
-              <a:avLst/>
-            </a:prstGeom>
-          </p:spPr>
-          <p:style>
-            <a:lnRef idx="2">
-              <a:schemeClr val="accent1"/>
-            </a:lnRef>
-            <a:fillRef idx="0">
-              <a:schemeClr val="accent1"/>
-            </a:fillRef>
-            <a:effectRef idx="1">
-              <a:schemeClr val="accent1"/>
-            </a:effectRef>
-            <a:fontRef idx="minor">
-              <a:schemeClr val="tx1"/>
-            </a:fontRef>
-          </p:style>
-        </p:cxnSp>
-        <p:cxnSp>
-          <p:nvCxnSpPr>
-            <p:cNvPr id="227" name="Straight Connector 226">
-              <a:extLst>
-                <a:ext uri="{FF2B5EF4-FFF2-40B4-BE49-F238E27FC236}">
-                  <a16:creationId xmlns:a16="http://schemas.microsoft.com/office/drawing/2014/main" id="{5C540695-E0F7-2395-9FE3-558E2CCB6655}"/>
-                </a:ext>
-              </a:extLst>
-            </p:cNvPr>
-            <p:cNvCxnSpPr>
-              <a:cxnSpLocks/>
-              <a:endCxn id="52" idx="4"/>
-            </p:cNvCxnSpPr>
-            <p:nvPr/>
-          </p:nvCxnSpPr>
-          <p:spPr>
-            <a:xfrm flipH="1" flipV="1">
-              <a:off x="2015154" y="2996334"/>
-              <a:ext cx="543672" cy="252408"/>
-            </a:xfrm>
-            <a:prstGeom prst="line">
-              <a:avLst/>
-            </a:prstGeom>
-          </p:spPr>
-          <p:style>
-            <a:lnRef idx="2">
-              <a:schemeClr val="accent1"/>
-            </a:lnRef>
-            <a:fillRef idx="0">
-              <a:schemeClr val="accent1"/>
-            </a:fillRef>
-            <a:effectRef idx="1">
-              <a:schemeClr val="accent1"/>
-            </a:effectRef>
-            <a:fontRef idx="minor">
-              <a:schemeClr val="tx1"/>
-            </a:fontRef>
-          </p:style>
-        </p:cxnSp>
-        <p:cxnSp>
-          <p:nvCxnSpPr>
-            <p:cNvPr id="229" name="Straight Connector 228">
-              <a:extLst>
-                <a:ext uri="{FF2B5EF4-FFF2-40B4-BE49-F238E27FC236}">
-                  <a16:creationId xmlns:a16="http://schemas.microsoft.com/office/drawing/2014/main" id="{0755CC94-C2F1-8290-567F-1CB7B14B6B3F}"/>
-                </a:ext>
-              </a:extLst>
-            </p:cNvPr>
-            <p:cNvCxnSpPr>
-              <a:cxnSpLocks/>
-              <a:stCxn id="50" idx="0"/>
-            </p:cNvCxnSpPr>
-            <p:nvPr/>
-          </p:nvCxnSpPr>
-          <p:spPr>
-            <a:xfrm flipH="1" flipV="1">
-              <a:off x="2293935" y="3022549"/>
-              <a:ext cx="291299" cy="232935"/>
-            </a:xfrm>
-            <a:prstGeom prst="line">
-              <a:avLst/>
-            </a:prstGeom>
-          </p:spPr>
-          <p:style>
-            <a:lnRef idx="2">
-              <a:schemeClr val="accent1"/>
-            </a:lnRef>
-            <a:fillRef idx="0">
-              <a:schemeClr val="accent1"/>
-            </a:fillRef>
-            <a:effectRef idx="1">
-              <a:schemeClr val="accent1"/>
-            </a:effectRef>
-            <a:fontRef idx="minor">
-              <a:schemeClr val="tx1"/>
-            </a:fontRef>
-          </p:style>
-        </p:cxnSp>
-        <p:cxnSp>
-          <p:nvCxnSpPr>
-            <p:cNvPr id="231" name="Straight Connector 230">
-              <a:extLst>
-                <a:ext uri="{FF2B5EF4-FFF2-40B4-BE49-F238E27FC236}">
-                  <a16:creationId xmlns:a16="http://schemas.microsoft.com/office/drawing/2014/main" id="{23276963-BA10-2FD4-221A-27847595AD0D}"/>
-                </a:ext>
-              </a:extLst>
-            </p:cNvPr>
-            <p:cNvCxnSpPr>
-              <a:cxnSpLocks/>
-              <a:stCxn id="50" idx="0"/>
-              <a:endCxn id="54" idx="4"/>
-            </p:cNvCxnSpPr>
-            <p:nvPr/>
-          </p:nvCxnSpPr>
-          <p:spPr>
-            <a:xfrm flipV="1">
-              <a:off x="2585234" y="2996334"/>
-              <a:ext cx="44864" cy="259150"/>
-            </a:xfrm>
-            <a:prstGeom prst="line">
-              <a:avLst/>
-            </a:prstGeom>
-          </p:spPr>
-          <p:style>
-            <a:lnRef idx="2">
-              <a:schemeClr val="accent1"/>
-            </a:lnRef>
-            <a:fillRef idx="0">
-              <a:schemeClr val="accent1"/>
-            </a:fillRef>
-            <a:effectRef idx="1">
-              <a:schemeClr val="accent1"/>
-            </a:effectRef>
-            <a:fontRef idx="minor">
-              <a:schemeClr val="tx1"/>
-            </a:fontRef>
-          </p:style>
-        </p:cxnSp>
-        <p:cxnSp>
-          <p:nvCxnSpPr>
-            <p:cNvPr id="234" name="Straight Connector 233">
-              <a:extLst>
-                <a:ext uri="{FF2B5EF4-FFF2-40B4-BE49-F238E27FC236}">
-                  <a16:creationId xmlns:a16="http://schemas.microsoft.com/office/drawing/2014/main" id="{1EA8241D-A077-AC5F-4EAD-E13F7525E1F6}"/>
-                </a:ext>
-              </a:extLst>
-            </p:cNvPr>
-            <p:cNvCxnSpPr>
-              <a:cxnSpLocks/>
-              <a:stCxn id="51" idx="0"/>
-              <a:endCxn id="54" idx="4"/>
-            </p:cNvCxnSpPr>
-            <p:nvPr/>
-          </p:nvCxnSpPr>
-          <p:spPr>
-            <a:xfrm flipH="1" flipV="1">
-              <a:off x="2630098" y="2996334"/>
-              <a:ext cx="175537" cy="259150"/>
-            </a:xfrm>
-            <a:prstGeom prst="line">
-              <a:avLst/>
-            </a:prstGeom>
-          </p:spPr>
-          <p:style>
-            <a:lnRef idx="2">
-              <a:schemeClr val="accent1"/>
-            </a:lnRef>
-            <a:fillRef idx="0">
-              <a:schemeClr val="accent1"/>
-            </a:fillRef>
-            <a:effectRef idx="1">
-              <a:schemeClr val="accent1"/>
-            </a:effectRef>
-            <a:fontRef idx="minor">
-              <a:schemeClr val="tx1"/>
-            </a:fontRef>
-          </p:style>
-        </p:cxnSp>
-        <p:cxnSp>
-          <p:nvCxnSpPr>
-            <p:cNvPr id="237" name="Straight Connector 236">
-              <a:extLst>
-                <a:ext uri="{FF2B5EF4-FFF2-40B4-BE49-F238E27FC236}">
-                  <a16:creationId xmlns:a16="http://schemas.microsoft.com/office/drawing/2014/main" id="{7FC7B4C7-6646-79C6-5C7A-03D13CFD45B5}"/>
-                </a:ext>
-              </a:extLst>
-            </p:cNvPr>
-            <p:cNvCxnSpPr>
-              <a:cxnSpLocks/>
-              <a:stCxn id="51" idx="0"/>
-            </p:cNvCxnSpPr>
-            <p:nvPr/>
-          </p:nvCxnSpPr>
-          <p:spPr>
-            <a:xfrm flipH="1" flipV="1">
-              <a:off x="2314155" y="3023037"/>
-              <a:ext cx="491480" cy="232447"/>
-            </a:xfrm>
-            <a:prstGeom prst="line">
-              <a:avLst/>
-            </a:prstGeom>
-          </p:spPr>
-          <p:style>
-            <a:lnRef idx="2">
-              <a:schemeClr val="accent1"/>
-            </a:lnRef>
-            <a:fillRef idx="0">
-              <a:schemeClr val="accent1"/>
-            </a:fillRef>
-            <a:effectRef idx="1">
-              <a:schemeClr val="accent1"/>
-            </a:effectRef>
-            <a:fontRef idx="minor">
-              <a:schemeClr val="tx1"/>
-            </a:fontRef>
-          </p:style>
-        </p:cxnSp>
-        <p:cxnSp>
-          <p:nvCxnSpPr>
-            <p:cNvPr id="239" name="Straight Connector 238">
-              <a:extLst>
-                <a:ext uri="{FF2B5EF4-FFF2-40B4-BE49-F238E27FC236}">
-                  <a16:creationId xmlns:a16="http://schemas.microsoft.com/office/drawing/2014/main" id="{9A628346-3F45-301E-E723-233A06996A22}"/>
-                </a:ext>
-              </a:extLst>
-            </p:cNvPr>
-            <p:cNvCxnSpPr>
-              <a:cxnSpLocks/>
-              <a:stCxn id="51" idx="0"/>
-            </p:cNvCxnSpPr>
-            <p:nvPr/>
-          </p:nvCxnSpPr>
-          <p:spPr>
-            <a:xfrm flipH="1" flipV="1">
-              <a:off x="2021722" y="3019439"/>
-              <a:ext cx="783913" cy="236045"/>
-            </a:xfrm>
-            <a:prstGeom prst="line">
-              <a:avLst/>
-            </a:prstGeom>
-          </p:spPr>
-          <p:style>
-            <a:lnRef idx="2">
-              <a:schemeClr val="accent1"/>
-            </a:lnRef>
-            <a:fillRef idx="0">
-              <a:schemeClr val="accent1"/>
-            </a:fillRef>
-            <a:effectRef idx="1">
-              <a:schemeClr val="accent1"/>
-            </a:effectRef>
-            <a:fontRef idx="minor">
-              <a:schemeClr val="tx1"/>
-            </a:fontRef>
-          </p:style>
-        </p:cxnSp>
       </p:grpSp>
       <p:grpSp>
         <p:nvGrpSpPr>
@@ -7361,8 +3591,8 @@
             </a:p>
           </p:txBody>
         </p:sp>
-        <mc:AlternateContent xmlns:mc="http://schemas.openxmlformats.org/markup-compatibility/2006">
-          <mc:Choice xmlns:a14="http://schemas.microsoft.com/office/drawing/2010/main" Requires="a14">
+        <mc:AlternateContent xmlns:mc="http://schemas.openxmlformats.org/markup-compatibility/2006" xmlns:a14="http://schemas.microsoft.com/office/drawing/2010/main">
+          <mc:Choice Requires="a14">
             <p:sp>
               <p:nvSpPr>
                 <p:cNvPr id="246" name="TextBox 245">
@@ -7391,6 +3621,7 @@
                 </a:bodyPr>
                 <a:lstStyle/>
                 <a:p>
+                  <a:pPr/>
                   <a14:m>
                     <m:oMathPara xmlns:m="http://schemas.openxmlformats.org/officeDocument/2006/math">
                       <m:oMathParaPr>
@@ -7435,7 +3666,7 @@
               </p:txBody>
             </p:sp>
           </mc:Choice>
-          <mc:Fallback>
+          <mc:Fallback xmlns="">
             <p:sp>
               <p:nvSpPr>
                 <p:cNvPr id="246" name="TextBox 245">
@@ -7553,8 +3784,8 @@
             </a:p>
           </p:txBody>
         </p:sp>
-        <mc:AlternateContent xmlns:mc="http://schemas.openxmlformats.org/markup-compatibility/2006">
-          <mc:Choice xmlns:a14="http://schemas.microsoft.com/office/drawing/2010/main" Requires="a14">
+        <mc:AlternateContent xmlns:mc="http://schemas.openxmlformats.org/markup-compatibility/2006" xmlns:a14="http://schemas.microsoft.com/office/drawing/2010/main">
+          <mc:Choice Requires="a14">
             <p:sp>
               <p:nvSpPr>
                 <p:cNvPr id="253" name="TextBox 252">
@@ -7583,6 +3814,7 @@
                 </a:bodyPr>
                 <a:lstStyle/>
                 <a:p>
+                  <a:pPr/>
                   <a14:m>
                     <m:oMathPara xmlns:m="http://schemas.openxmlformats.org/officeDocument/2006/math">
                       <m:oMathParaPr>
@@ -7749,7 +3981,7 @@
               </p:txBody>
             </p:sp>
           </mc:Choice>
-          <mc:Fallback>
+          <mc:Fallback xmlns="">
             <p:sp>
               <p:nvSpPr>
                 <p:cNvPr id="253" name="TextBox 252">
@@ -7867,8 +4099,8 @@
             </a:p>
           </p:txBody>
         </p:sp>
-        <mc:AlternateContent xmlns:mc="http://schemas.openxmlformats.org/markup-compatibility/2006">
-          <mc:Choice xmlns:a14="http://schemas.microsoft.com/office/drawing/2010/main" Requires="a14">
+        <mc:AlternateContent xmlns:mc="http://schemas.openxmlformats.org/markup-compatibility/2006" xmlns:a14="http://schemas.microsoft.com/office/drawing/2010/main">
+          <mc:Choice Requires="a14">
             <p:sp>
               <p:nvSpPr>
                 <p:cNvPr id="258" name="TextBox 257">
@@ -7897,6 +4129,7 @@
                 </a:bodyPr>
                 <a:lstStyle/>
                 <a:p>
+                  <a:pPr/>
                   <a14:m>
                     <m:oMathPara xmlns:m="http://schemas.openxmlformats.org/officeDocument/2006/math">
                       <m:oMathParaPr>
@@ -7991,7 +4224,7 @@
               </p:txBody>
             </p:sp>
           </mc:Choice>
-          <mc:Fallback>
+          <mc:Fallback xmlns="">
             <p:sp>
               <p:nvSpPr>
                 <p:cNvPr id="258" name="TextBox 257">
@@ -8037,101 +4270,6 @@
           </mc:Fallback>
         </mc:AlternateContent>
       </p:grpSp>
-      <mc:AlternateContent xmlns:mc="http://schemas.openxmlformats.org/markup-compatibility/2006">
-        <mc:Choice xmlns:a14="http://schemas.microsoft.com/office/drawing/2010/main" Requires="a14">
-          <p:sp>
-            <p:nvSpPr>
-              <p:cNvPr id="264" name="TextBox 263">
-                <a:extLst>
-                  <a:ext uri="{FF2B5EF4-FFF2-40B4-BE49-F238E27FC236}">
-                    <a16:creationId xmlns:a16="http://schemas.microsoft.com/office/drawing/2014/main" id="{96ED5EB3-7963-D623-7BE5-AF7079C95684}"/>
-                  </a:ext>
-                </a:extLst>
-              </p:cNvPr>
-              <p:cNvSpPr txBox="1"/>
-              <p:nvPr/>
-            </p:nvSpPr>
-            <p:spPr>
-              <a:xfrm>
-                <a:off x="1521475" y="4320789"/>
-                <a:ext cx="183062" cy="276999"/>
-              </a:xfrm>
-              <a:prstGeom prst="rect">
-                <a:avLst/>
-              </a:prstGeom>
-              <a:noFill/>
-            </p:spPr>
-            <p:txBody>
-              <a:bodyPr wrap="none" lIns="0" tIns="0" rIns="0" bIns="0" rtlCol="0">
-                <a:spAutoFit/>
-              </a:bodyPr>
-              <a:lstStyle/>
-              <a:p>
-                <a14:m>
-                  <m:oMathPara xmlns:m="http://schemas.openxmlformats.org/officeDocument/2006/math">
-                    <m:oMathParaPr>
-                      <m:jc m:val="centerGroup"/>
-                    </m:oMathParaPr>
-                    <m:oMath xmlns:m="http://schemas.openxmlformats.org/officeDocument/2006/math">
-                      <m:r>
-                        <a:rPr lang="en-US" b="0" i="1" smtClean="0">
-                          <a:latin typeface="Cambria Math" panose="02040503050406030204" pitchFamily="18" charset="0"/>
-                        </a:rPr>
-                        <m:t>𝜃</m:t>
-                      </m:r>
-                    </m:oMath>
-                  </m:oMathPara>
-                </a14:m>
-                <a:endParaRPr lang="en-US" dirty="0"/>
-              </a:p>
-            </p:txBody>
-          </p:sp>
-        </mc:Choice>
-        <mc:Fallback>
-          <p:sp>
-            <p:nvSpPr>
-              <p:cNvPr id="264" name="TextBox 263">
-                <a:extLst>
-                  <a:ext uri="{FF2B5EF4-FFF2-40B4-BE49-F238E27FC236}">
-                    <a16:creationId xmlns:a16="http://schemas.microsoft.com/office/drawing/2014/main" id="{96ED5EB3-7963-D623-7BE5-AF7079C95684}"/>
-                  </a:ext>
-                </a:extLst>
-              </p:cNvPr>
-              <p:cNvSpPr txBox="1">
-                <a:spLocks noRot="1" noChangeAspect="1" noMove="1" noResize="1" noEditPoints="1" noAdjustHandles="1" noChangeArrowheads="1" noChangeShapeType="1" noTextEdit="1"/>
-              </p:cNvSpPr>
-              <p:nvPr/>
-            </p:nvSpPr>
-            <p:spPr>
-              <a:xfrm>
-                <a:off x="1521475" y="4320789"/>
-                <a:ext cx="183062" cy="276999"/>
-              </a:xfrm>
-              <a:prstGeom prst="rect">
-                <a:avLst/>
-              </a:prstGeom>
-              <a:blipFill>
-                <a:blip r:embed="rId6"/>
-                <a:stretch>
-                  <a:fillRect l="-33333" r="-26667" b="-6667"/>
-                </a:stretch>
-              </a:blipFill>
-            </p:spPr>
-            <p:txBody>
-              <a:bodyPr/>
-              <a:lstStyle/>
-              <a:p>
-                <a:r>
-                  <a:rPr lang="en-US">
-                    <a:noFill/>
-                  </a:rPr>
-                  <a:t> </a:t>
-                </a:r>
-              </a:p>
-            </p:txBody>
-          </p:sp>
-        </mc:Fallback>
-      </mc:AlternateContent>
       <p:grpSp>
         <p:nvGrpSpPr>
           <p:cNvPr id="288" name="Group 287">
@@ -8204,8 +4342,8 @@
             </a:p>
           </p:txBody>
         </p:sp>
-        <mc:AlternateContent xmlns:mc="http://schemas.openxmlformats.org/markup-compatibility/2006">
-          <mc:Choice xmlns:a14="http://schemas.microsoft.com/office/drawing/2010/main" Requires="a14">
+        <mc:AlternateContent xmlns:mc="http://schemas.openxmlformats.org/markup-compatibility/2006" xmlns:a14="http://schemas.microsoft.com/office/drawing/2010/main">
+          <mc:Choice Requires="a14">
             <p:sp>
               <p:nvSpPr>
                 <p:cNvPr id="268" name="TextBox 267">
@@ -8234,6 +4372,7 @@
                 </a:bodyPr>
                 <a:lstStyle/>
                 <a:p>
+                  <a:pPr/>
                   <a14:m>
                     <m:oMathPara xmlns:m="http://schemas.openxmlformats.org/officeDocument/2006/math">
                       <m:oMathParaPr>
@@ -8299,7 +4438,7 @@
               </p:txBody>
             </p:sp>
           </mc:Choice>
-          <mc:Fallback>
+          <mc:Fallback xmlns="">
             <p:sp>
               <p:nvSpPr>
                 <p:cNvPr id="268" name="TextBox 267">
@@ -8620,7 +4759,7 @@
         </p:nvSpPr>
         <p:spPr>
           <a:xfrm>
-            <a:off x="3059529" y="1886081"/>
+            <a:off x="3322176" y="1895296"/>
             <a:ext cx="1374543" cy="276999"/>
           </a:xfrm>
           <a:prstGeom prst="rect">
@@ -8898,6 +5037,4020 @@
                 <a:cs typeface="Times New Roman" panose="02020603050405020304" pitchFamily="18" charset="0"/>
               </a:rPr>
               <a:t>Optimization step</a:t>
+            </a:r>
+          </a:p>
+        </p:txBody>
+      </p:sp>
+      <p:grpSp>
+        <p:nvGrpSpPr>
+          <p:cNvPr id="3" name="Group 2">
+            <a:extLst>
+              <a:ext uri="{FF2B5EF4-FFF2-40B4-BE49-F238E27FC236}">
+                <a16:creationId xmlns:a16="http://schemas.microsoft.com/office/drawing/2014/main" id="{D29753C3-A014-DB5E-4C83-4D909D4557A3}"/>
+              </a:ext>
+            </a:extLst>
+          </p:cNvPr>
+          <p:cNvGrpSpPr/>
+          <p:nvPr/>
+        </p:nvGrpSpPr>
+        <p:grpSpPr>
+          <a:xfrm>
+            <a:off x="1395663" y="2737184"/>
+            <a:ext cx="1828799" cy="1888958"/>
+            <a:chOff x="1395663" y="2737184"/>
+            <a:chExt cx="1828799" cy="1888958"/>
+          </a:xfrm>
+        </p:grpSpPr>
+        <p:sp>
+          <p:nvSpPr>
+            <p:cNvPr id="11" name="Rectangle: Rounded Corners 10">
+              <a:extLst>
+                <a:ext uri="{FF2B5EF4-FFF2-40B4-BE49-F238E27FC236}">
+                  <a16:creationId xmlns:a16="http://schemas.microsoft.com/office/drawing/2014/main" id="{F6251527-CFCF-C341-C9B4-96841CF0EA56}"/>
+                </a:ext>
+              </a:extLst>
+            </p:cNvPr>
+            <p:cNvSpPr/>
+            <p:nvPr/>
+          </p:nvSpPr>
+          <p:spPr>
+            <a:xfrm>
+              <a:off x="1395663" y="2737184"/>
+              <a:ext cx="1828799" cy="1888958"/>
+            </a:xfrm>
+            <a:prstGeom prst="roundRect">
+              <a:avLst/>
+            </a:prstGeom>
+            <a:noFill/>
+            <a:ln>
+              <a:solidFill>
+                <a:schemeClr val="tx1"/>
+              </a:solidFill>
+            </a:ln>
+          </p:spPr>
+          <p:style>
+            <a:lnRef idx="2">
+              <a:schemeClr val="accent1">
+                <a:shade val="15000"/>
+              </a:schemeClr>
+            </a:lnRef>
+            <a:fillRef idx="1">
+              <a:schemeClr val="accent1"/>
+            </a:fillRef>
+            <a:effectRef idx="0">
+              <a:schemeClr val="accent1"/>
+            </a:effectRef>
+            <a:fontRef idx="minor">
+              <a:schemeClr val="lt1"/>
+            </a:fontRef>
+          </p:style>
+          <p:txBody>
+            <a:bodyPr rtlCol="0" anchor="ctr"/>
+            <a:lstStyle/>
+            <a:p>
+              <a:pPr algn="ctr"/>
+              <a:endParaRPr lang="en-US"/>
+            </a:p>
+          </p:txBody>
+        </p:sp>
+        <p:grpSp>
+          <p:nvGrpSpPr>
+            <p:cNvPr id="241" name="Group 240">
+              <a:extLst>
+                <a:ext uri="{FF2B5EF4-FFF2-40B4-BE49-F238E27FC236}">
+                  <a16:creationId xmlns:a16="http://schemas.microsoft.com/office/drawing/2014/main" id="{22302379-62C9-C45F-8D49-9D6AA3FD2DAE}"/>
+                </a:ext>
+              </a:extLst>
+            </p:cNvPr>
+            <p:cNvGrpSpPr/>
+            <p:nvPr/>
+          </p:nvGrpSpPr>
+          <p:grpSpPr>
+            <a:xfrm>
+              <a:off x="1833503" y="2857778"/>
+              <a:ext cx="1041410" cy="1618608"/>
+              <a:chOff x="1833503" y="2857778"/>
+              <a:chExt cx="1041410" cy="1618608"/>
+            </a:xfrm>
+          </p:grpSpPr>
+          <p:sp>
+            <p:nvSpPr>
+              <p:cNvPr id="12" name="Flowchart: Connector 11">
+                <a:extLst>
+                  <a:ext uri="{FF2B5EF4-FFF2-40B4-BE49-F238E27FC236}">
+                    <a16:creationId xmlns:a16="http://schemas.microsoft.com/office/drawing/2014/main" id="{72A139DE-1E21-DE57-BE8A-ECA710D5F98F}"/>
+                  </a:ext>
+                </a:extLst>
+              </p:cNvPr>
+              <p:cNvSpPr/>
+              <p:nvPr/>
+            </p:nvSpPr>
+            <p:spPr>
+              <a:xfrm>
+                <a:off x="1975213" y="4337830"/>
+                <a:ext cx="138556" cy="138556"/>
+              </a:xfrm>
+              <a:prstGeom prst="flowChartConnector">
+                <a:avLst/>
+              </a:prstGeom>
+              <a:noFill/>
+            </p:spPr>
+            <p:style>
+              <a:lnRef idx="2">
+                <a:schemeClr val="accent1">
+                  <a:shade val="15000"/>
+                </a:schemeClr>
+              </a:lnRef>
+              <a:fillRef idx="1">
+                <a:schemeClr val="accent1"/>
+              </a:fillRef>
+              <a:effectRef idx="0">
+                <a:schemeClr val="accent1"/>
+              </a:effectRef>
+              <a:fontRef idx="minor">
+                <a:schemeClr val="lt1"/>
+              </a:fontRef>
+            </p:style>
+            <p:txBody>
+              <a:bodyPr rtlCol="0" anchor="ctr"/>
+              <a:lstStyle/>
+              <a:p>
+                <a:pPr algn="ctr"/>
+                <a:endParaRPr lang="en-US">
+                  <a:solidFill>
+                    <a:schemeClr val="tx1"/>
+                  </a:solidFill>
+                </a:endParaRPr>
+              </a:p>
+            </p:txBody>
+          </p:sp>
+          <p:sp>
+            <p:nvSpPr>
+              <p:cNvPr id="13" name="Flowchart: Connector 12">
+                <a:extLst>
+                  <a:ext uri="{FF2B5EF4-FFF2-40B4-BE49-F238E27FC236}">
+                    <a16:creationId xmlns:a16="http://schemas.microsoft.com/office/drawing/2014/main" id="{FC246320-D414-08A6-21CB-3B122B864CF0}"/>
+                  </a:ext>
+                </a:extLst>
+              </p:cNvPr>
+              <p:cNvSpPr/>
+              <p:nvPr/>
+            </p:nvSpPr>
+            <p:spPr>
+              <a:xfrm>
+                <a:off x="2282018" y="4337830"/>
+                <a:ext cx="138556" cy="138556"/>
+              </a:xfrm>
+              <a:prstGeom prst="flowChartConnector">
+                <a:avLst/>
+              </a:prstGeom>
+              <a:noFill/>
+            </p:spPr>
+            <p:style>
+              <a:lnRef idx="2">
+                <a:schemeClr val="accent1">
+                  <a:shade val="15000"/>
+                </a:schemeClr>
+              </a:lnRef>
+              <a:fillRef idx="1">
+                <a:schemeClr val="accent1"/>
+              </a:fillRef>
+              <a:effectRef idx="0">
+                <a:schemeClr val="accent1"/>
+              </a:effectRef>
+              <a:fontRef idx="minor">
+                <a:schemeClr val="lt1"/>
+              </a:fontRef>
+            </p:style>
+            <p:txBody>
+              <a:bodyPr rtlCol="0" anchor="ctr"/>
+              <a:lstStyle/>
+              <a:p>
+                <a:pPr algn="ctr"/>
+                <a:endParaRPr lang="en-US">
+                  <a:solidFill>
+                    <a:schemeClr val="tx1"/>
+                  </a:solidFill>
+                </a:endParaRPr>
+              </a:p>
+            </p:txBody>
+          </p:sp>
+          <p:sp>
+            <p:nvSpPr>
+              <p:cNvPr id="14" name="Flowchart: Connector 13">
+                <a:extLst>
+                  <a:ext uri="{FF2B5EF4-FFF2-40B4-BE49-F238E27FC236}">
+                    <a16:creationId xmlns:a16="http://schemas.microsoft.com/office/drawing/2014/main" id="{16A06E8A-A608-C524-8139-A6056611355F}"/>
+                  </a:ext>
+                </a:extLst>
+              </p:cNvPr>
+              <p:cNvSpPr/>
+              <p:nvPr/>
+            </p:nvSpPr>
+            <p:spPr>
+              <a:xfrm>
+                <a:off x="2590157" y="4337830"/>
+                <a:ext cx="138556" cy="138556"/>
+              </a:xfrm>
+              <a:prstGeom prst="flowChartConnector">
+                <a:avLst/>
+              </a:prstGeom>
+              <a:noFill/>
+            </p:spPr>
+            <p:style>
+              <a:lnRef idx="2">
+                <a:schemeClr val="accent1">
+                  <a:shade val="15000"/>
+                </a:schemeClr>
+              </a:lnRef>
+              <a:fillRef idx="1">
+                <a:schemeClr val="accent1"/>
+              </a:fillRef>
+              <a:effectRef idx="0">
+                <a:schemeClr val="accent1"/>
+              </a:effectRef>
+              <a:fontRef idx="minor">
+                <a:schemeClr val="lt1"/>
+              </a:fontRef>
+            </p:style>
+            <p:txBody>
+              <a:bodyPr rtlCol="0" anchor="ctr"/>
+              <a:lstStyle/>
+              <a:p>
+                <a:pPr algn="ctr"/>
+                <a:endParaRPr lang="en-US">
+                  <a:solidFill>
+                    <a:schemeClr val="tx1"/>
+                  </a:solidFill>
+                </a:endParaRPr>
+              </a:p>
+            </p:txBody>
+          </p:sp>
+          <p:sp>
+            <p:nvSpPr>
+              <p:cNvPr id="15" name="Flowchart: Connector 14">
+                <a:extLst>
+                  <a:ext uri="{FF2B5EF4-FFF2-40B4-BE49-F238E27FC236}">
+                    <a16:creationId xmlns:a16="http://schemas.microsoft.com/office/drawing/2014/main" id="{89DB0150-9064-51E1-7859-E02375F63F26}"/>
+                  </a:ext>
+                </a:extLst>
+              </p:cNvPr>
+              <p:cNvSpPr/>
+              <p:nvPr/>
+            </p:nvSpPr>
+            <p:spPr>
+              <a:xfrm>
+                <a:off x="1833503" y="3949813"/>
+                <a:ext cx="138556" cy="138556"/>
+              </a:xfrm>
+              <a:prstGeom prst="flowChartConnector">
+                <a:avLst/>
+              </a:prstGeom>
+              <a:noFill/>
+            </p:spPr>
+            <p:style>
+              <a:lnRef idx="2">
+                <a:schemeClr val="accent1">
+                  <a:shade val="15000"/>
+                </a:schemeClr>
+              </a:lnRef>
+              <a:fillRef idx="1">
+                <a:schemeClr val="accent1"/>
+              </a:fillRef>
+              <a:effectRef idx="0">
+                <a:schemeClr val="accent1"/>
+              </a:effectRef>
+              <a:fontRef idx="minor">
+                <a:schemeClr val="lt1"/>
+              </a:fontRef>
+            </p:style>
+            <p:txBody>
+              <a:bodyPr rtlCol="0" anchor="ctr"/>
+              <a:lstStyle/>
+              <a:p>
+                <a:pPr algn="ctr"/>
+                <a:endParaRPr lang="en-US">
+                  <a:solidFill>
+                    <a:schemeClr val="tx1"/>
+                  </a:solidFill>
+                </a:endParaRPr>
+              </a:p>
+            </p:txBody>
+          </p:sp>
+          <p:sp>
+            <p:nvSpPr>
+              <p:cNvPr id="16" name="Flowchart: Connector 15">
+                <a:extLst>
+                  <a:ext uri="{FF2B5EF4-FFF2-40B4-BE49-F238E27FC236}">
+                    <a16:creationId xmlns:a16="http://schemas.microsoft.com/office/drawing/2014/main" id="{038C518D-46D4-20A4-F55A-D31466828534}"/>
+                  </a:ext>
+                </a:extLst>
+              </p:cNvPr>
+              <p:cNvSpPr/>
+              <p:nvPr/>
+            </p:nvSpPr>
+            <p:spPr>
+              <a:xfrm>
+                <a:off x="2001267" y="3949812"/>
+                <a:ext cx="138556" cy="138556"/>
+              </a:xfrm>
+              <a:prstGeom prst="flowChartConnector">
+                <a:avLst/>
+              </a:prstGeom>
+              <a:noFill/>
+            </p:spPr>
+            <p:style>
+              <a:lnRef idx="2">
+                <a:schemeClr val="accent1">
+                  <a:shade val="15000"/>
+                </a:schemeClr>
+              </a:lnRef>
+              <a:fillRef idx="1">
+                <a:schemeClr val="accent1"/>
+              </a:fillRef>
+              <a:effectRef idx="0">
+                <a:schemeClr val="accent1"/>
+              </a:effectRef>
+              <a:fontRef idx="minor">
+                <a:schemeClr val="lt1"/>
+              </a:fontRef>
+            </p:style>
+            <p:txBody>
+              <a:bodyPr rtlCol="0" anchor="ctr"/>
+              <a:lstStyle/>
+              <a:p>
+                <a:pPr algn="ctr"/>
+                <a:endParaRPr lang="en-US">
+                  <a:solidFill>
+                    <a:schemeClr val="tx1"/>
+                  </a:solidFill>
+                </a:endParaRPr>
+              </a:p>
+            </p:txBody>
+          </p:sp>
+          <p:sp>
+            <p:nvSpPr>
+              <p:cNvPr id="17" name="Flowchart: Connector 16">
+                <a:extLst>
+                  <a:ext uri="{FF2B5EF4-FFF2-40B4-BE49-F238E27FC236}">
+                    <a16:creationId xmlns:a16="http://schemas.microsoft.com/office/drawing/2014/main" id="{6CB9AB2B-7DEC-AD7C-4AC6-F6C8C38495A6}"/>
+                  </a:ext>
+                </a:extLst>
+              </p:cNvPr>
+              <p:cNvSpPr/>
+              <p:nvPr/>
+            </p:nvSpPr>
+            <p:spPr>
+              <a:xfrm>
+                <a:off x="2169031" y="3949812"/>
+                <a:ext cx="138556" cy="138556"/>
+              </a:xfrm>
+              <a:prstGeom prst="flowChartConnector">
+                <a:avLst/>
+              </a:prstGeom>
+              <a:noFill/>
+            </p:spPr>
+            <p:style>
+              <a:lnRef idx="2">
+                <a:schemeClr val="accent1">
+                  <a:shade val="15000"/>
+                </a:schemeClr>
+              </a:lnRef>
+              <a:fillRef idx="1">
+                <a:schemeClr val="accent1"/>
+              </a:fillRef>
+              <a:effectRef idx="0">
+                <a:schemeClr val="accent1"/>
+              </a:effectRef>
+              <a:fontRef idx="minor">
+                <a:schemeClr val="lt1"/>
+              </a:fontRef>
+            </p:style>
+            <p:txBody>
+              <a:bodyPr rtlCol="0" anchor="ctr"/>
+              <a:lstStyle/>
+              <a:p>
+                <a:pPr algn="ctr"/>
+                <a:endParaRPr lang="en-US">
+                  <a:solidFill>
+                    <a:schemeClr val="tx1"/>
+                  </a:solidFill>
+                </a:endParaRPr>
+              </a:p>
+            </p:txBody>
+          </p:sp>
+          <p:sp>
+            <p:nvSpPr>
+              <p:cNvPr id="18" name="Flowchart: Connector 17">
+                <a:extLst>
+                  <a:ext uri="{FF2B5EF4-FFF2-40B4-BE49-F238E27FC236}">
+                    <a16:creationId xmlns:a16="http://schemas.microsoft.com/office/drawing/2014/main" id="{A2251BF8-F60A-2EA7-A817-8DE191AADC90}"/>
+                  </a:ext>
+                </a:extLst>
+              </p:cNvPr>
+              <p:cNvSpPr/>
+              <p:nvPr/>
+            </p:nvSpPr>
+            <p:spPr>
+              <a:xfrm>
+                <a:off x="2515956" y="3949812"/>
+                <a:ext cx="138556" cy="138556"/>
+              </a:xfrm>
+              <a:prstGeom prst="flowChartConnector">
+                <a:avLst/>
+              </a:prstGeom>
+              <a:noFill/>
+            </p:spPr>
+            <p:style>
+              <a:lnRef idx="2">
+                <a:schemeClr val="accent1">
+                  <a:shade val="15000"/>
+                </a:schemeClr>
+              </a:lnRef>
+              <a:fillRef idx="1">
+                <a:schemeClr val="accent1"/>
+              </a:fillRef>
+              <a:effectRef idx="0">
+                <a:schemeClr val="accent1"/>
+              </a:effectRef>
+              <a:fontRef idx="minor">
+                <a:schemeClr val="lt1"/>
+              </a:fontRef>
+            </p:style>
+            <p:txBody>
+              <a:bodyPr rtlCol="0" anchor="ctr"/>
+              <a:lstStyle/>
+              <a:p>
+                <a:pPr algn="ctr"/>
+                <a:endParaRPr lang="en-US">
+                  <a:solidFill>
+                    <a:schemeClr val="tx1"/>
+                  </a:solidFill>
+                </a:endParaRPr>
+              </a:p>
+            </p:txBody>
+          </p:sp>
+          <p:sp>
+            <p:nvSpPr>
+              <p:cNvPr id="19" name="Flowchart: Connector 18">
+                <a:extLst>
+                  <a:ext uri="{FF2B5EF4-FFF2-40B4-BE49-F238E27FC236}">
+                    <a16:creationId xmlns:a16="http://schemas.microsoft.com/office/drawing/2014/main" id="{7B8535E7-7699-064E-1006-7C6E6BAE81A1}"/>
+                  </a:ext>
+                </a:extLst>
+              </p:cNvPr>
+              <p:cNvSpPr/>
+              <p:nvPr/>
+            </p:nvSpPr>
+            <p:spPr>
+              <a:xfrm>
+                <a:off x="2736357" y="3949812"/>
+                <a:ext cx="138556" cy="138556"/>
+              </a:xfrm>
+              <a:prstGeom prst="flowChartConnector">
+                <a:avLst/>
+              </a:prstGeom>
+              <a:noFill/>
+            </p:spPr>
+            <p:style>
+              <a:lnRef idx="2">
+                <a:schemeClr val="accent1">
+                  <a:shade val="15000"/>
+                </a:schemeClr>
+              </a:lnRef>
+              <a:fillRef idx="1">
+                <a:schemeClr val="accent1"/>
+              </a:fillRef>
+              <a:effectRef idx="0">
+                <a:schemeClr val="accent1"/>
+              </a:effectRef>
+              <a:fontRef idx="minor">
+                <a:schemeClr val="lt1"/>
+              </a:fontRef>
+            </p:style>
+            <p:txBody>
+              <a:bodyPr rtlCol="0" anchor="ctr"/>
+              <a:lstStyle/>
+              <a:p>
+                <a:pPr algn="ctr"/>
+                <a:endParaRPr lang="en-US">
+                  <a:solidFill>
+                    <a:schemeClr val="tx1"/>
+                  </a:solidFill>
+                </a:endParaRPr>
+              </a:p>
+            </p:txBody>
+          </p:sp>
+          <p:sp>
+            <p:nvSpPr>
+              <p:cNvPr id="20" name="TextBox 19">
+                <a:extLst>
+                  <a:ext uri="{FF2B5EF4-FFF2-40B4-BE49-F238E27FC236}">
+                    <a16:creationId xmlns:a16="http://schemas.microsoft.com/office/drawing/2014/main" id="{1B1C0D40-E1D4-C5ED-F94A-5FBBA0817912}"/>
+                  </a:ext>
+                </a:extLst>
+              </p:cNvPr>
+              <p:cNvSpPr txBox="1"/>
+              <p:nvPr/>
+            </p:nvSpPr>
+            <p:spPr>
+              <a:xfrm>
+                <a:off x="2230205" y="3783739"/>
+                <a:ext cx="439726" cy="369332"/>
+              </a:xfrm>
+              <a:prstGeom prst="rect">
+                <a:avLst/>
+              </a:prstGeom>
+              <a:noFill/>
+            </p:spPr>
+            <p:txBody>
+              <a:bodyPr wrap="square" rtlCol="0">
+                <a:spAutoFit/>
+              </a:bodyPr>
+              <a:lstStyle/>
+              <a:p>
+                <a:r>
+                  <a:rPr lang="en-US" dirty="0"/>
+                  <a:t>…</a:t>
+                </a:r>
+              </a:p>
+            </p:txBody>
+          </p:sp>
+          <p:sp>
+            <p:nvSpPr>
+              <p:cNvPr id="21" name="Flowchart: Connector 20">
+                <a:extLst>
+                  <a:ext uri="{FF2B5EF4-FFF2-40B4-BE49-F238E27FC236}">
+                    <a16:creationId xmlns:a16="http://schemas.microsoft.com/office/drawing/2014/main" id="{F596FA89-3E10-FBDB-0FB9-C84F6A720797}"/>
+                  </a:ext>
+                </a:extLst>
+              </p:cNvPr>
+              <p:cNvSpPr/>
+              <p:nvPr/>
+            </p:nvSpPr>
+            <p:spPr>
+              <a:xfrm>
+                <a:off x="1833503" y="3663424"/>
+                <a:ext cx="138556" cy="138556"/>
+              </a:xfrm>
+              <a:prstGeom prst="flowChartConnector">
+                <a:avLst/>
+              </a:prstGeom>
+              <a:noFill/>
+            </p:spPr>
+            <p:style>
+              <a:lnRef idx="2">
+                <a:schemeClr val="accent1">
+                  <a:shade val="15000"/>
+                </a:schemeClr>
+              </a:lnRef>
+              <a:fillRef idx="1">
+                <a:schemeClr val="accent1"/>
+              </a:fillRef>
+              <a:effectRef idx="0">
+                <a:schemeClr val="accent1"/>
+              </a:effectRef>
+              <a:fontRef idx="minor">
+                <a:schemeClr val="lt1"/>
+              </a:fontRef>
+            </p:style>
+            <p:txBody>
+              <a:bodyPr rtlCol="0" anchor="ctr"/>
+              <a:lstStyle/>
+              <a:p>
+                <a:pPr algn="ctr"/>
+                <a:endParaRPr lang="en-US">
+                  <a:solidFill>
+                    <a:schemeClr val="tx1"/>
+                  </a:solidFill>
+                </a:endParaRPr>
+              </a:p>
+            </p:txBody>
+          </p:sp>
+          <p:sp>
+            <p:nvSpPr>
+              <p:cNvPr id="22" name="Flowchart: Connector 21">
+                <a:extLst>
+                  <a:ext uri="{FF2B5EF4-FFF2-40B4-BE49-F238E27FC236}">
+                    <a16:creationId xmlns:a16="http://schemas.microsoft.com/office/drawing/2014/main" id="{1929B6CA-436E-4115-57CA-94119584CC90}"/>
+                  </a:ext>
+                </a:extLst>
+              </p:cNvPr>
+              <p:cNvSpPr/>
+              <p:nvPr/>
+            </p:nvSpPr>
+            <p:spPr>
+              <a:xfrm>
+                <a:off x="2001267" y="3663423"/>
+                <a:ext cx="138556" cy="138556"/>
+              </a:xfrm>
+              <a:prstGeom prst="flowChartConnector">
+                <a:avLst/>
+              </a:prstGeom>
+              <a:noFill/>
+            </p:spPr>
+            <p:style>
+              <a:lnRef idx="2">
+                <a:schemeClr val="accent1">
+                  <a:shade val="15000"/>
+                </a:schemeClr>
+              </a:lnRef>
+              <a:fillRef idx="1">
+                <a:schemeClr val="accent1"/>
+              </a:fillRef>
+              <a:effectRef idx="0">
+                <a:schemeClr val="accent1"/>
+              </a:effectRef>
+              <a:fontRef idx="minor">
+                <a:schemeClr val="lt1"/>
+              </a:fontRef>
+            </p:style>
+            <p:txBody>
+              <a:bodyPr rtlCol="0" anchor="ctr"/>
+              <a:lstStyle/>
+              <a:p>
+                <a:pPr algn="ctr"/>
+                <a:endParaRPr lang="en-US">
+                  <a:solidFill>
+                    <a:schemeClr val="tx1"/>
+                  </a:solidFill>
+                </a:endParaRPr>
+              </a:p>
+            </p:txBody>
+          </p:sp>
+          <p:sp>
+            <p:nvSpPr>
+              <p:cNvPr id="23" name="Flowchart: Connector 22">
+                <a:extLst>
+                  <a:ext uri="{FF2B5EF4-FFF2-40B4-BE49-F238E27FC236}">
+                    <a16:creationId xmlns:a16="http://schemas.microsoft.com/office/drawing/2014/main" id="{A362412A-EA87-26C8-1D4A-5DAEE12560A9}"/>
+                  </a:ext>
+                </a:extLst>
+              </p:cNvPr>
+              <p:cNvSpPr/>
+              <p:nvPr/>
+            </p:nvSpPr>
+            <p:spPr>
+              <a:xfrm>
+                <a:off x="2169031" y="3663423"/>
+                <a:ext cx="138556" cy="138556"/>
+              </a:xfrm>
+              <a:prstGeom prst="flowChartConnector">
+                <a:avLst/>
+              </a:prstGeom>
+              <a:noFill/>
+            </p:spPr>
+            <p:style>
+              <a:lnRef idx="2">
+                <a:schemeClr val="accent1">
+                  <a:shade val="15000"/>
+                </a:schemeClr>
+              </a:lnRef>
+              <a:fillRef idx="1">
+                <a:schemeClr val="accent1"/>
+              </a:fillRef>
+              <a:effectRef idx="0">
+                <a:schemeClr val="accent1"/>
+              </a:effectRef>
+              <a:fontRef idx="minor">
+                <a:schemeClr val="lt1"/>
+              </a:fontRef>
+            </p:style>
+            <p:txBody>
+              <a:bodyPr rtlCol="0" anchor="ctr"/>
+              <a:lstStyle/>
+              <a:p>
+                <a:pPr algn="ctr"/>
+                <a:endParaRPr lang="en-US">
+                  <a:solidFill>
+                    <a:schemeClr val="tx1"/>
+                  </a:solidFill>
+                </a:endParaRPr>
+              </a:p>
+            </p:txBody>
+          </p:sp>
+          <p:sp>
+            <p:nvSpPr>
+              <p:cNvPr id="24" name="Flowchart: Connector 23">
+                <a:extLst>
+                  <a:ext uri="{FF2B5EF4-FFF2-40B4-BE49-F238E27FC236}">
+                    <a16:creationId xmlns:a16="http://schemas.microsoft.com/office/drawing/2014/main" id="{9866E347-F059-4E53-8841-48C311C95FE8}"/>
+                  </a:ext>
+                </a:extLst>
+              </p:cNvPr>
+              <p:cNvSpPr/>
+              <p:nvPr/>
+            </p:nvSpPr>
+            <p:spPr>
+              <a:xfrm>
+                <a:off x="2515956" y="3663423"/>
+                <a:ext cx="138556" cy="138556"/>
+              </a:xfrm>
+              <a:prstGeom prst="flowChartConnector">
+                <a:avLst/>
+              </a:prstGeom>
+              <a:noFill/>
+            </p:spPr>
+            <p:style>
+              <a:lnRef idx="2">
+                <a:schemeClr val="accent1">
+                  <a:shade val="15000"/>
+                </a:schemeClr>
+              </a:lnRef>
+              <a:fillRef idx="1">
+                <a:schemeClr val="accent1"/>
+              </a:fillRef>
+              <a:effectRef idx="0">
+                <a:schemeClr val="accent1"/>
+              </a:effectRef>
+              <a:fontRef idx="minor">
+                <a:schemeClr val="lt1"/>
+              </a:fontRef>
+            </p:style>
+            <p:txBody>
+              <a:bodyPr rtlCol="0" anchor="ctr"/>
+              <a:lstStyle/>
+              <a:p>
+                <a:pPr algn="ctr"/>
+                <a:endParaRPr lang="en-US">
+                  <a:solidFill>
+                    <a:schemeClr val="tx1"/>
+                  </a:solidFill>
+                </a:endParaRPr>
+              </a:p>
+            </p:txBody>
+          </p:sp>
+          <p:sp>
+            <p:nvSpPr>
+              <p:cNvPr id="25" name="Flowchart: Connector 24">
+                <a:extLst>
+                  <a:ext uri="{FF2B5EF4-FFF2-40B4-BE49-F238E27FC236}">
+                    <a16:creationId xmlns:a16="http://schemas.microsoft.com/office/drawing/2014/main" id="{68D534E7-DD99-BC54-4149-869C3A012D87}"/>
+                  </a:ext>
+                </a:extLst>
+              </p:cNvPr>
+              <p:cNvSpPr/>
+              <p:nvPr/>
+            </p:nvSpPr>
+            <p:spPr>
+              <a:xfrm>
+                <a:off x="2736357" y="3663423"/>
+                <a:ext cx="138556" cy="138556"/>
+              </a:xfrm>
+              <a:prstGeom prst="flowChartConnector">
+                <a:avLst/>
+              </a:prstGeom>
+              <a:noFill/>
+            </p:spPr>
+            <p:style>
+              <a:lnRef idx="2">
+                <a:schemeClr val="accent1">
+                  <a:shade val="15000"/>
+                </a:schemeClr>
+              </a:lnRef>
+              <a:fillRef idx="1">
+                <a:schemeClr val="accent1"/>
+              </a:fillRef>
+              <a:effectRef idx="0">
+                <a:schemeClr val="accent1"/>
+              </a:effectRef>
+              <a:fontRef idx="minor">
+                <a:schemeClr val="lt1"/>
+              </a:fontRef>
+            </p:style>
+            <p:txBody>
+              <a:bodyPr rtlCol="0" anchor="ctr"/>
+              <a:lstStyle/>
+              <a:p>
+                <a:pPr algn="ctr"/>
+                <a:endParaRPr lang="en-US">
+                  <a:solidFill>
+                    <a:schemeClr val="tx1"/>
+                  </a:solidFill>
+                </a:endParaRPr>
+              </a:p>
+            </p:txBody>
+          </p:sp>
+          <p:sp>
+            <p:nvSpPr>
+              <p:cNvPr id="26" name="TextBox 25">
+                <a:extLst>
+                  <a:ext uri="{FF2B5EF4-FFF2-40B4-BE49-F238E27FC236}">
+                    <a16:creationId xmlns:a16="http://schemas.microsoft.com/office/drawing/2014/main" id="{1762170E-68D1-2C55-6FE4-67EBA2F94654}"/>
+                  </a:ext>
+                </a:extLst>
+              </p:cNvPr>
+              <p:cNvSpPr txBox="1"/>
+              <p:nvPr/>
+            </p:nvSpPr>
+            <p:spPr>
+              <a:xfrm>
+                <a:off x="2221668" y="3496997"/>
+                <a:ext cx="381836" cy="369332"/>
+              </a:xfrm>
+              <a:prstGeom prst="rect">
+                <a:avLst/>
+              </a:prstGeom>
+              <a:noFill/>
+            </p:spPr>
+            <p:txBody>
+              <a:bodyPr wrap="none" rtlCol="0">
+                <a:spAutoFit/>
+              </a:bodyPr>
+              <a:lstStyle/>
+              <a:p>
+                <a:r>
+                  <a:rPr lang="en-US" dirty="0"/>
+                  <a:t>…</a:t>
+                </a:r>
+              </a:p>
+            </p:txBody>
+          </p:sp>
+          <p:sp>
+            <p:nvSpPr>
+              <p:cNvPr id="46" name="TextBox 45">
+                <a:extLst>
+                  <a:ext uri="{FF2B5EF4-FFF2-40B4-BE49-F238E27FC236}">
+                    <a16:creationId xmlns:a16="http://schemas.microsoft.com/office/drawing/2014/main" id="{8643005A-3F83-E551-C8F1-F43A4E39565F}"/>
+                  </a:ext>
+                </a:extLst>
+              </p:cNvPr>
+              <p:cNvSpPr txBox="1"/>
+              <p:nvPr/>
+            </p:nvSpPr>
+            <p:spPr>
+              <a:xfrm>
+                <a:off x="2220577" y="3291083"/>
+                <a:ext cx="439726" cy="369332"/>
+              </a:xfrm>
+              <a:prstGeom prst="rect">
+                <a:avLst/>
+              </a:prstGeom>
+              <a:noFill/>
+            </p:spPr>
+            <p:txBody>
+              <a:bodyPr wrap="square" rtlCol="0">
+                <a:spAutoFit/>
+              </a:bodyPr>
+              <a:lstStyle/>
+              <a:p>
+                <a:r>
+                  <a:rPr lang="en-US" dirty="0"/>
+                  <a:t>…</a:t>
+                </a:r>
+              </a:p>
+            </p:txBody>
+          </p:sp>
+          <p:sp>
+            <p:nvSpPr>
+              <p:cNvPr id="47" name="Flowchart: Connector 46">
+                <a:extLst>
+                  <a:ext uri="{FF2B5EF4-FFF2-40B4-BE49-F238E27FC236}">
+                    <a16:creationId xmlns:a16="http://schemas.microsoft.com/office/drawing/2014/main" id="{408B1F56-EBD1-0AE6-8A04-125930406661}"/>
+                  </a:ext>
+                </a:extLst>
+              </p:cNvPr>
+              <p:cNvSpPr/>
+              <p:nvPr/>
+            </p:nvSpPr>
+            <p:spPr>
+              <a:xfrm>
+                <a:off x="1833503" y="3255485"/>
+                <a:ext cx="138556" cy="138556"/>
+              </a:xfrm>
+              <a:prstGeom prst="flowChartConnector">
+                <a:avLst/>
+              </a:prstGeom>
+              <a:noFill/>
+            </p:spPr>
+            <p:style>
+              <a:lnRef idx="2">
+                <a:schemeClr val="accent1">
+                  <a:shade val="15000"/>
+                </a:schemeClr>
+              </a:lnRef>
+              <a:fillRef idx="1">
+                <a:schemeClr val="accent1"/>
+              </a:fillRef>
+              <a:effectRef idx="0">
+                <a:schemeClr val="accent1"/>
+              </a:effectRef>
+              <a:fontRef idx="minor">
+                <a:schemeClr val="lt1"/>
+              </a:fontRef>
+            </p:style>
+            <p:txBody>
+              <a:bodyPr rtlCol="0" anchor="ctr"/>
+              <a:lstStyle/>
+              <a:p>
+                <a:pPr algn="ctr"/>
+                <a:endParaRPr lang="en-US">
+                  <a:solidFill>
+                    <a:schemeClr val="tx1"/>
+                  </a:solidFill>
+                </a:endParaRPr>
+              </a:p>
+            </p:txBody>
+          </p:sp>
+          <p:sp>
+            <p:nvSpPr>
+              <p:cNvPr id="48" name="Flowchart: Connector 47">
+                <a:extLst>
+                  <a:ext uri="{FF2B5EF4-FFF2-40B4-BE49-F238E27FC236}">
+                    <a16:creationId xmlns:a16="http://schemas.microsoft.com/office/drawing/2014/main" id="{91A37084-9823-4DB3-B434-DF1CEC835FB4}"/>
+                  </a:ext>
+                </a:extLst>
+              </p:cNvPr>
+              <p:cNvSpPr/>
+              <p:nvPr/>
+            </p:nvSpPr>
+            <p:spPr>
+              <a:xfrm>
+                <a:off x="2001267" y="3255484"/>
+                <a:ext cx="138556" cy="138556"/>
+              </a:xfrm>
+              <a:prstGeom prst="flowChartConnector">
+                <a:avLst/>
+              </a:prstGeom>
+              <a:noFill/>
+            </p:spPr>
+            <p:style>
+              <a:lnRef idx="2">
+                <a:schemeClr val="accent1">
+                  <a:shade val="15000"/>
+                </a:schemeClr>
+              </a:lnRef>
+              <a:fillRef idx="1">
+                <a:schemeClr val="accent1"/>
+              </a:fillRef>
+              <a:effectRef idx="0">
+                <a:schemeClr val="accent1"/>
+              </a:effectRef>
+              <a:fontRef idx="minor">
+                <a:schemeClr val="lt1"/>
+              </a:fontRef>
+            </p:style>
+            <p:txBody>
+              <a:bodyPr rtlCol="0" anchor="ctr"/>
+              <a:lstStyle/>
+              <a:p>
+                <a:pPr algn="ctr"/>
+                <a:endParaRPr lang="en-US">
+                  <a:solidFill>
+                    <a:schemeClr val="tx1"/>
+                  </a:solidFill>
+                </a:endParaRPr>
+              </a:p>
+            </p:txBody>
+          </p:sp>
+          <p:sp>
+            <p:nvSpPr>
+              <p:cNvPr id="49" name="Flowchart: Connector 48">
+                <a:extLst>
+                  <a:ext uri="{FF2B5EF4-FFF2-40B4-BE49-F238E27FC236}">
+                    <a16:creationId xmlns:a16="http://schemas.microsoft.com/office/drawing/2014/main" id="{E7BFE088-2D9E-4267-FC4E-675A78E1C641}"/>
+                  </a:ext>
+                </a:extLst>
+              </p:cNvPr>
+              <p:cNvSpPr/>
+              <p:nvPr/>
+            </p:nvSpPr>
+            <p:spPr>
+              <a:xfrm>
+                <a:off x="2169031" y="3255484"/>
+                <a:ext cx="138556" cy="138556"/>
+              </a:xfrm>
+              <a:prstGeom prst="flowChartConnector">
+                <a:avLst/>
+              </a:prstGeom>
+              <a:noFill/>
+            </p:spPr>
+            <p:style>
+              <a:lnRef idx="2">
+                <a:schemeClr val="accent1">
+                  <a:shade val="15000"/>
+                </a:schemeClr>
+              </a:lnRef>
+              <a:fillRef idx="1">
+                <a:schemeClr val="accent1"/>
+              </a:fillRef>
+              <a:effectRef idx="0">
+                <a:schemeClr val="accent1"/>
+              </a:effectRef>
+              <a:fontRef idx="minor">
+                <a:schemeClr val="lt1"/>
+              </a:fontRef>
+            </p:style>
+            <p:txBody>
+              <a:bodyPr rtlCol="0" anchor="ctr"/>
+              <a:lstStyle/>
+              <a:p>
+                <a:pPr algn="ctr"/>
+                <a:endParaRPr lang="en-US">
+                  <a:solidFill>
+                    <a:schemeClr val="tx1"/>
+                  </a:solidFill>
+                </a:endParaRPr>
+              </a:p>
+            </p:txBody>
+          </p:sp>
+          <p:sp>
+            <p:nvSpPr>
+              <p:cNvPr id="50" name="Flowchart: Connector 49">
+                <a:extLst>
+                  <a:ext uri="{FF2B5EF4-FFF2-40B4-BE49-F238E27FC236}">
+                    <a16:creationId xmlns:a16="http://schemas.microsoft.com/office/drawing/2014/main" id="{BD85EF5B-4E7A-D3DC-362E-BD29EC691DC1}"/>
+                  </a:ext>
+                </a:extLst>
+              </p:cNvPr>
+              <p:cNvSpPr/>
+              <p:nvPr/>
+            </p:nvSpPr>
+            <p:spPr>
+              <a:xfrm>
+                <a:off x="2515956" y="3255484"/>
+                <a:ext cx="138556" cy="138556"/>
+              </a:xfrm>
+              <a:prstGeom prst="flowChartConnector">
+                <a:avLst/>
+              </a:prstGeom>
+              <a:noFill/>
+            </p:spPr>
+            <p:style>
+              <a:lnRef idx="2">
+                <a:schemeClr val="accent1">
+                  <a:shade val="15000"/>
+                </a:schemeClr>
+              </a:lnRef>
+              <a:fillRef idx="1">
+                <a:schemeClr val="accent1"/>
+              </a:fillRef>
+              <a:effectRef idx="0">
+                <a:schemeClr val="accent1"/>
+              </a:effectRef>
+              <a:fontRef idx="minor">
+                <a:schemeClr val="lt1"/>
+              </a:fontRef>
+            </p:style>
+            <p:txBody>
+              <a:bodyPr rtlCol="0" anchor="ctr"/>
+              <a:lstStyle/>
+              <a:p>
+                <a:pPr algn="ctr"/>
+                <a:endParaRPr lang="en-US">
+                  <a:solidFill>
+                    <a:schemeClr val="tx1"/>
+                  </a:solidFill>
+                </a:endParaRPr>
+              </a:p>
+            </p:txBody>
+          </p:sp>
+          <p:sp>
+            <p:nvSpPr>
+              <p:cNvPr id="51" name="Flowchart: Connector 50">
+                <a:extLst>
+                  <a:ext uri="{FF2B5EF4-FFF2-40B4-BE49-F238E27FC236}">
+                    <a16:creationId xmlns:a16="http://schemas.microsoft.com/office/drawing/2014/main" id="{256B6C96-7296-8C00-C04F-DE40DE637E95}"/>
+                  </a:ext>
+                </a:extLst>
+              </p:cNvPr>
+              <p:cNvSpPr/>
+              <p:nvPr/>
+            </p:nvSpPr>
+            <p:spPr>
+              <a:xfrm>
+                <a:off x="2736357" y="3255484"/>
+                <a:ext cx="138556" cy="138556"/>
+              </a:xfrm>
+              <a:prstGeom prst="flowChartConnector">
+                <a:avLst/>
+              </a:prstGeom>
+              <a:noFill/>
+            </p:spPr>
+            <p:style>
+              <a:lnRef idx="2">
+                <a:schemeClr val="accent1">
+                  <a:shade val="15000"/>
+                </a:schemeClr>
+              </a:lnRef>
+              <a:fillRef idx="1">
+                <a:schemeClr val="accent1"/>
+              </a:fillRef>
+              <a:effectRef idx="0">
+                <a:schemeClr val="accent1"/>
+              </a:effectRef>
+              <a:fontRef idx="minor">
+                <a:schemeClr val="lt1"/>
+              </a:fontRef>
+            </p:style>
+            <p:txBody>
+              <a:bodyPr rtlCol="0" anchor="ctr"/>
+              <a:lstStyle/>
+              <a:p>
+                <a:pPr algn="ctr"/>
+                <a:endParaRPr lang="en-US">
+                  <a:solidFill>
+                    <a:schemeClr val="tx1"/>
+                  </a:solidFill>
+                </a:endParaRPr>
+              </a:p>
+            </p:txBody>
+          </p:sp>
+          <p:sp>
+            <p:nvSpPr>
+              <p:cNvPr id="52" name="Flowchart: Connector 51">
+                <a:extLst>
+                  <a:ext uri="{FF2B5EF4-FFF2-40B4-BE49-F238E27FC236}">
+                    <a16:creationId xmlns:a16="http://schemas.microsoft.com/office/drawing/2014/main" id="{6A1808A7-DC76-E0A4-124B-3421519E47D8}"/>
+                  </a:ext>
+                </a:extLst>
+              </p:cNvPr>
+              <p:cNvSpPr/>
+              <p:nvPr/>
+            </p:nvSpPr>
+            <p:spPr>
+              <a:xfrm>
+                <a:off x="1945876" y="2857778"/>
+                <a:ext cx="138556" cy="138556"/>
+              </a:xfrm>
+              <a:prstGeom prst="flowChartConnector">
+                <a:avLst/>
+              </a:prstGeom>
+              <a:noFill/>
+            </p:spPr>
+            <p:style>
+              <a:lnRef idx="2">
+                <a:schemeClr val="accent1">
+                  <a:shade val="15000"/>
+                </a:schemeClr>
+              </a:lnRef>
+              <a:fillRef idx="1">
+                <a:schemeClr val="accent1"/>
+              </a:fillRef>
+              <a:effectRef idx="0">
+                <a:schemeClr val="accent1"/>
+              </a:effectRef>
+              <a:fontRef idx="minor">
+                <a:schemeClr val="lt1"/>
+              </a:fontRef>
+            </p:style>
+            <p:txBody>
+              <a:bodyPr rtlCol="0" anchor="ctr"/>
+              <a:lstStyle/>
+              <a:p>
+                <a:pPr algn="ctr"/>
+                <a:endParaRPr lang="en-US">
+                  <a:solidFill>
+                    <a:schemeClr val="tx1"/>
+                  </a:solidFill>
+                </a:endParaRPr>
+              </a:p>
+            </p:txBody>
+          </p:sp>
+          <p:sp>
+            <p:nvSpPr>
+              <p:cNvPr id="53" name="Flowchart: Connector 52">
+                <a:extLst>
+                  <a:ext uri="{FF2B5EF4-FFF2-40B4-BE49-F238E27FC236}">
+                    <a16:creationId xmlns:a16="http://schemas.microsoft.com/office/drawing/2014/main" id="{3F029F8B-9FAE-4CAE-831F-4EEFAF9E202B}"/>
+                  </a:ext>
+                </a:extLst>
+              </p:cNvPr>
+              <p:cNvSpPr/>
+              <p:nvPr/>
+            </p:nvSpPr>
+            <p:spPr>
+              <a:xfrm>
+                <a:off x="2252681" y="2857778"/>
+                <a:ext cx="138556" cy="138556"/>
+              </a:xfrm>
+              <a:prstGeom prst="flowChartConnector">
+                <a:avLst/>
+              </a:prstGeom>
+              <a:noFill/>
+            </p:spPr>
+            <p:style>
+              <a:lnRef idx="2">
+                <a:schemeClr val="accent1">
+                  <a:shade val="15000"/>
+                </a:schemeClr>
+              </a:lnRef>
+              <a:fillRef idx="1">
+                <a:schemeClr val="accent1"/>
+              </a:fillRef>
+              <a:effectRef idx="0">
+                <a:schemeClr val="accent1"/>
+              </a:effectRef>
+              <a:fontRef idx="minor">
+                <a:schemeClr val="lt1"/>
+              </a:fontRef>
+            </p:style>
+            <p:txBody>
+              <a:bodyPr rtlCol="0" anchor="ctr"/>
+              <a:lstStyle/>
+              <a:p>
+                <a:pPr algn="ctr"/>
+                <a:endParaRPr lang="en-US">
+                  <a:solidFill>
+                    <a:schemeClr val="tx1"/>
+                  </a:solidFill>
+                </a:endParaRPr>
+              </a:p>
+            </p:txBody>
+          </p:sp>
+          <p:sp>
+            <p:nvSpPr>
+              <p:cNvPr id="54" name="Flowchart: Connector 53">
+                <a:extLst>
+                  <a:ext uri="{FF2B5EF4-FFF2-40B4-BE49-F238E27FC236}">
+                    <a16:creationId xmlns:a16="http://schemas.microsoft.com/office/drawing/2014/main" id="{CDED1AAF-7A2F-8F88-8BF4-C9E132CDCEDF}"/>
+                  </a:ext>
+                </a:extLst>
+              </p:cNvPr>
+              <p:cNvSpPr/>
+              <p:nvPr/>
+            </p:nvSpPr>
+            <p:spPr>
+              <a:xfrm>
+                <a:off x="2560820" y="2857778"/>
+                <a:ext cx="138556" cy="138556"/>
+              </a:xfrm>
+              <a:prstGeom prst="flowChartConnector">
+                <a:avLst/>
+              </a:prstGeom>
+              <a:noFill/>
+            </p:spPr>
+            <p:style>
+              <a:lnRef idx="2">
+                <a:schemeClr val="accent1">
+                  <a:shade val="15000"/>
+                </a:schemeClr>
+              </a:lnRef>
+              <a:fillRef idx="1">
+                <a:schemeClr val="accent1"/>
+              </a:fillRef>
+              <a:effectRef idx="0">
+                <a:schemeClr val="accent1"/>
+              </a:effectRef>
+              <a:fontRef idx="minor">
+                <a:schemeClr val="lt1"/>
+              </a:fontRef>
+            </p:style>
+            <p:txBody>
+              <a:bodyPr rtlCol="0" anchor="ctr"/>
+              <a:lstStyle/>
+              <a:p>
+                <a:pPr algn="ctr"/>
+                <a:endParaRPr lang="en-US">
+                  <a:solidFill>
+                    <a:schemeClr val="tx1"/>
+                  </a:solidFill>
+                </a:endParaRPr>
+              </a:p>
+            </p:txBody>
+          </p:sp>
+          <p:cxnSp>
+            <p:nvCxnSpPr>
+              <p:cNvPr id="58" name="Straight Connector 57">
+                <a:extLst>
+                  <a:ext uri="{FF2B5EF4-FFF2-40B4-BE49-F238E27FC236}">
+                    <a16:creationId xmlns:a16="http://schemas.microsoft.com/office/drawing/2014/main" id="{4D05710C-F5C7-0BEB-0C3B-9669501AE112}"/>
+                  </a:ext>
+                </a:extLst>
+              </p:cNvPr>
+              <p:cNvCxnSpPr>
+                <a:cxnSpLocks/>
+                <a:stCxn id="15" idx="4"/>
+                <a:endCxn id="12" idx="0"/>
+              </p:cNvCxnSpPr>
+              <p:nvPr/>
+            </p:nvCxnSpPr>
+            <p:spPr>
+              <a:xfrm>
+                <a:off x="1902781" y="4088369"/>
+                <a:ext cx="141710" cy="249461"/>
+              </a:xfrm>
+              <a:prstGeom prst="line">
+                <a:avLst/>
+              </a:prstGeom>
+            </p:spPr>
+            <p:style>
+              <a:lnRef idx="2">
+                <a:schemeClr val="accent1"/>
+              </a:lnRef>
+              <a:fillRef idx="0">
+                <a:schemeClr val="accent1"/>
+              </a:fillRef>
+              <a:effectRef idx="1">
+                <a:schemeClr val="accent1"/>
+              </a:effectRef>
+              <a:fontRef idx="minor">
+                <a:schemeClr val="tx1"/>
+              </a:fontRef>
+            </p:style>
+          </p:cxnSp>
+          <p:cxnSp>
+            <p:nvCxnSpPr>
+              <p:cNvPr id="60" name="Straight Connector 59">
+                <a:extLst>
+                  <a:ext uri="{FF2B5EF4-FFF2-40B4-BE49-F238E27FC236}">
+                    <a16:creationId xmlns:a16="http://schemas.microsoft.com/office/drawing/2014/main" id="{38154FE7-395A-378A-A1E2-0F67D3FA52B6}"/>
+                  </a:ext>
+                </a:extLst>
+              </p:cNvPr>
+              <p:cNvCxnSpPr>
+                <a:cxnSpLocks/>
+                <a:stCxn id="16" idx="4"/>
+                <a:endCxn id="12" idx="0"/>
+              </p:cNvCxnSpPr>
+              <p:nvPr/>
+            </p:nvCxnSpPr>
+            <p:spPr>
+              <a:xfrm flipH="1">
+                <a:off x="2044491" y="4088368"/>
+                <a:ext cx="26054" cy="249462"/>
+              </a:xfrm>
+              <a:prstGeom prst="line">
+                <a:avLst/>
+              </a:prstGeom>
+            </p:spPr>
+            <p:style>
+              <a:lnRef idx="2">
+                <a:schemeClr val="accent1"/>
+              </a:lnRef>
+              <a:fillRef idx="0">
+                <a:schemeClr val="accent1"/>
+              </a:fillRef>
+              <a:effectRef idx="1">
+                <a:schemeClr val="accent1"/>
+              </a:effectRef>
+              <a:fontRef idx="minor">
+                <a:schemeClr val="tx1"/>
+              </a:fontRef>
+            </p:style>
+          </p:cxnSp>
+          <p:cxnSp>
+            <p:nvCxnSpPr>
+              <p:cNvPr id="63" name="Straight Connector 62">
+                <a:extLst>
+                  <a:ext uri="{FF2B5EF4-FFF2-40B4-BE49-F238E27FC236}">
+                    <a16:creationId xmlns:a16="http://schemas.microsoft.com/office/drawing/2014/main" id="{5615FC9B-A406-BC0C-C3A4-1BEDB486335A}"/>
+                  </a:ext>
+                </a:extLst>
+              </p:cNvPr>
+              <p:cNvCxnSpPr>
+                <a:cxnSpLocks/>
+                <a:stCxn id="17" idx="4"/>
+                <a:endCxn id="12" idx="0"/>
+              </p:cNvCxnSpPr>
+              <p:nvPr/>
+            </p:nvCxnSpPr>
+            <p:spPr>
+              <a:xfrm flipH="1">
+                <a:off x="2044491" y="4088368"/>
+                <a:ext cx="193818" cy="249462"/>
+              </a:xfrm>
+              <a:prstGeom prst="line">
+                <a:avLst/>
+              </a:prstGeom>
+            </p:spPr>
+            <p:style>
+              <a:lnRef idx="2">
+                <a:schemeClr val="accent1"/>
+              </a:lnRef>
+              <a:fillRef idx="0">
+                <a:schemeClr val="accent1"/>
+              </a:fillRef>
+              <a:effectRef idx="1">
+                <a:schemeClr val="accent1"/>
+              </a:effectRef>
+              <a:fontRef idx="minor">
+                <a:schemeClr val="tx1"/>
+              </a:fontRef>
+            </p:style>
+          </p:cxnSp>
+          <p:cxnSp>
+            <p:nvCxnSpPr>
+              <p:cNvPr id="67" name="Straight Connector 66">
+                <a:extLst>
+                  <a:ext uri="{FF2B5EF4-FFF2-40B4-BE49-F238E27FC236}">
+                    <a16:creationId xmlns:a16="http://schemas.microsoft.com/office/drawing/2014/main" id="{DECA3BE6-C264-7ED4-00E6-C89F8D67BD0B}"/>
+                  </a:ext>
+                </a:extLst>
+              </p:cNvPr>
+              <p:cNvCxnSpPr>
+                <a:cxnSpLocks/>
+                <a:endCxn id="12" idx="0"/>
+              </p:cNvCxnSpPr>
+              <p:nvPr/>
+            </p:nvCxnSpPr>
+            <p:spPr>
+              <a:xfrm flipH="1">
+                <a:off x="2044491" y="4070404"/>
+                <a:ext cx="507118" cy="267426"/>
+              </a:xfrm>
+              <a:prstGeom prst="line">
+                <a:avLst/>
+              </a:prstGeom>
+            </p:spPr>
+            <p:style>
+              <a:lnRef idx="2">
+                <a:schemeClr val="accent1"/>
+              </a:lnRef>
+              <a:fillRef idx="0">
+                <a:schemeClr val="accent1"/>
+              </a:fillRef>
+              <a:effectRef idx="1">
+                <a:schemeClr val="accent1"/>
+              </a:effectRef>
+              <a:fontRef idx="minor">
+                <a:schemeClr val="tx1"/>
+              </a:fontRef>
+            </p:style>
+          </p:cxnSp>
+          <p:cxnSp>
+            <p:nvCxnSpPr>
+              <p:cNvPr id="71" name="Straight Connector 70">
+                <a:extLst>
+                  <a:ext uri="{FF2B5EF4-FFF2-40B4-BE49-F238E27FC236}">
+                    <a16:creationId xmlns:a16="http://schemas.microsoft.com/office/drawing/2014/main" id="{ADAA460E-9B5F-D611-933A-EEF30027E0C3}"/>
+                  </a:ext>
+                </a:extLst>
+              </p:cNvPr>
+              <p:cNvCxnSpPr>
+                <a:cxnSpLocks/>
+                <a:stCxn id="19" idx="4"/>
+              </p:cNvCxnSpPr>
+              <p:nvPr/>
+            </p:nvCxnSpPr>
+            <p:spPr>
+              <a:xfrm flipH="1">
+                <a:off x="2059512" y="4088368"/>
+                <a:ext cx="746123" cy="246648"/>
+              </a:xfrm>
+              <a:prstGeom prst="line">
+                <a:avLst/>
+              </a:prstGeom>
+            </p:spPr>
+            <p:style>
+              <a:lnRef idx="2">
+                <a:schemeClr val="accent1"/>
+              </a:lnRef>
+              <a:fillRef idx="0">
+                <a:schemeClr val="accent1"/>
+              </a:fillRef>
+              <a:effectRef idx="1">
+                <a:schemeClr val="accent1"/>
+              </a:effectRef>
+              <a:fontRef idx="minor">
+                <a:schemeClr val="tx1"/>
+              </a:fontRef>
+            </p:style>
+          </p:cxnSp>
+          <p:cxnSp>
+            <p:nvCxnSpPr>
+              <p:cNvPr id="74" name="Straight Connector 73">
+                <a:extLst>
+                  <a:ext uri="{FF2B5EF4-FFF2-40B4-BE49-F238E27FC236}">
+                    <a16:creationId xmlns:a16="http://schemas.microsoft.com/office/drawing/2014/main" id="{ECDB145F-5863-3918-EF40-6BC3784CC38B}"/>
+                  </a:ext>
+                </a:extLst>
+              </p:cNvPr>
+              <p:cNvCxnSpPr>
+                <a:cxnSpLocks/>
+                <a:stCxn id="13" idx="1"/>
+                <a:endCxn id="15" idx="4"/>
+              </p:cNvCxnSpPr>
+              <p:nvPr/>
+            </p:nvCxnSpPr>
+            <p:spPr>
+              <a:xfrm flipH="1" flipV="1">
+                <a:off x="1902781" y="4088369"/>
+                <a:ext cx="399528" cy="269752"/>
+              </a:xfrm>
+              <a:prstGeom prst="line">
+                <a:avLst/>
+              </a:prstGeom>
+            </p:spPr>
+            <p:style>
+              <a:lnRef idx="2">
+                <a:schemeClr val="accent1"/>
+              </a:lnRef>
+              <a:fillRef idx="0">
+                <a:schemeClr val="accent1"/>
+              </a:fillRef>
+              <a:effectRef idx="1">
+                <a:schemeClr val="accent1"/>
+              </a:effectRef>
+              <a:fontRef idx="minor">
+                <a:schemeClr val="tx1"/>
+              </a:fontRef>
+            </p:style>
+          </p:cxnSp>
+          <p:cxnSp>
+            <p:nvCxnSpPr>
+              <p:cNvPr id="77" name="Straight Connector 76">
+                <a:extLst>
+                  <a:ext uri="{FF2B5EF4-FFF2-40B4-BE49-F238E27FC236}">
+                    <a16:creationId xmlns:a16="http://schemas.microsoft.com/office/drawing/2014/main" id="{81192477-47BE-D0C3-5427-E1A69995F38B}"/>
+                  </a:ext>
+                </a:extLst>
+              </p:cNvPr>
+              <p:cNvCxnSpPr>
+                <a:cxnSpLocks/>
+                <a:stCxn id="13" idx="1"/>
+                <a:endCxn id="16" idx="4"/>
+              </p:cNvCxnSpPr>
+              <p:nvPr/>
+            </p:nvCxnSpPr>
+            <p:spPr>
+              <a:xfrm flipH="1" flipV="1">
+                <a:off x="2070545" y="4088368"/>
+                <a:ext cx="231764" cy="269753"/>
+              </a:xfrm>
+              <a:prstGeom prst="line">
+                <a:avLst/>
+              </a:prstGeom>
+            </p:spPr>
+            <p:style>
+              <a:lnRef idx="2">
+                <a:schemeClr val="accent1"/>
+              </a:lnRef>
+              <a:fillRef idx="0">
+                <a:schemeClr val="accent1"/>
+              </a:fillRef>
+              <a:effectRef idx="1">
+                <a:schemeClr val="accent1"/>
+              </a:effectRef>
+              <a:fontRef idx="minor">
+                <a:schemeClr val="tx1"/>
+              </a:fontRef>
+            </p:style>
+          </p:cxnSp>
+          <p:cxnSp>
+            <p:nvCxnSpPr>
+              <p:cNvPr id="80" name="Straight Connector 79">
+                <a:extLst>
+                  <a:ext uri="{FF2B5EF4-FFF2-40B4-BE49-F238E27FC236}">
+                    <a16:creationId xmlns:a16="http://schemas.microsoft.com/office/drawing/2014/main" id="{8C91EBA9-94D2-FBC7-3ED1-194DDEBEBB82}"/>
+                  </a:ext>
+                </a:extLst>
+              </p:cNvPr>
+              <p:cNvCxnSpPr>
+                <a:cxnSpLocks/>
+                <a:stCxn id="13" idx="1"/>
+              </p:cNvCxnSpPr>
+              <p:nvPr/>
+            </p:nvCxnSpPr>
+            <p:spPr>
+              <a:xfrm flipV="1">
+                <a:off x="2302309" y="4085554"/>
+                <a:ext cx="286514" cy="272567"/>
+              </a:xfrm>
+              <a:prstGeom prst="line">
+                <a:avLst/>
+              </a:prstGeom>
+            </p:spPr>
+            <p:style>
+              <a:lnRef idx="2">
+                <a:schemeClr val="accent1"/>
+              </a:lnRef>
+              <a:fillRef idx="0">
+                <a:schemeClr val="accent1"/>
+              </a:fillRef>
+              <a:effectRef idx="1">
+                <a:schemeClr val="accent1"/>
+              </a:effectRef>
+              <a:fontRef idx="minor">
+                <a:schemeClr val="tx1"/>
+              </a:fontRef>
+            </p:style>
+          </p:cxnSp>
+          <p:cxnSp>
+            <p:nvCxnSpPr>
+              <p:cNvPr id="83" name="Straight Connector 82">
+                <a:extLst>
+                  <a:ext uri="{FF2B5EF4-FFF2-40B4-BE49-F238E27FC236}">
+                    <a16:creationId xmlns:a16="http://schemas.microsoft.com/office/drawing/2014/main" id="{5873930E-6841-6A47-89D3-8619132088E0}"/>
+                  </a:ext>
+                </a:extLst>
+              </p:cNvPr>
+              <p:cNvCxnSpPr>
+                <a:cxnSpLocks/>
+                <a:stCxn id="13" idx="1"/>
+                <a:endCxn id="19" idx="4"/>
+              </p:cNvCxnSpPr>
+              <p:nvPr/>
+            </p:nvCxnSpPr>
+            <p:spPr>
+              <a:xfrm flipV="1">
+                <a:off x="2302309" y="4088368"/>
+                <a:ext cx="503326" cy="269753"/>
+              </a:xfrm>
+              <a:prstGeom prst="line">
+                <a:avLst/>
+              </a:prstGeom>
+            </p:spPr>
+            <p:style>
+              <a:lnRef idx="2">
+                <a:schemeClr val="accent1"/>
+              </a:lnRef>
+              <a:fillRef idx="0">
+                <a:schemeClr val="accent1"/>
+              </a:fillRef>
+              <a:effectRef idx="1">
+                <a:schemeClr val="accent1"/>
+              </a:effectRef>
+              <a:fontRef idx="minor">
+                <a:schemeClr val="tx1"/>
+              </a:fontRef>
+            </p:style>
+          </p:cxnSp>
+          <p:cxnSp>
+            <p:nvCxnSpPr>
+              <p:cNvPr id="86" name="Straight Connector 85">
+                <a:extLst>
+                  <a:ext uri="{FF2B5EF4-FFF2-40B4-BE49-F238E27FC236}">
+                    <a16:creationId xmlns:a16="http://schemas.microsoft.com/office/drawing/2014/main" id="{8F3A2EE0-D1DE-B45F-C62D-FC3A7CE9DE8E}"/>
+                  </a:ext>
+                </a:extLst>
+              </p:cNvPr>
+              <p:cNvCxnSpPr>
+                <a:cxnSpLocks/>
+                <a:stCxn id="14" idx="0"/>
+                <a:endCxn id="15" idx="4"/>
+              </p:cNvCxnSpPr>
+              <p:nvPr/>
+            </p:nvCxnSpPr>
+            <p:spPr>
+              <a:xfrm flipH="1" flipV="1">
+                <a:off x="1902781" y="4088369"/>
+                <a:ext cx="756654" cy="249461"/>
+              </a:xfrm>
+              <a:prstGeom prst="line">
+                <a:avLst/>
+              </a:prstGeom>
+            </p:spPr>
+            <p:style>
+              <a:lnRef idx="2">
+                <a:schemeClr val="accent1"/>
+              </a:lnRef>
+              <a:fillRef idx="0">
+                <a:schemeClr val="accent1"/>
+              </a:fillRef>
+              <a:effectRef idx="1">
+                <a:schemeClr val="accent1"/>
+              </a:effectRef>
+              <a:fontRef idx="minor">
+                <a:schemeClr val="tx1"/>
+              </a:fontRef>
+            </p:style>
+          </p:cxnSp>
+          <p:cxnSp>
+            <p:nvCxnSpPr>
+              <p:cNvPr id="90" name="Straight Connector 89">
+                <a:extLst>
+                  <a:ext uri="{FF2B5EF4-FFF2-40B4-BE49-F238E27FC236}">
+                    <a16:creationId xmlns:a16="http://schemas.microsoft.com/office/drawing/2014/main" id="{0398E664-4E38-E6E0-ED50-11F683BE38BF}"/>
+                  </a:ext>
+                </a:extLst>
+              </p:cNvPr>
+              <p:cNvCxnSpPr>
+                <a:cxnSpLocks/>
+                <a:stCxn id="14" idx="0"/>
+                <a:endCxn id="16" idx="4"/>
+              </p:cNvCxnSpPr>
+              <p:nvPr/>
+            </p:nvCxnSpPr>
+            <p:spPr>
+              <a:xfrm flipH="1" flipV="1">
+                <a:off x="2070545" y="4088368"/>
+                <a:ext cx="588890" cy="249462"/>
+              </a:xfrm>
+              <a:prstGeom prst="line">
+                <a:avLst/>
+              </a:prstGeom>
+            </p:spPr>
+            <p:style>
+              <a:lnRef idx="2">
+                <a:schemeClr val="accent1"/>
+              </a:lnRef>
+              <a:fillRef idx="0">
+                <a:schemeClr val="accent1"/>
+              </a:fillRef>
+              <a:effectRef idx="1">
+                <a:schemeClr val="accent1"/>
+              </a:effectRef>
+              <a:fontRef idx="minor">
+                <a:schemeClr val="tx1"/>
+              </a:fontRef>
+            </p:style>
+          </p:cxnSp>
+          <p:cxnSp>
+            <p:nvCxnSpPr>
+              <p:cNvPr id="93" name="Straight Connector 92">
+                <a:extLst>
+                  <a:ext uri="{FF2B5EF4-FFF2-40B4-BE49-F238E27FC236}">
+                    <a16:creationId xmlns:a16="http://schemas.microsoft.com/office/drawing/2014/main" id="{8B8B4B5D-C4D2-42E2-A15D-4E966F2E02D9}"/>
+                  </a:ext>
+                </a:extLst>
+              </p:cNvPr>
+              <p:cNvCxnSpPr>
+                <a:cxnSpLocks/>
+                <a:stCxn id="14" idx="0"/>
+                <a:endCxn id="17" idx="4"/>
+              </p:cNvCxnSpPr>
+              <p:nvPr/>
+            </p:nvCxnSpPr>
+            <p:spPr>
+              <a:xfrm flipH="1" flipV="1">
+                <a:off x="2238309" y="4088368"/>
+                <a:ext cx="421126" cy="249462"/>
+              </a:xfrm>
+              <a:prstGeom prst="line">
+                <a:avLst/>
+              </a:prstGeom>
+            </p:spPr>
+            <p:style>
+              <a:lnRef idx="2">
+                <a:schemeClr val="accent1"/>
+              </a:lnRef>
+              <a:fillRef idx="0">
+                <a:schemeClr val="accent1"/>
+              </a:fillRef>
+              <a:effectRef idx="1">
+                <a:schemeClr val="accent1"/>
+              </a:effectRef>
+              <a:fontRef idx="minor">
+                <a:schemeClr val="tx1"/>
+              </a:fontRef>
+            </p:style>
+          </p:cxnSp>
+          <p:cxnSp>
+            <p:nvCxnSpPr>
+              <p:cNvPr id="96" name="Straight Connector 95">
+                <a:extLst>
+                  <a:ext uri="{FF2B5EF4-FFF2-40B4-BE49-F238E27FC236}">
+                    <a16:creationId xmlns:a16="http://schemas.microsoft.com/office/drawing/2014/main" id="{C3620A67-A744-442A-8DBC-F6144EFDEC1B}"/>
+                  </a:ext>
+                </a:extLst>
+              </p:cNvPr>
+              <p:cNvCxnSpPr>
+                <a:cxnSpLocks/>
+                <a:stCxn id="14" idx="0"/>
+              </p:cNvCxnSpPr>
+              <p:nvPr/>
+            </p:nvCxnSpPr>
+            <p:spPr>
+              <a:xfrm flipH="1" flipV="1">
+                <a:off x="2580119" y="4065263"/>
+                <a:ext cx="79316" cy="272567"/>
+              </a:xfrm>
+              <a:prstGeom prst="line">
+                <a:avLst/>
+              </a:prstGeom>
+            </p:spPr>
+            <p:style>
+              <a:lnRef idx="2">
+                <a:schemeClr val="accent1"/>
+              </a:lnRef>
+              <a:fillRef idx="0">
+                <a:schemeClr val="accent1"/>
+              </a:fillRef>
+              <a:effectRef idx="1">
+                <a:schemeClr val="accent1"/>
+              </a:effectRef>
+              <a:fontRef idx="minor">
+                <a:schemeClr val="tx1"/>
+              </a:fontRef>
+            </p:style>
+          </p:cxnSp>
+          <p:cxnSp>
+            <p:nvCxnSpPr>
+              <p:cNvPr id="99" name="Straight Connector 98">
+                <a:extLst>
+                  <a:ext uri="{FF2B5EF4-FFF2-40B4-BE49-F238E27FC236}">
+                    <a16:creationId xmlns:a16="http://schemas.microsoft.com/office/drawing/2014/main" id="{92E08D82-F359-A66E-6B95-27C5F40985D0}"/>
+                  </a:ext>
+                </a:extLst>
+              </p:cNvPr>
+              <p:cNvCxnSpPr>
+                <a:cxnSpLocks/>
+                <a:stCxn id="14" idx="0"/>
+                <a:endCxn id="19" idx="4"/>
+              </p:cNvCxnSpPr>
+              <p:nvPr/>
+            </p:nvCxnSpPr>
+            <p:spPr>
+              <a:xfrm flipV="1">
+                <a:off x="2659435" y="4088368"/>
+                <a:ext cx="146200" cy="249462"/>
+              </a:xfrm>
+              <a:prstGeom prst="line">
+                <a:avLst/>
+              </a:prstGeom>
+            </p:spPr>
+            <p:style>
+              <a:lnRef idx="2">
+                <a:schemeClr val="accent1"/>
+              </a:lnRef>
+              <a:fillRef idx="0">
+                <a:schemeClr val="accent1"/>
+              </a:fillRef>
+              <a:effectRef idx="1">
+                <a:schemeClr val="accent1"/>
+              </a:effectRef>
+              <a:fontRef idx="minor">
+                <a:schemeClr val="tx1"/>
+              </a:fontRef>
+            </p:style>
+          </p:cxnSp>
+          <p:cxnSp>
+            <p:nvCxnSpPr>
+              <p:cNvPr id="102" name="Straight Connector 101">
+                <a:extLst>
+                  <a:ext uri="{FF2B5EF4-FFF2-40B4-BE49-F238E27FC236}">
+                    <a16:creationId xmlns:a16="http://schemas.microsoft.com/office/drawing/2014/main" id="{7C95C74B-D45E-961D-602A-B4BE2A54C944}"/>
+                  </a:ext>
+                </a:extLst>
+              </p:cNvPr>
+              <p:cNvCxnSpPr>
+                <a:cxnSpLocks/>
+                <a:stCxn id="15" idx="0"/>
+                <a:endCxn id="21" idx="4"/>
+              </p:cNvCxnSpPr>
+              <p:nvPr/>
+            </p:nvCxnSpPr>
+            <p:spPr>
+              <a:xfrm flipV="1">
+                <a:off x="1902781" y="3801980"/>
+                <a:ext cx="0" cy="147833"/>
+              </a:xfrm>
+              <a:prstGeom prst="line">
+                <a:avLst/>
+              </a:prstGeom>
+            </p:spPr>
+            <p:style>
+              <a:lnRef idx="2">
+                <a:schemeClr val="accent1"/>
+              </a:lnRef>
+              <a:fillRef idx="0">
+                <a:schemeClr val="accent1"/>
+              </a:fillRef>
+              <a:effectRef idx="1">
+                <a:schemeClr val="accent1"/>
+              </a:effectRef>
+              <a:fontRef idx="minor">
+                <a:schemeClr val="tx1"/>
+              </a:fontRef>
+            </p:style>
+          </p:cxnSp>
+          <p:cxnSp>
+            <p:nvCxnSpPr>
+              <p:cNvPr id="104" name="Straight Connector 103">
+                <a:extLst>
+                  <a:ext uri="{FF2B5EF4-FFF2-40B4-BE49-F238E27FC236}">
+                    <a16:creationId xmlns:a16="http://schemas.microsoft.com/office/drawing/2014/main" id="{950F3811-D6B5-5CA1-CB30-1A11DAE3BD0E}"/>
+                  </a:ext>
+                </a:extLst>
+              </p:cNvPr>
+              <p:cNvCxnSpPr>
+                <a:cxnSpLocks/>
+                <a:stCxn id="15" idx="0"/>
+                <a:endCxn id="22" idx="4"/>
+              </p:cNvCxnSpPr>
+              <p:nvPr/>
+            </p:nvCxnSpPr>
+            <p:spPr>
+              <a:xfrm flipV="1">
+                <a:off x="1902781" y="3801979"/>
+                <a:ext cx="167764" cy="147834"/>
+              </a:xfrm>
+              <a:prstGeom prst="line">
+                <a:avLst/>
+              </a:prstGeom>
+            </p:spPr>
+            <p:style>
+              <a:lnRef idx="2">
+                <a:schemeClr val="accent1"/>
+              </a:lnRef>
+              <a:fillRef idx="0">
+                <a:schemeClr val="accent1"/>
+              </a:fillRef>
+              <a:effectRef idx="1">
+                <a:schemeClr val="accent1"/>
+              </a:effectRef>
+              <a:fontRef idx="minor">
+                <a:schemeClr val="tx1"/>
+              </a:fontRef>
+            </p:style>
+          </p:cxnSp>
+          <p:cxnSp>
+            <p:nvCxnSpPr>
+              <p:cNvPr id="107" name="Straight Connector 106">
+                <a:extLst>
+                  <a:ext uri="{FF2B5EF4-FFF2-40B4-BE49-F238E27FC236}">
+                    <a16:creationId xmlns:a16="http://schemas.microsoft.com/office/drawing/2014/main" id="{820F41E0-700F-7AD3-1679-B08BBCCA2D0E}"/>
+                  </a:ext>
+                </a:extLst>
+              </p:cNvPr>
+              <p:cNvCxnSpPr>
+                <a:cxnSpLocks/>
+                <a:stCxn id="15" idx="0"/>
+              </p:cNvCxnSpPr>
+              <p:nvPr/>
+            </p:nvCxnSpPr>
+            <p:spPr>
+              <a:xfrm flipV="1">
+                <a:off x="1902781" y="3815599"/>
+                <a:ext cx="335093" cy="134214"/>
+              </a:xfrm>
+              <a:prstGeom prst="line">
+                <a:avLst/>
+              </a:prstGeom>
+            </p:spPr>
+            <p:style>
+              <a:lnRef idx="2">
+                <a:schemeClr val="accent1"/>
+              </a:lnRef>
+              <a:fillRef idx="0">
+                <a:schemeClr val="accent1"/>
+              </a:fillRef>
+              <a:effectRef idx="1">
+                <a:schemeClr val="accent1"/>
+              </a:effectRef>
+              <a:fontRef idx="minor">
+                <a:schemeClr val="tx1"/>
+              </a:fontRef>
+            </p:style>
+          </p:cxnSp>
+          <p:cxnSp>
+            <p:nvCxnSpPr>
+              <p:cNvPr id="110" name="Straight Connector 109">
+                <a:extLst>
+                  <a:ext uri="{FF2B5EF4-FFF2-40B4-BE49-F238E27FC236}">
+                    <a16:creationId xmlns:a16="http://schemas.microsoft.com/office/drawing/2014/main" id="{30637C13-C465-E4F3-6D95-49E7278BAA4F}"/>
+                  </a:ext>
+                </a:extLst>
+              </p:cNvPr>
+              <p:cNvCxnSpPr>
+                <a:cxnSpLocks/>
+                <a:stCxn id="15" idx="0"/>
+              </p:cNvCxnSpPr>
+              <p:nvPr/>
+            </p:nvCxnSpPr>
+            <p:spPr>
+              <a:xfrm flipV="1">
+                <a:off x="1902781" y="3814834"/>
+                <a:ext cx="682453" cy="134979"/>
+              </a:xfrm>
+              <a:prstGeom prst="line">
+                <a:avLst/>
+              </a:prstGeom>
+            </p:spPr>
+            <p:style>
+              <a:lnRef idx="2">
+                <a:schemeClr val="accent1"/>
+              </a:lnRef>
+              <a:fillRef idx="0">
+                <a:schemeClr val="accent1"/>
+              </a:fillRef>
+              <a:effectRef idx="1">
+                <a:schemeClr val="accent1"/>
+              </a:effectRef>
+              <a:fontRef idx="minor">
+                <a:schemeClr val="tx1"/>
+              </a:fontRef>
+            </p:style>
+          </p:cxnSp>
+          <p:cxnSp>
+            <p:nvCxnSpPr>
+              <p:cNvPr id="113" name="Straight Connector 112">
+                <a:extLst>
+                  <a:ext uri="{FF2B5EF4-FFF2-40B4-BE49-F238E27FC236}">
+                    <a16:creationId xmlns:a16="http://schemas.microsoft.com/office/drawing/2014/main" id="{10945DB1-D534-B46B-23DA-9EC4D4588DCE}"/>
+                  </a:ext>
+                </a:extLst>
+              </p:cNvPr>
+              <p:cNvCxnSpPr>
+                <a:cxnSpLocks/>
+                <a:endCxn id="25" idx="4"/>
+              </p:cNvCxnSpPr>
+              <p:nvPr/>
+            </p:nvCxnSpPr>
+            <p:spPr>
+              <a:xfrm flipV="1">
+                <a:off x="1875518" y="3801979"/>
+                <a:ext cx="930117" cy="167307"/>
+              </a:xfrm>
+              <a:prstGeom prst="line">
+                <a:avLst/>
+              </a:prstGeom>
+            </p:spPr>
+            <p:style>
+              <a:lnRef idx="2">
+                <a:schemeClr val="accent1"/>
+              </a:lnRef>
+              <a:fillRef idx="0">
+                <a:schemeClr val="accent1"/>
+              </a:fillRef>
+              <a:effectRef idx="1">
+                <a:schemeClr val="accent1"/>
+              </a:effectRef>
+              <a:fontRef idx="minor">
+                <a:schemeClr val="tx1"/>
+              </a:fontRef>
+            </p:style>
+          </p:cxnSp>
+          <p:cxnSp>
+            <p:nvCxnSpPr>
+              <p:cNvPr id="115" name="Straight Connector 114">
+                <a:extLst>
+                  <a:ext uri="{FF2B5EF4-FFF2-40B4-BE49-F238E27FC236}">
+                    <a16:creationId xmlns:a16="http://schemas.microsoft.com/office/drawing/2014/main" id="{5E74EA15-DE0B-CBAC-CA01-1EE5537E7D75}"/>
+                  </a:ext>
+                </a:extLst>
+              </p:cNvPr>
+              <p:cNvCxnSpPr>
+                <a:cxnSpLocks/>
+                <a:stCxn id="19" idx="0"/>
+                <a:endCxn id="25" idx="4"/>
+              </p:cNvCxnSpPr>
+              <p:nvPr/>
+            </p:nvCxnSpPr>
+            <p:spPr>
+              <a:xfrm flipV="1">
+                <a:off x="2805635" y="3801979"/>
+                <a:ext cx="0" cy="147833"/>
+              </a:xfrm>
+              <a:prstGeom prst="line">
+                <a:avLst/>
+              </a:prstGeom>
+            </p:spPr>
+            <p:style>
+              <a:lnRef idx="2">
+                <a:schemeClr val="accent1"/>
+              </a:lnRef>
+              <a:fillRef idx="0">
+                <a:schemeClr val="accent1"/>
+              </a:fillRef>
+              <a:effectRef idx="1">
+                <a:schemeClr val="accent1"/>
+              </a:effectRef>
+              <a:fontRef idx="minor">
+                <a:schemeClr val="tx1"/>
+              </a:fontRef>
+            </p:style>
+          </p:cxnSp>
+          <p:cxnSp>
+            <p:nvCxnSpPr>
+              <p:cNvPr id="118" name="Straight Connector 117">
+                <a:extLst>
+                  <a:ext uri="{FF2B5EF4-FFF2-40B4-BE49-F238E27FC236}">
+                    <a16:creationId xmlns:a16="http://schemas.microsoft.com/office/drawing/2014/main" id="{DAC6FB7B-E9D5-15CE-1631-DEBD92D065EB}"/>
+                  </a:ext>
+                </a:extLst>
+              </p:cNvPr>
+              <p:cNvCxnSpPr>
+                <a:cxnSpLocks/>
+                <a:stCxn id="19" idx="0"/>
+                <a:endCxn id="24" idx="4"/>
+              </p:cNvCxnSpPr>
+              <p:nvPr/>
+            </p:nvCxnSpPr>
+            <p:spPr>
+              <a:xfrm flipH="1" flipV="1">
+                <a:off x="2585234" y="3801979"/>
+                <a:ext cx="220401" cy="147833"/>
+              </a:xfrm>
+              <a:prstGeom prst="line">
+                <a:avLst/>
+              </a:prstGeom>
+            </p:spPr>
+            <p:style>
+              <a:lnRef idx="2">
+                <a:schemeClr val="accent1"/>
+              </a:lnRef>
+              <a:fillRef idx="0">
+                <a:schemeClr val="accent1"/>
+              </a:fillRef>
+              <a:effectRef idx="1">
+                <a:schemeClr val="accent1"/>
+              </a:effectRef>
+              <a:fontRef idx="minor">
+                <a:schemeClr val="tx1"/>
+              </a:fontRef>
+            </p:style>
+          </p:cxnSp>
+          <p:cxnSp>
+            <p:nvCxnSpPr>
+              <p:cNvPr id="121" name="Straight Connector 120">
+                <a:extLst>
+                  <a:ext uri="{FF2B5EF4-FFF2-40B4-BE49-F238E27FC236}">
+                    <a16:creationId xmlns:a16="http://schemas.microsoft.com/office/drawing/2014/main" id="{B2ED6689-0C3E-A79D-A200-C4AE45237007}"/>
+                  </a:ext>
+                </a:extLst>
+              </p:cNvPr>
+              <p:cNvCxnSpPr>
+                <a:cxnSpLocks/>
+                <a:stCxn id="19" idx="0"/>
+              </p:cNvCxnSpPr>
+              <p:nvPr/>
+            </p:nvCxnSpPr>
+            <p:spPr>
+              <a:xfrm flipH="1" flipV="1">
+                <a:off x="2248907" y="3825084"/>
+                <a:ext cx="556728" cy="124728"/>
+              </a:xfrm>
+              <a:prstGeom prst="line">
+                <a:avLst/>
+              </a:prstGeom>
+            </p:spPr>
+            <p:style>
+              <a:lnRef idx="2">
+                <a:schemeClr val="accent1"/>
+              </a:lnRef>
+              <a:fillRef idx="0">
+                <a:schemeClr val="accent1"/>
+              </a:fillRef>
+              <a:effectRef idx="1">
+                <a:schemeClr val="accent1"/>
+              </a:effectRef>
+              <a:fontRef idx="minor">
+                <a:schemeClr val="tx1"/>
+              </a:fontRef>
+            </p:style>
+          </p:cxnSp>
+          <p:cxnSp>
+            <p:nvCxnSpPr>
+              <p:cNvPr id="124" name="Straight Connector 123">
+                <a:extLst>
+                  <a:ext uri="{FF2B5EF4-FFF2-40B4-BE49-F238E27FC236}">
+                    <a16:creationId xmlns:a16="http://schemas.microsoft.com/office/drawing/2014/main" id="{4FC2E57F-C2DF-2B63-D072-52F60AAAA54C}"/>
+                  </a:ext>
+                </a:extLst>
+              </p:cNvPr>
+              <p:cNvCxnSpPr>
+                <a:cxnSpLocks/>
+                <a:stCxn id="19" idx="0"/>
+                <a:endCxn id="22" idx="4"/>
+              </p:cNvCxnSpPr>
+              <p:nvPr/>
+            </p:nvCxnSpPr>
+            <p:spPr>
+              <a:xfrm flipH="1" flipV="1">
+                <a:off x="2070545" y="3801979"/>
+                <a:ext cx="735090" cy="147833"/>
+              </a:xfrm>
+              <a:prstGeom prst="line">
+                <a:avLst/>
+              </a:prstGeom>
+            </p:spPr>
+            <p:style>
+              <a:lnRef idx="2">
+                <a:schemeClr val="accent1"/>
+              </a:lnRef>
+              <a:fillRef idx="0">
+                <a:schemeClr val="accent1"/>
+              </a:fillRef>
+              <a:effectRef idx="1">
+                <a:schemeClr val="accent1"/>
+              </a:effectRef>
+              <a:fontRef idx="minor">
+                <a:schemeClr val="tx1"/>
+              </a:fontRef>
+            </p:style>
+          </p:cxnSp>
+          <p:cxnSp>
+            <p:nvCxnSpPr>
+              <p:cNvPr id="128" name="Straight Connector 127">
+                <a:extLst>
+                  <a:ext uri="{FF2B5EF4-FFF2-40B4-BE49-F238E27FC236}">
+                    <a16:creationId xmlns:a16="http://schemas.microsoft.com/office/drawing/2014/main" id="{0B5ABE46-BA9C-7E91-566D-3EE2E7D5CD1A}"/>
+                  </a:ext>
+                </a:extLst>
+              </p:cNvPr>
+              <p:cNvCxnSpPr>
+                <a:cxnSpLocks/>
+                <a:endCxn id="25" idx="3"/>
+              </p:cNvCxnSpPr>
+              <p:nvPr/>
+            </p:nvCxnSpPr>
+            <p:spPr>
+              <a:xfrm flipV="1">
+                <a:off x="2551011" y="3781688"/>
+                <a:ext cx="205637" cy="185212"/>
+              </a:xfrm>
+              <a:prstGeom prst="line">
+                <a:avLst/>
+              </a:prstGeom>
+            </p:spPr>
+            <p:style>
+              <a:lnRef idx="2">
+                <a:schemeClr val="accent1"/>
+              </a:lnRef>
+              <a:fillRef idx="0">
+                <a:schemeClr val="accent1"/>
+              </a:fillRef>
+              <a:effectRef idx="1">
+                <a:schemeClr val="accent1"/>
+              </a:effectRef>
+              <a:fontRef idx="minor">
+                <a:schemeClr val="tx1"/>
+              </a:fontRef>
+            </p:style>
+          </p:cxnSp>
+          <p:cxnSp>
+            <p:nvCxnSpPr>
+              <p:cNvPr id="131" name="Straight Connector 130">
+                <a:extLst>
+                  <a:ext uri="{FF2B5EF4-FFF2-40B4-BE49-F238E27FC236}">
+                    <a16:creationId xmlns:a16="http://schemas.microsoft.com/office/drawing/2014/main" id="{5394D895-A652-69CB-4E13-0F998002C36F}"/>
+                  </a:ext>
+                </a:extLst>
+              </p:cNvPr>
+              <p:cNvCxnSpPr>
+                <a:cxnSpLocks/>
+              </p:cNvCxnSpPr>
+              <p:nvPr/>
+            </p:nvCxnSpPr>
+            <p:spPr>
+              <a:xfrm flipV="1">
+                <a:off x="2565812" y="3799165"/>
+                <a:ext cx="33153" cy="130992"/>
+              </a:xfrm>
+              <a:prstGeom prst="line">
+                <a:avLst/>
+              </a:prstGeom>
+            </p:spPr>
+            <p:style>
+              <a:lnRef idx="2">
+                <a:schemeClr val="accent1"/>
+              </a:lnRef>
+              <a:fillRef idx="0">
+                <a:schemeClr val="accent1"/>
+              </a:fillRef>
+              <a:effectRef idx="1">
+                <a:schemeClr val="accent1"/>
+              </a:effectRef>
+              <a:fontRef idx="minor">
+                <a:schemeClr val="tx1"/>
+              </a:fontRef>
+            </p:style>
+          </p:cxnSp>
+          <p:cxnSp>
+            <p:nvCxnSpPr>
+              <p:cNvPr id="134" name="Straight Connector 133">
+                <a:extLst>
+                  <a:ext uri="{FF2B5EF4-FFF2-40B4-BE49-F238E27FC236}">
+                    <a16:creationId xmlns:a16="http://schemas.microsoft.com/office/drawing/2014/main" id="{09994565-B95F-80C3-DF49-7237CB36BB71}"/>
+                  </a:ext>
+                </a:extLst>
+              </p:cNvPr>
+              <p:cNvCxnSpPr>
+                <a:cxnSpLocks/>
+                <a:stCxn id="20" idx="3"/>
+              </p:cNvCxnSpPr>
+              <p:nvPr/>
+            </p:nvCxnSpPr>
+            <p:spPr>
+              <a:xfrm flipH="1" flipV="1">
+                <a:off x="2282018" y="3794617"/>
+                <a:ext cx="387913" cy="173788"/>
+              </a:xfrm>
+              <a:prstGeom prst="line">
+                <a:avLst/>
+              </a:prstGeom>
+            </p:spPr>
+            <p:style>
+              <a:lnRef idx="2">
+                <a:schemeClr val="accent1"/>
+              </a:lnRef>
+              <a:fillRef idx="0">
+                <a:schemeClr val="accent1"/>
+              </a:fillRef>
+              <a:effectRef idx="1">
+                <a:schemeClr val="accent1"/>
+              </a:effectRef>
+              <a:fontRef idx="minor">
+                <a:schemeClr val="tx1"/>
+              </a:fontRef>
+            </p:style>
+          </p:cxnSp>
+          <p:cxnSp>
+            <p:nvCxnSpPr>
+              <p:cNvPr id="137" name="Straight Connector 136">
+                <a:extLst>
+                  <a:ext uri="{FF2B5EF4-FFF2-40B4-BE49-F238E27FC236}">
+                    <a16:creationId xmlns:a16="http://schemas.microsoft.com/office/drawing/2014/main" id="{252C8164-8E00-B4D7-91A9-367227045A1B}"/>
+                  </a:ext>
+                </a:extLst>
+              </p:cNvPr>
+              <p:cNvCxnSpPr>
+                <a:cxnSpLocks/>
+                <a:stCxn id="21" idx="4"/>
+              </p:cNvCxnSpPr>
+              <p:nvPr/>
+            </p:nvCxnSpPr>
+            <p:spPr>
+              <a:xfrm>
+                <a:off x="1902781" y="3801980"/>
+                <a:ext cx="182176" cy="138398"/>
+              </a:xfrm>
+              <a:prstGeom prst="line">
+                <a:avLst/>
+              </a:prstGeom>
+            </p:spPr>
+            <p:style>
+              <a:lnRef idx="2">
+                <a:schemeClr val="accent1"/>
+              </a:lnRef>
+              <a:fillRef idx="0">
+                <a:schemeClr val="accent1"/>
+              </a:fillRef>
+              <a:effectRef idx="1">
+                <a:schemeClr val="accent1"/>
+              </a:effectRef>
+              <a:fontRef idx="minor">
+                <a:schemeClr val="tx1"/>
+              </a:fontRef>
+            </p:style>
+          </p:cxnSp>
+          <p:cxnSp>
+            <p:nvCxnSpPr>
+              <p:cNvPr id="139" name="Straight Connector 138">
+                <a:extLst>
+                  <a:ext uri="{FF2B5EF4-FFF2-40B4-BE49-F238E27FC236}">
+                    <a16:creationId xmlns:a16="http://schemas.microsoft.com/office/drawing/2014/main" id="{C0EFBDA1-B994-A603-C4D2-9BB636FDCA48}"/>
+                  </a:ext>
+                </a:extLst>
+              </p:cNvPr>
+              <p:cNvCxnSpPr>
+                <a:cxnSpLocks/>
+                <a:endCxn id="22" idx="4"/>
+              </p:cNvCxnSpPr>
+              <p:nvPr/>
+            </p:nvCxnSpPr>
+            <p:spPr>
+              <a:xfrm flipV="1">
+                <a:off x="2055181" y="3801979"/>
+                <a:ext cx="15364" cy="152401"/>
+              </a:xfrm>
+              <a:prstGeom prst="line">
+                <a:avLst/>
+              </a:prstGeom>
+            </p:spPr>
+            <p:style>
+              <a:lnRef idx="2">
+                <a:schemeClr val="accent1"/>
+              </a:lnRef>
+              <a:fillRef idx="0">
+                <a:schemeClr val="accent1"/>
+              </a:fillRef>
+              <a:effectRef idx="1">
+                <a:schemeClr val="accent1"/>
+              </a:effectRef>
+              <a:fontRef idx="minor">
+                <a:schemeClr val="tx1"/>
+              </a:fontRef>
+            </p:style>
+          </p:cxnSp>
+          <p:cxnSp>
+            <p:nvCxnSpPr>
+              <p:cNvPr id="141" name="Straight Connector 140">
+                <a:extLst>
+                  <a:ext uri="{FF2B5EF4-FFF2-40B4-BE49-F238E27FC236}">
+                    <a16:creationId xmlns:a16="http://schemas.microsoft.com/office/drawing/2014/main" id="{2AF3B249-F24C-AAD2-48DF-529FD5FFDFD7}"/>
+                  </a:ext>
+                </a:extLst>
+              </p:cNvPr>
+              <p:cNvCxnSpPr>
+                <a:cxnSpLocks/>
+                <a:stCxn id="16" idx="0"/>
+              </p:cNvCxnSpPr>
+              <p:nvPr/>
+            </p:nvCxnSpPr>
+            <p:spPr>
+              <a:xfrm flipV="1">
+                <a:off x="2070545" y="3820219"/>
+                <a:ext cx="175677" cy="129593"/>
+              </a:xfrm>
+              <a:prstGeom prst="line">
+                <a:avLst/>
+              </a:prstGeom>
+            </p:spPr>
+            <p:style>
+              <a:lnRef idx="2">
+                <a:schemeClr val="accent1"/>
+              </a:lnRef>
+              <a:fillRef idx="0">
+                <a:schemeClr val="accent1"/>
+              </a:fillRef>
+              <a:effectRef idx="1">
+                <a:schemeClr val="accent1"/>
+              </a:effectRef>
+              <a:fontRef idx="minor">
+                <a:schemeClr val="tx1"/>
+              </a:fontRef>
+            </p:style>
+          </p:cxnSp>
+          <p:cxnSp>
+            <p:nvCxnSpPr>
+              <p:cNvPr id="144" name="Straight Connector 143">
+                <a:extLst>
+                  <a:ext uri="{FF2B5EF4-FFF2-40B4-BE49-F238E27FC236}">
+                    <a16:creationId xmlns:a16="http://schemas.microsoft.com/office/drawing/2014/main" id="{79366A72-16C8-314C-F81D-CF90BF050EFF}"/>
+                  </a:ext>
+                </a:extLst>
+              </p:cNvPr>
+              <p:cNvCxnSpPr>
+                <a:cxnSpLocks/>
+                <a:stCxn id="20" idx="1"/>
+              </p:cNvCxnSpPr>
+              <p:nvPr/>
+            </p:nvCxnSpPr>
+            <p:spPr>
+              <a:xfrm flipV="1">
+                <a:off x="2230205" y="3814833"/>
+                <a:ext cx="371108" cy="153572"/>
+              </a:xfrm>
+              <a:prstGeom prst="line">
+                <a:avLst/>
+              </a:prstGeom>
+            </p:spPr>
+            <p:style>
+              <a:lnRef idx="2">
+                <a:schemeClr val="accent1"/>
+              </a:lnRef>
+              <a:fillRef idx="0">
+                <a:schemeClr val="accent1"/>
+              </a:fillRef>
+              <a:effectRef idx="1">
+                <a:schemeClr val="accent1"/>
+              </a:effectRef>
+              <a:fontRef idx="minor">
+                <a:schemeClr val="tx1"/>
+              </a:fontRef>
+            </p:style>
+          </p:cxnSp>
+          <p:cxnSp>
+            <p:nvCxnSpPr>
+              <p:cNvPr id="147" name="Straight Connector 146">
+                <a:extLst>
+                  <a:ext uri="{FF2B5EF4-FFF2-40B4-BE49-F238E27FC236}">
+                    <a16:creationId xmlns:a16="http://schemas.microsoft.com/office/drawing/2014/main" id="{4572AC63-74BC-81EC-F86B-DE18989FC7F7}"/>
+                  </a:ext>
+                </a:extLst>
+              </p:cNvPr>
+              <p:cNvCxnSpPr>
+                <a:cxnSpLocks/>
+              </p:cNvCxnSpPr>
+              <p:nvPr/>
+            </p:nvCxnSpPr>
+            <p:spPr>
+              <a:xfrm flipV="1">
+                <a:off x="2215483" y="3823756"/>
+                <a:ext cx="41813" cy="165556"/>
+              </a:xfrm>
+              <a:prstGeom prst="line">
+                <a:avLst/>
+              </a:prstGeom>
+            </p:spPr>
+            <p:style>
+              <a:lnRef idx="2">
+                <a:schemeClr val="accent1"/>
+              </a:lnRef>
+              <a:fillRef idx="0">
+                <a:schemeClr val="accent1"/>
+              </a:fillRef>
+              <a:effectRef idx="1">
+                <a:schemeClr val="accent1"/>
+              </a:effectRef>
+              <a:fontRef idx="minor">
+                <a:schemeClr val="tx1"/>
+              </a:fontRef>
+            </p:style>
+          </p:cxnSp>
+          <p:cxnSp>
+            <p:nvCxnSpPr>
+              <p:cNvPr id="150" name="Straight Connector 149">
+                <a:extLst>
+                  <a:ext uri="{FF2B5EF4-FFF2-40B4-BE49-F238E27FC236}">
+                    <a16:creationId xmlns:a16="http://schemas.microsoft.com/office/drawing/2014/main" id="{4C286AEA-21B8-FB66-ACC5-378891AD77E1}"/>
+                  </a:ext>
+                </a:extLst>
+              </p:cNvPr>
+              <p:cNvCxnSpPr>
+                <a:cxnSpLocks/>
+                <a:stCxn id="21" idx="0"/>
+                <a:endCxn id="47" idx="4"/>
+              </p:cNvCxnSpPr>
+              <p:nvPr/>
+            </p:nvCxnSpPr>
+            <p:spPr>
+              <a:xfrm flipV="1">
+                <a:off x="1902781" y="3394041"/>
+                <a:ext cx="0" cy="269383"/>
+              </a:xfrm>
+              <a:prstGeom prst="line">
+                <a:avLst/>
+              </a:prstGeom>
+            </p:spPr>
+            <p:style>
+              <a:lnRef idx="2">
+                <a:schemeClr val="accent1"/>
+              </a:lnRef>
+              <a:fillRef idx="0">
+                <a:schemeClr val="accent1"/>
+              </a:fillRef>
+              <a:effectRef idx="1">
+                <a:schemeClr val="accent1"/>
+              </a:effectRef>
+              <a:fontRef idx="minor">
+                <a:schemeClr val="tx1"/>
+              </a:fontRef>
+            </p:style>
+          </p:cxnSp>
+          <p:cxnSp>
+            <p:nvCxnSpPr>
+              <p:cNvPr id="152" name="Straight Connector 151">
+                <a:extLst>
+                  <a:ext uri="{FF2B5EF4-FFF2-40B4-BE49-F238E27FC236}">
+                    <a16:creationId xmlns:a16="http://schemas.microsoft.com/office/drawing/2014/main" id="{94F8C98E-7D2F-FB39-D9C5-80DCBD950072}"/>
+                  </a:ext>
+                </a:extLst>
+              </p:cNvPr>
+              <p:cNvCxnSpPr>
+                <a:cxnSpLocks/>
+                <a:stCxn id="21" idx="0"/>
+                <a:endCxn id="48" idx="4"/>
+              </p:cNvCxnSpPr>
+              <p:nvPr/>
+            </p:nvCxnSpPr>
+            <p:spPr>
+              <a:xfrm flipV="1">
+                <a:off x="1902781" y="3394040"/>
+                <a:ext cx="167764" cy="269384"/>
+              </a:xfrm>
+              <a:prstGeom prst="line">
+                <a:avLst/>
+              </a:prstGeom>
+            </p:spPr>
+            <p:style>
+              <a:lnRef idx="2">
+                <a:schemeClr val="accent1"/>
+              </a:lnRef>
+              <a:fillRef idx="0">
+                <a:schemeClr val="accent1"/>
+              </a:fillRef>
+              <a:effectRef idx="1">
+                <a:schemeClr val="accent1"/>
+              </a:effectRef>
+              <a:fontRef idx="minor">
+                <a:schemeClr val="tx1"/>
+              </a:fontRef>
+            </p:style>
+          </p:cxnSp>
+          <p:cxnSp>
+            <p:nvCxnSpPr>
+              <p:cNvPr id="155" name="Straight Connector 154">
+                <a:extLst>
+                  <a:ext uri="{FF2B5EF4-FFF2-40B4-BE49-F238E27FC236}">
+                    <a16:creationId xmlns:a16="http://schemas.microsoft.com/office/drawing/2014/main" id="{EEE840EC-A5A6-8F20-5253-9F508E965CEE}"/>
+                  </a:ext>
+                </a:extLst>
+              </p:cNvPr>
+              <p:cNvCxnSpPr>
+                <a:cxnSpLocks/>
+                <a:stCxn id="21" idx="0"/>
+                <a:endCxn id="49" idx="4"/>
+              </p:cNvCxnSpPr>
+              <p:nvPr/>
+            </p:nvCxnSpPr>
+            <p:spPr>
+              <a:xfrm flipV="1">
+                <a:off x="1902781" y="3394040"/>
+                <a:ext cx="335528" cy="269384"/>
+              </a:xfrm>
+              <a:prstGeom prst="line">
+                <a:avLst/>
+              </a:prstGeom>
+            </p:spPr>
+            <p:style>
+              <a:lnRef idx="2">
+                <a:schemeClr val="accent1"/>
+              </a:lnRef>
+              <a:fillRef idx="0">
+                <a:schemeClr val="accent1"/>
+              </a:fillRef>
+              <a:effectRef idx="1">
+                <a:schemeClr val="accent1"/>
+              </a:effectRef>
+              <a:fontRef idx="minor">
+                <a:schemeClr val="tx1"/>
+              </a:fontRef>
+            </p:style>
+          </p:cxnSp>
+          <p:cxnSp>
+            <p:nvCxnSpPr>
+              <p:cNvPr id="158" name="Straight Connector 157">
+                <a:extLst>
+                  <a:ext uri="{FF2B5EF4-FFF2-40B4-BE49-F238E27FC236}">
+                    <a16:creationId xmlns:a16="http://schemas.microsoft.com/office/drawing/2014/main" id="{AFA25423-3EE0-B0E0-BF03-5AF0C159557D}"/>
+                  </a:ext>
+                </a:extLst>
+              </p:cNvPr>
+              <p:cNvCxnSpPr>
+                <a:cxnSpLocks/>
+                <a:stCxn id="21" idx="1"/>
+                <a:endCxn id="50" idx="4"/>
+              </p:cNvCxnSpPr>
+              <p:nvPr/>
+            </p:nvCxnSpPr>
+            <p:spPr>
+              <a:xfrm flipV="1">
+                <a:off x="1853794" y="3394040"/>
+                <a:ext cx="731440" cy="289675"/>
+              </a:xfrm>
+              <a:prstGeom prst="line">
+                <a:avLst/>
+              </a:prstGeom>
+            </p:spPr>
+            <p:style>
+              <a:lnRef idx="2">
+                <a:schemeClr val="accent1"/>
+              </a:lnRef>
+              <a:fillRef idx="0">
+                <a:schemeClr val="accent1"/>
+              </a:fillRef>
+              <a:effectRef idx="1">
+                <a:schemeClr val="accent1"/>
+              </a:effectRef>
+              <a:fontRef idx="minor">
+                <a:schemeClr val="tx1"/>
+              </a:fontRef>
+            </p:style>
+          </p:cxnSp>
+          <p:cxnSp>
+            <p:nvCxnSpPr>
+              <p:cNvPr id="161" name="Straight Connector 160">
+                <a:extLst>
+                  <a:ext uri="{FF2B5EF4-FFF2-40B4-BE49-F238E27FC236}">
+                    <a16:creationId xmlns:a16="http://schemas.microsoft.com/office/drawing/2014/main" id="{248F6572-C83F-4562-42ED-5D2F42D4AB37}"/>
+                  </a:ext>
+                </a:extLst>
+              </p:cNvPr>
+              <p:cNvCxnSpPr>
+                <a:cxnSpLocks/>
+                <a:endCxn id="51" idx="4"/>
+              </p:cNvCxnSpPr>
+              <p:nvPr/>
+            </p:nvCxnSpPr>
+            <p:spPr>
+              <a:xfrm flipV="1">
+                <a:off x="1903781" y="3394040"/>
+                <a:ext cx="901854" cy="261808"/>
+              </a:xfrm>
+              <a:prstGeom prst="line">
+                <a:avLst/>
+              </a:prstGeom>
+            </p:spPr>
+            <p:style>
+              <a:lnRef idx="2">
+                <a:schemeClr val="accent1"/>
+              </a:lnRef>
+              <a:fillRef idx="0">
+                <a:schemeClr val="accent1"/>
+              </a:fillRef>
+              <a:effectRef idx="1">
+                <a:schemeClr val="accent1"/>
+              </a:effectRef>
+              <a:fontRef idx="minor">
+                <a:schemeClr val="tx1"/>
+              </a:fontRef>
+            </p:style>
+          </p:cxnSp>
+          <p:cxnSp>
+            <p:nvCxnSpPr>
+              <p:cNvPr id="163" name="Straight Connector 162">
+                <a:extLst>
+                  <a:ext uri="{FF2B5EF4-FFF2-40B4-BE49-F238E27FC236}">
+                    <a16:creationId xmlns:a16="http://schemas.microsoft.com/office/drawing/2014/main" id="{88274480-97ED-8419-B42A-DDC99C729377}"/>
+                  </a:ext>
+                </a:extLst>
+              </p:cNvPr>
+              <p:cNvCxnSpPr>
+                <a:cxnSpLocks/>
+                <a:stCxn id="22" idx="0"/>
+                <a:endCxn id="47" idx="4"/>
+              </p:cNvCxnSpPr>
+              <p:nvPr/>
+            </p:nvCxnSpPr>
+            <p:spPr>
+              <a:xfrm flipH="1" flipV="1">
+                <a:off x="1902781" y="3394041"/>
+                <a:ext cx="167764" cy="269382"/>
+              </a:xfrm>
+              <a:prstGeom prst="line">
+                <a:avLst/>
+              </a:prstGeom>
+            </p:spPr>
+            <p:style>
+              <a:lnRef idx="2">
+                <a:schemeClr val="accent1"/>
+              </a:lnRef>
+              <a:fillRef idx="0">
+                <a:schemeClr val="accent1"/>
+              </a:fillRef>
+              <a:effectRef idx="1">
+                <a:schemeClr val="accent1"/>
+              </a:effectRef>
+              <a:fontRef idx="minor">
+                <a:schemeClr val="tx1"/>
+              </a:fontRef>
+            </p:style>
+          </p:cxnSp>
+          <p:cxnSp>
+            <p:nvCxnSpPr>
+              <p:cNvPr id="166" name="Straight Connector 165">
+                <a:extLst>
+                  <a:ext uri="{FF2B5EF4-FFF2-40B4-BE49-F238E27FC236}">
+                    <a16:creationId xmlns:a16="http://schemas.microsoft.com/office/drawing/2014/main" id="{C3EE1E79-54C5-D4AA-6132-FC27FCD94F4C}"/>
+                  </a:ext>
+                </a:extLst>
+              </p:cNvPr>
+              <p:cNvCxnSpPr>
+                <a:cxnSpLocks/>
+                <a:stCxn id="26" idx="1"/>
+                <a:endCxn id="47" idx="4"/>
+              </p:cNvCxnSpPr>
+              <p:nvPr/>
+            </p:nvCxnSpPr>
+            <p:spPr>
+              <a:xfrm flipH="1" flipV="1">
+                <a:off x="1902781" y="3394041"/>
+                <a:ext cx="318887" cy="287622"/>
+              </a:xfrm>
+              <a:prstGeom prst="line">
+                <a:avLst/>
+              </a:prstGeom>
+            </p:spPr>
+            <p:style>
+              <a:lnRef idx="2">
+                <a:schemeClr val="accent1"/>
+              </a:lnRef>
+              <a:fillRef idx="0">
+                <a:schemeClr val="accent1"/>
+              </a:fillRef>
+              <a:effectRef idx="1">
+                <a:schemeClr val="accent1"/>
+              </a:effectRef>
+              <a:fontRef idx="minor">
+                <a:schemeClr val="tx1"/>
+              </a:fontRef>
+            </p:style>
+          </p:cxnSp>
+          <p:cxnSp>
+            <p:nvCxnSpPr>
+              <p:cNvPr id="169" name="Straight Connector 168">
+                <a:extLst>
+                  <a:ext uri="{FF2B5EF4-FFF2-40B4-BE49-F238E27FC236}">
+                    <a16:creationId xmlns:a16="http://schemas.microsoft.com/office/drawing/2014/main" id="{86C95FD8-8C3B-595B-30FA-7F34A2D72E93}"/>
+                  </a:ext>
+                </a:extLst>
+              </p:cNvPr>
+              <p:cNvCxnSpPr>
+                <a:cxnSpLocks/>
+                <a:stCxn id="26" idx="3"/>
+                <a:endCxn id="47" idx="4"/>
+              </p:cNvCxnSpPr>
+              <p:nvPr/>
+            </p:nvCxnSpPr>
+            <p:spPr>
+              <a:xfrm flipH="1" flipV="1">
+                <a:off x="1902781" y="3394041"/>
+                <a:ext cx="700723" cy="287622"/>
+              </a:xfrm>
+              <a:prstGeom prst="line">
+                <a:avLst/>
+              </a:prstGeom>
+            </p:spPr>
+            <p:style>
+              <a:lnRef idx="2">
+                <a:schemeClr val="accent1"/>
+              </a:lnRef>
+              <a:fillRef idx="0">
+                <a:schemeClr val="accent1"/>
+              </a:fillRef>
+              <a:effectRef idx="1">
+                <a:schemeClr val="accent1"/>
+              </a:effectRef>
+              <a:fontRef idx="minor">
+                <a:schemeClr val="tx1"/>
+              </a:fontRef>
+            </p:style>
+          </p:cxnSp>
+          <p:cxnSp>
+            <p:nvCxnSpPr>
+              <p:cNvPr id="172" name="Straight Connector 171">
+                <a:extLst>
+                  <a:ext uri="{FF2B5EF4-FFF2-40B4-BE49-F238E27FC236}">
+                    <a16:creationId xmlns:a16="http://schemas.microsoft.com/office/drawing/2014/main" id="{82A4FE11-40DB-1807-8993-2D5CBB3C9E29}"/>
+                  </a:ext>
+                </a:extLst>
+              </p:cNvPr>
+              <p:cNvCxnSpPr>
+                <a:cxnSpLocks/>
+                <a:stCxn id="25" idx="0"/>
+              </p:cNvCxnSpPr>
+              <p:nvPr/>
+            </p:nvCxnSpPr>
+            <p:spPr>
+              <a:xfrm flipH="1" flipV="1">
+                <a:off x="1875518" y="3383433"/>
+                <a:ext cx="930117" cy="279990"/>
+              </a:xfrm>
+              <a:prstGeom prst="line">
+                <a:avLst/>
+              </a:prstGeom>
+            </p:spPr>
+            <p:style>
+              <a:lnRef idx="2">
+                <a:schemeClr val="accent1"/>
+              </a:lnRef>
+              <a:fillRef idx="0">
+                <a:schemeClr val="accent1"/>
+              </a:fillRef>
+              <a:effectRef idx="1">
+                <a:schemeClr val="accent1"/>
+              </a:effectRef>
+              <a:fontRef idx="minor">
+                <a:schemeClr val="tx1"/>
+              </a:fontRef>
+            </p:style>
+          </p:cxnSp>
+          <p:cxnSp>
+            <p:nvCxnSpPr>
+              <p:cNvPr id="174" name="Straight Connector 173">
+                <a:extLst>
+                  <a:ext uri="{FF2B5EF4-FFF2-40B4-BE49-F238E27FC236}">
+                    <a16:creationId xmlns:a16="http://schemas.microsoft.com/office/drawing/2014/main" id="{04378EB3-0C06-71FF-4CF5-58315E5B9F5A}"/>
+                  </a:ext>
+                </a:extLst>
+              </p:cNvPr>
+              <p:cNvCxnSpPr>
+                <a:cxnSpLocks/>
+                <a:stCxn id="25" idx="0"/>
+                <a:endCxn id="51" idx="4"/>
+              </p:cNvCxnSpPr>
+              <p:nvPr/>
+            </p:nvCxnSpPr>
+            <p:spPr>
+              <a:xfrm flipV="1">
+                <a:off x="2805635" y="3394040"/>
+                <a:ext cx="0" cy="269383"/>
+              </a:xfrm>
+              <a:prstGeom prst="line">
+                <a:avLst/>
+              </a:prstGeom>
+            </p:spPr>
+            <p:style>
+              <a:lnRef idx="2">
+                <a:schemeClr val="accent1"/>
+              </a:lnRef>
+              <a:fillRef idx="0">
+                <a:schemeClr val="accent1"/>
+              </a:fillRef>
+              <a:effectRef idx="1">
+                <a:schemeClr val="accent1"/>
+              </a:effectRef>
+              <a:fontRef idx="minor">
+                <a:schemeClr val="tx1"/>
+              </a:fontRef>
+            </p:style>
+          </p:cxnSp>
+          <p:cxnSp>
+            <p:nvCxnSpPr>
+              <p:cNvPr id="177" name="Straight Connector 176">
+                <a:extLst>
+                  <a:ext uri="{FF2B5EF4-FFF2-40B4-BE49-F238E27FC236}">
+                    <a16:creationId xmlns:a16="http://schemas.microsoft.com/office/drawing/2014/main" id="{C5CA5899-2917-5773-B1D2-4AEE4378BF9F}"/>
+                  </a:ext>
+                </a:extLst>
+              </p:cNvPr>
+              <p:cNvCxnSpPr>
+                <a:cxnSpLocks/>
+                <a:stCxn id="25" idx="0"/>
+                <a:endCxn id="50" idx="4"/>
+              </p:cNvCxnSpPr>
+              <p:nvPr/>
+            </p:nvCxnSpPr>
+            <p:spPr>
+              <a:xfrm flipH="1" flipV="1">
+                <a:off x="2585234" y="3394040"/>
+                <a:ext cx="220401" cy="269383"/>
+              </a:xfrm>
+              <a:prstGeom prst="line">
+                <a:avLst/>
+              </a:prstGeom>
+            </p:spPr>
+            <p:style>
+              <a:lnRef idx="2">
+                <a:schemeClr val="accent1"/>
+              </a:lnRef>
+              <a:fillRef idx="0">
+                <a:schemeClr val="accent1"/>
+              </a:fillRef>
+              <a:effectRef idx="1">
+                <a:schemeClr val="accent1"/>
+              </a:effectRef>
+              <a:fontRef idx="minor">
+                <a:schemeClr val="tx1"/>
+              </a:fontRef>
+            </p:style>
+          </p:cxnSp>
+          <p:cxnSp>
+            <p:nvCxnSpPr>
+              <p:cNvPr id="180" name="Straight Connector 179">
+                <a:extLst>
+                  <a:ext uri="{FF2B5EF4-FFF2-40B4-BE49-F238E27FC236}">
+                    <a16:creationId xmlns:a16="http://schemas.microsoft.com/office/drawing/2014/main" id="{3150B9FA-5203-842A-3E0C-24A199325975}"/>
+                  </a:ext>
+                </a:extLst>
+              </p:cNvPr>
+              <p:cNvCxnSpPr>
+                <a:cxnSpLocks/>
+                <a:stCxn id="25" idx="0"/>
+              </p:cNvCxnSpPr>
+              <p:nvPr/>
+            </p:nvCxnSpPr>
+            <p:spPr>
+              <a:xfrm flipH="1" flipV="1">
+                <a:off x="2263813" y="3363142"/>
+                <a:ext cx="541822" cy="300281"/>
+              </a:xfrm>
+              <a:prstGeom prst="line">
+                <a:avLst/>
+              </a:prstGeom>
+            </p:spPr>
+            <p:style>
+              <a:lnRef idx="2">
+                <a:schemeClr val="accent1"/>
+              </a:lnRef>
+              <a:fillRef idx="0">
+                <a:schemeClr val="accent1"/>
+              </a:fillRef>
+              <a:effectRef idx="1">
+                <a:schemeClr val="accent1"/>
+              </a:effectRef>
+              <a:fontRef idx="minor">
+                <a:schemeClr val="tx1"/>
+              </a:fontRef>
+            </p:style>
+          </p:cxnSp>
+          <p:cxnSp>
+            <p:nvCxnSpPr>
+              <p:cNvPr id="183" name="Straight Connector 182">
+                <a:extLst>
+                  <a:ext uri="{FF2B5EF4-FFF2-40B4-BE49-F238E27FC236}">
+                    <a16:creationId xmlns:a16="http://schemas.microsoft.com/office/drawing/2014/main" id="{95EF4FB2-9F62-DE33-B5A2-4C23FD63B2F7}"/>
+                  </a:ext>
+                </a:extLst>
+              </p:cNvPr>
+              <p:cNvCxnSpPr>
+                <a:cxnSpLocks/>
+                <a:stCxn id="25" idx="7"/>
+              </p:cNvCxnSpPr>
+              <p:nvPr/>
+            </p:nvCxnSpPr>
+            <p:spPr>
+              <a:xfrm flipH="1" flipV="1">
+                <a:off x="2085427" y="3384033"/>
+                <a:ext cx="769195" cy="299681"/>
+              </a:xfrm>
+              <a:prstGeom prst="line">
+                <a:avLst/>
+              </a:prstGeom>
+            </p:spPr>
+            <p:style>
+              <a:lnRef idx="2">
+                <a:schemeClr val="accent1"/>
+              </a:lnRef>
+              <a:fillRef idx="0">
+                <a:schemeClr val="accent1"/>
+              </a:fillRef>
+              <a:effectRef idx="1">
+                <a:schemeClr val="accent1"/>
+              </a:effectRef>
+              <a:fontRef idx="minor">
+                <a:schemeClr val="tx1"/>
+              </a:fontRef>
+            </p:style>
+          </p:cxnSp>
+          <p:cxnSp>
+            <p:nvCxnSpPr>
+              <p:cNvPr id="185" name="Straight Connector 184">
+                <a:extLst>
+                  <a:ext uri="{FF2B5EF4-FFF2-40B4-BE49-F238E27FC236}">
+                    <a16:creationId xmlns:a16="http://schemas.microsoft.com/office/drawing/2014/main" id="{6D17475A-CA0D-0CD6-BD07-E6C7415A0F67}"/>
+                  </a:ext>
+                </a:extLst>
+              </p:cNvPr>
+              <p:cNvCxnSpPr>
+                <a:cxnSpLocks/>
+                <a:stCxn id="49" idx="4"/>
+              </p:cNvCxnSpPr>
+              <p:nvPr/>
+            </p:nvCxnSpPr>
+            <p:spPr>
+              <a:xfrm flipH="1">
+                <a:off x="2234245" y="3394040"/>
+                <a:ext cx="4064" cy="252295"/>
+              </a:xfrm>
+              <a:prstGeom prst="line">
+                <a:avLst/>
+              </a:prstGeom>
+            </p:spPr>
+            <p:style>
+              <a:lnRef idx="2">
+                <a:schemeClr val="accent1"/>
+              </a:lnRef>
+              <a:fillRef idx="0">
+                <a:schemeClr val="accent1"/>
+              </a:fillRef>
+              <a:effectRef idx="1">
+                <a:schemeClr val="accent1"/>
+              </a:effectRef>
+              <a:fontRef idx="minor">
+                <a:schemeClr val="tx1"/>
+              </a:fontRef>
+            </p:style>
+          </p:cxnSp>
+          <p:cxnSp>
+            <p:nvCxnSpPr>
+              <p:cNvPr id="189" name="Straight Connector 188">
+                <a:extLst>
+                  <a:ext uri="{FF2B5EF4-FFF2-40B4-BE49-F238E27FC236}">
+                    <a16:creationId xmlns:a16="http://schemas.microsoft.com/office/drawing/2014/main" id="{1C38A2EF-6F4D-8EFF-670D-6DCB2F4D8167}"/>
+                  </a:ext>
+                </a:extLst>
+              </p:cNvPr>
+              <p:cNvCxnSpPr>
+                <a:cxnSpLocks/>
+                <a:stCxn id="50" idx="5"/>
+                <a:endCxn id="26" idx="1"/>
+              </p:cNvCxnSpPr>
+              <p:nvPr/>
+            </p:nvCxnSpPr>
+            <p:spPr>
+              <a:xfrm flipH="1">
+                <a:off x="2221668" y="3373749"/>
+                <a:ext cx="412553" cy="307914"/>
+              </a:xfrm>
+              <a:prstGeom prst="line">
+                <a:avLst/>
+              </a:prstGeom>
+            </p:spPr>
+            <p:style>
+              <a:lnRef idx="2">
+                <a:schemeClr val="accent1"/>
+              </a:lnRef>
+              <a:fillRef idx="0">
+                <a:schemeClr val="accent1"/>
+              </a:fillRef>
+              <a:effectRef idx="1">
+                <a:schemeClr val="accent1"/>
+              </a:effectRef>
+              <a:fontRef idx="minor">
+                <a:schemeClr val="tx1"/>
+              </a:fontRef>
+            </p:style>
+          </p:cxnSp>
+          <p:cxnSp>
+            <p:nvCxnSpPr>
+              <p:cNvPr id="192" name="Straight Connector 191">
+                <a:extLst>
+                  <a:ext uri="{FF2B5EF4-FFF2-40B4-BE49-F238E27FC236}">
+                    <a16:creationId xmlns:a16="http://schemas.microsoft.com/office/drawing/2014/main" id="{556CB6AD-B40E-08CD-CC64-6C1837D31051}"/>
+                  </a:ext>
+                </a:extLst>
+              </p:cNvPr>
+              <p:cNvCxnSpPr>
+                <a:cxnSpLocks/>
+                <a:stCxn id="51" idx="4"/>
+              </p:cNvCxnSpPr>
+              <p:nvPr/>
+            </p:nvCxnSpPr>
+            <p:spPr>
+              <a:xfrm flipH="1">
+                <a:off x="2246161" y="3394040"/>
+                <a:ext cx="559474" cy="296086"/>
+              </a:xfrm>
+              <a:prstGeom prst="line">
+                <a:avLst/>
+              </a:prstGeom>
+            </p:spPr>
+            <p:style>
+              <a:lnRef idx="2">
+                <a:schemeClr val="accent1"/>
+              </a:lnRef>
+              <a:fillRef idx="0">
+                <a:schemeClr val="accent1"/>
+              </a:fillRef>
+              <a:effectRef idx="1">
+                <a:schemeClr val="accent1"/>
+              </a:effectRef>
+              <a:fontRef idx="minor">
+                <a:schemeClr val="tx1"/>
+              </a:fontRef>
+            </p:style>
+          </p:cxnSp>
+          <p:cxnSp>
+            <p:nvCxnSpPr>
+              <p:cNvPr id="194" name="Straight Connector 193">
+                <a:extLst>
+                  <a:ext uri="{FF2B5EF4-FFF2-40B4-BE49-F238E27FC236}">
+                    <a16:creationId xmlns:a16="http://schemas.microsoft.com/office/drawing/2014/main" id="{6C3C8DA4-5EA7-1A51-56FB-E969928036EC}"/>
+                  </a:ext>
+                </a:extLst>
+              </p:cNvPr>
+              <p:cNvCxnSpPr>
+                <a:cxnSpLocks/>
+                <a:stCxn id="50" idx="4"/>
+              </p:cNvCxnSpPr>
+              <p:nvPr/>
+            </p:nvCxnSpPr>
+            <p:spPr>
+              <a:xfrm>
+                <a:off x="2585234" y="3394040"/>
+                <a:ext cx="4533" cy="285478"/>
+              </a:xfrm>
+              <a:prstGeom prst="line">
+                <a:avLst/>
+              </a:prstGeom>
+            </p:spPr>
+            <p:style>
+              <a:lnRef idx="2">
+                <a:schemeClr val="accent1"/>
+              </a:lnRef>
+              <a:fillRef idx="0">
+                <a:schemeClr val="accent1"/>
+              </a:fillRef>
+              <a:effectRef idx="1">
+                <a:schemeClr val="accent1"/>
+              </a:effectRef>
+              <a:fontRef idx="minor">
+                <a:schemeClr val="tx1"/>
+              </a:fontRef>
+            </p:style>
+          </p:cxnSp>
+          <p:cxnSp>
+            <p:nvCxnSpPr>
+              <p:cNvPr id="197" name="Straight Connector 196">
+                <a:extLst>
+                  <a:ext uri="{FF2B5EF4-FFF2-40B4-BE49-F238E27FC236}">
+                    <a16:creationId xmlns:a16="http://schemas.microsoft.com/office/drawing/2014/main" id="{89C33201-D5C7-FAA3-2D21-E551F4406DC7}"/>
+                  </a:ext>
+                </a:extLst>
+              </p:cNvPr>
+              <p:cNvCxnSpPr>
+                <a:cxnSpLocks/>
+                <a:stCxn id="51" idx="4"/>
+                <a:endCxn id="24" idx="0"/>
+              </p:cNvCxnSpPr>
+              <p:nvPr/>
+            </p:nvCxnSpPr>
+            <p:spPr>
+              <a:xfrm flipH="1">
+                <a:off x="2585234" y="3394040"/>
+                <a:ext cx="220401" cy="269383"/>
+              </a:xfrm>
+              <a:prstGeom prst="line">
+                <a:avLst/>
+              </a:prstGeom>
+            </p:spPr>
+            <p:style>
+              <a:lnRef idx="2">
+                <a:schemeClr val="accent1"/>
+              </a:lnRef>
+              <a:fillRef idx="0">
+                <a:schemeClr val="accent1"/>
+              </a:fillRef>
+              <a:effectRef idx="1">
+                <a:schemeClr val="accent1"/>
+              </a:effectRef>
+              <a:fontRef idx="minor">
+                <a:schemeClr val="tx1"/>
+              </a:fontRef>
+            </p:style>
+          </p:cxnSp>
+          <p:cxnSp>
+            <p:nvCxnSpPr>
+              <p:cNvPr id="205" name="Straight Connector 204">
+                <a:extLst>
+                  <a:ext uri="{FF2B5EF4-FFF2-40B4-BE49-F238E27FC236}">
+                    <a16:creationId xmlns:a16="http://schemas.microsoft.com/office/drawing/2014/main" id="{1E1C8034-E5F8-1B4A-59D0-6918A2EBFC82}"/>
+                  </a:ext>
+                </a:extLst>
+              </p:cNvPr>
+              <p:cNvCxnSpPr>
+                <a:cxnSpLocks/>
+                <a:stCxn id="47" idx="0"/>
+                <a:endCxn id="52" idx="4"/>
+              </p:cNvCxnSpPr>
+              <p:nvPr/>
+            </p:nvCxnSpPr>
+            <p:spPr>
+              <a:xfrm flipV="1">
+                <a:off x="1902781" y="2996334"/>
+                <a:ext cx="112373" cy="259151"/>
+              </a:xfrm>
+              <a:prstGeom prst="line">
+                <a:avLst/>
+              </a:prstGeom>
+            </p:spPr>
+            <p:style>
+              <a:lnRef idx="2">
+                <a:schemeClr val="accent1"/>
+              </a:lnRef>
+              <a:fillRef idx="0">
+                <a:schemeClr val="accent1"/>
+              </a:fillRef>
+              <a:effectRef idx="1">
+                <a:schemeClr val="accent1"/>
+              </a:effectRef>
+              <a:fontRef idx="minor">
+                <a:schemeClr val="tx1"/>
+              </a:fontRef>
+            </p:style>
+          </p:cxnSp>
+          <p:cxnSp>
+            <p:nvCxnSpPr>
+              <p:cNvPr id="207" name="Straight Connector 206">
+                <a:extLst>
+                  <a:ext uri="{FF2B5EF4-FFF2-40B4-BE49-F238E27FC236}">
+                    <a16:creationId xmlns:a16="http://schemas.microsoft.com/office/drawing/2014/main" id="{E729C727-E869-387E-DF6E-D0B7636570C9}"/>
+                  </a:ext>
+                </a:extLst>
+              </p:cNvPr>
+              <p:cNvCxnSpPr>
+                <a:cxnSpLocks/>
+                <a:stCxn id="47" idx="0"/>
+                <a:endCxn id="53" idx="4"/>
+              </p:cNvCxnSpPr>
+              <p:nvPr/>
+            </p:nvCxnSpPr>
+            <p:spPr>
+              <a:xfrm flipV="1">
+                <a:off x="1902781" y="2996334"/>
+                <a:ext cx="419178" cy="259151"/>
+              </a:xfrm>
+              <a:prstGeom prst="line">
+                <a:avLst/>
+              </a:prstGeom>
+            </p:spPr>
+            <p:style>
+              <a:lnRef idx="2">
+                <a:schemeClr val="accent1"/>
+              </a:lnRef>
+              <a:fillRef idx="0">
+                <a:schemeClr val="accent1"/>
+              </a:fillRef>
+              <a:effectRef idx="1">
+                <a:schemeClr val="accent1"/>
+              </a:effectRef>
+              <a:fontRef idx="minor">
+                <a:schemeClr val="tx1"/>
+              </a:fontRef>
+            </p:style>
+          </p:cxnSp>
+          <p:cxnSp>
+            <p:nvCxnSpPr>
+              <p:cNvPr id="210" name="Straight Connector 209">
+                <a:extLst>
+                  <a:ext uri="{FF2B5EF4-FFF2-40B4-BE49-F238E27FC236}">
+                    <a16:creationId xmlns:a16="http://schemas.microsoft.com/office/drawing/2014/main" id="{5BB05D94-2BB1-62D5-66F1-DAE82CCE8A5E}"/>
+                  </a:ext>
+                </a:extLst>
+              </p:cNvPr>
+              <p:cNvCxnSpPr>
+                <a:cxnSpLocks/>
+                <a:endCxn id="54" idx="5"/>
+              </p:cNvCxnSpPr>
+              <p:nvPr/>
+            </p:nvCxnSpPr>
+            <p:spPr>
+              <a:xfrm flipV="1">
+                <a:off x="1899692" y="2976043"/>
+                <a:ext cx="779393" cy="280849"/>
+              </a:xfrm>
+              <a:prstGeom prst="line">
+                <a:avLst/>
+              </a:prstGeom>
+            </p:spPr>
+            <p:style>
+              <a:lnRef idx="2">
+                <a:schemeClr val="accent1"/>
+              </a:lnRef>
+              <a:fillRef idx="0">
+                <a:schemeClr val="accent1"/>
+              </a:fillRef>
+              <a:effectRef idx="1">
+                <a:schemeClr val="accent1"/>
+              </a:effectRef>
+              <a:fontRef idx="minor">
+                <a:schemeClr val="tx1"/>
+              </a:fontRef>
+            </p:style>
+          </p:cxnSp>
+          <p:cxnSp>
+            <p:nvCxnSpPr>
+              <p:cNvPr id="212" name="Straight Connector 211">
+                <a:extLst>
+                  <a:ext uri="{FF2B5EF4-FFF2-40B4-BE49-F238E27FC236}">
+                    <a16:creationId xmlns:a16="http://schemas.microsoft.com/office/drawing/2014/main" id="{E41E11E7-B0CA-DD6A-B7C8-5C70A3540293}"/>
+                  </a:ext>
+                </a:extLst>
+              </p:cNvPr>
+              <p:cNvCxnSpPr>
+                <a:cxnSpLocks/>
+                <a:stCxn id="48" idx="0"/>
+                <a:endCxn id="52" idx="4"/>
+              </p:cNvCxnSpPr>
+              <p:nvPr/>
+            </p:nvCxnSpPr>
+            <p:spPr>
+              <a:xfrm flipH="1" flipV="1">
+                <a:off x="2015154" y="2996334"/>
+                <a:ext cx="55391" cy="259150"/>
+              </a:xfrm>
+              <a:prstGeom prst="line">
+                <a:avLst/>
+              </a:prstGeom>
+            </p:spPr>
+            <p:style>
+              <a:lnRef idx="2">
+                <a:schemeClr val="accent1"/>
+              </a:lnRef>
+              <a:fillRef idx="0">
+                <a:schemeClr val="accent1"/>
+              </a:fillRef>
+              <a:effectRef idx="1">
+                <a:schemeClr val="accent1"/>
+              </a:effectRef>
+              <a:fontRef idx="minor">
+                <a:schemeClr val="tx1"/>
+              </a:fontRef>
+            </p:style>
+          </p:cxnSp>
+          <p:cxnSp>
+            <p:nvCxnSpPr>
+              <p:cNvPr id="215" name="Straight Connector 214">
+                <a:extLst>
+                  <a:ext uri="{FF2B5EF4-FFF2-40B4-BE49-F238E27FC236}">
+                    <a16:creationId xmlns:a16="http://schemas.microsoft.com/office/drawing/2014/main" id="{EA60124D-A41C-95D0-38C6-44AB57DABFCB}"/>
+                  </a:ext>
+                </a:extLst>
+              </p:cNvPr>
+              <p:cNvCxnSpPr>
+                <a:cxnSpLocks/>
+                <a:stCxn id="48" idx="0"/>
+              </p:cNvCxnSpPr>
+              <p:nvPr/>
+            </p:nvCxnSpPr>
+            <p:spPr>
+              <a:xfrm flipV="1">
+                <a:off x="2070545" y="2986188"/>
+                <a:ext cx="265303" cy="269296"/>
+              </a:xfrm>
+              <a:prstGeom prst="line">
+                <a:avLst/>
+              </a:prstGeom>
+            </p:spPr>
+            <p:style>
+              <a:lnRef idx="2">
+                <a:schemeClr val="accent1"/>
+              </a:lnRef>
+              <a:fillRef idx="0">
+                <a:schemeClr val="accent1"/>
+              </a:fillRef>
+              <a:effectRef idx="1">
+                <a:schemeClr val="accent1"/>
+              </a:effectRef>
+              <a:fontRef idx="minor">
+                <a:schemeClr val="tx1"/>
+              </a:fontRef>
+            </p:style>
+          </p:cxnSp>
+          <p:cxnSp>
+            <p:nvCxnSpPr>
+              <p:cNvPr id="217" name="Straight Connector 216">
+                <a:extLst>
+                  <a:ext uri="{FF2B5EF4-FFF2-40B4-BE49-F238E27FC236}">
+                    <a16:creationId xmlns:a16="http://schemas.microsoft.com/office/drawing/2014/main" id="{A8569E6D-DAA3-1F7F-CDA9-0AF158786CA3}"/>
+                  </a:ext>
+                </a:extLst>
+              </p:cNvPr>
+              <p:cNvCxnSpPr>
+                <a:cxnSpLocks/>
+                <a:stCxn id="48" idx="0"/>
+              </p:cNvCxnSpPr>
+              <p:nvPr/>
+            </p:nvCxnSpPr>
+            <p:spPr>
+              <a:xfrm flipV="1">
+                <a:off x="2070545" y="3000088"/>
+                <a:ext cx="561454" cy="255396"/>
+              </a:xfrm>
+              <a:prstGeom prst="line">
+                <a:avLst/>
+              </a:prstGeom>
+            </p:spPr>
+            <p:style>
+              <a:lnRef idx="2">
+                <a:schemeClr val="accent1"/>
+              </a:lnRef>
+              <a:fillRef idx="0">
+                <a:schemeClr val="accent1"/>
+              </a:fillRef>
+              <a:effectRef idx="1">
+                <a:schemeClr val="accent1"/>
+              </a:effectRef>
+              <a:fontRef idx="minor">
+                <a:schemeClr val="tx1"/>
+              </a:fontRef>
+            </p:style>
+          </p:cxnSp>
+          <p:cxnSp>
+            <p:nvCxnSpPr>
+              <p:cNvPr id="219" name="Straight Connector 218">
+                <a:extLst>
+                  <a:ext uri="{FF2B5EF4-FFF2-40B4-BE49-F238E27FC236}">
+                    <a16:creationId xmlns:a16="http://schemas.microsoft.com/office/drawing/2014/main" id="{480A7D78-0713-02EF-8408-76C51B627681}"/>
+                  </a:ext>
+                </a:extLst>
+              </p:cNvPr>
+              <p:cNvCxnSpPr>
+                <a:cxnSpLocks/>
+                <a:endCxn id="52" idx="4"/>
+              </p:cNvCxnSpPr>
+              <p:nvPr/>
+            </p:nvCxnSpPr>
+            <p:spPr>
+              <a:xfrm flipH="1" flipV="1">
+                <a:off x="2015154" y="2996334"/>
+                <a:ext cx="206662" cy="273195"/>
+              </a:xfrm>
+              <a:prstGeom prst="line">
+                <a:avLst/>
+              </a:prstGeom>
+            </p:spPr>
+            <p:style>
+              <a:lnRef idx="2">
+                <a:schemeClr val="accent1"/>
+              </a:lnRef>
+              <a:fillRef idx="0">
+                <a:schemeClr val="accent1"/>
+              </a:fillRef>
+              <a:effectRef idx="1">
+                <a:schemeClr val="accent1"/>
+              </a:effectRef>
+              <a:fontRef idx="minor">
+                <a:schemeClr val="tx1"/>
+              </a:fontRef>
+            </p:style>
+          </p:cxnSp>
+          <p:cxnSp>
+            <p:nvCxnSpPr>
+              <p:cNvPr id="221" name="Straight Connector 220">
+                <a:extLst>
+                  <a:ext uri="{FF2B5EF4-FFF2-40B4-BE49-F238E27FC236}">
+                    <a16:creationId xmlns:a16="http://schemas.microsoft.com/office/drawing/2014/main" id="{797C71EF-7DA7-1F43-D488-68C099E75837}"/>
+                  </a:ext>
+                </a:extLst>
+              </p:cNvPr>
+              <p:cNvCxnSpPr>
+                <a:cxnSpLocks/>
+                <a:stCxn id="49" idx="0"/>
+                <a:endCxn id="53" idx="4"/>
+              </p:cNvCxnSpPr>
+              <p:nvPr/>
+            </p:nvCxnSpPr>
+            <p:spPr>
+              <a:xfrm flipV="1">
+                <a:off x="2238309" y="2996334"/>
+                <a:ext cx="83650" cy="259150"/>
+              </a:xfrm>
+              <a:prstGeom prst="line">
+                <a:avLst/>
+              </a:prstGeom>
+            </p:spPr>
+            <p:style>
+              <a:lnRef idx="2">
+                <a:schemeClr val="accent1"/>
+              </a:lnRef>
+              <a:fillRef idx="0">
+                <a:schemeClr val="accent1"/>
+              </a:fillRef>
+              <a:effectRef idx="1">
+                <a:schemeClr val="accent1"/>
+              </a:effectRef>
+              <a:fontRef idx="minor">
+                <a:schemeClr val="tx1"/>
+              </a:fontRef>
+            </p:style>
+          </p:cxnSp>
+          <p:cxnSp>
+            <p:nvCxnSpPr>
+              <p:cNvPr id="224" name="Straight Connector 223">
+                <a:extLst>
+                  <a:ext uri="{FF2B5EF4-FFF2-40B4-BE49-F238E27FC236}">
+                    <a16:creationId xmlns:a16="http://schemas.microsoft.com/office/drawing/2014/main" id="{B72CCBF4-D965-D501-59AC-4489A57EEC37}"/>
+                  </a:ext>
+                </a:extLst>
+              </p:cNvPr>
+              <p:cNvCxnSpPr>
+                <a:cxnSpLocks/>
+                <a:stCxn id="49" idx="0"/>
+                <a:endCxn id="54" idx="4"/>
+              </p:cNvCxnSpPr>
+              <p:nvPr/>
+            </p:nvCxnSpPr>
+            <p:spPr>
+              <a:xfrm flipV="1">
+                <a:off x="2238309" y="2996334"/>
+                <a:ext cx="391789" cy="259150"/>
+              </a:xfrm>
+              <a:prstGeom prst="line">
+                <a:avLst/>
+              </a:prstGeom>
+            </p:spPr>
+            <p:style>
+              <a:lnRef idx="2">
+                <a:schemeClr val="accent1"/>
+              </a:lnRef>
+              <a:fillRef idx="0">
+                <a:schemeClr val="accent1"/>
+              </a:fillRef>
+              <a:effectRef idx="1">
+                <a:schemeClr val="accent1"/>
+              </a:effectRef>
+              <a:fontRef idx="minor">
+                <a:schemeClr val="tx1"/>
+              </a:fontRef>
+            </p:style>
+          </p:cxnSp>
+          <p:cxnSp>
+            <p:nvCxnSpPr>
+              <p:cNvPr id="227" name="Straight Connector 226">
+                <a:extLst>
+                  <a:ext uri="{FF2B5EF4-FFF2-40B4-BE49-F238E27FC236}">
+                    <a16:creationId xmlns:a16="http://schemas.microsoft.com/office/drawing/2014/main" id="{5C540695-E0F7-2395-9FE3-558E2CCB6655}"/>
+                  </a:ext>
+                </a:extLst>
+              </p:cNvPr>
+              <p:cNvCxnSpPr>
+                <a:cxnSpLocks/>
+                <a:endCxn id="52" idx="4"/>
+              </p:cNvCxnSpPr>
+              <p:nvPr/>
+            </p:nvCxnSpPr>
+            <p:spPr>
+              <a:xfrm flipH="1" flipV="1">
+                <a:off x="2015154" y="2996334"/>
+                <a:ext cx="543672" cy="252408"/>
+              </a:xfrm>
+              <a:prstGeom prst="line">
+                <a:avLst/>
+              </a:prstGeom>
+            </p:spPr>
+            <p:style>
+              <a:lnRef idx="2">
+                <a:schemeClr val="accent1"/>
+              </a:lnRef>
+              <a:fillRef idx="0">
+                <a:schemeClr val="accent1"/>
+              </a:fillRef>
+              <a:effectRef idx="1">
+                <a:schemeClr val="accent1"/>
+              </a:effectRef>
+              <a:fontRef idx="minor">
+                <a:schemeClr val="tx1"/>
+              </a:fontRef>
+            </p:style>
+          </p:cxnSp>
+          <p:cxnSp>
+            <p:nvCxnSpPr>
+              <p:cNvPr id="229" name="Straight Connector 228">
+                <a:extLst>
+                  <a:ext uri="{FF2B5EF4-FFF2-40B4-BE49-F238E27FC236}">
+                    <a16:creationId xmlns:a16="http://schemas.microsoft.com/office/drawing/2014/main" id="{0755CC94-C2F1-8290-567F-1CB7B14B6B3F}"/>
+                  </a:ext>
+                </a:extLst>
+              </p:cNvPr>
+              <p:cNvCxnSpPr>
+                <a:cxnSpLocks/>
+                <a:stCxn id="50" idx="0"/>
+              </p:cNvCxnSpPr>
+              <p:nvPr/>
+            </p:nvCxnSpPr>
+            <p:spPr>
+              <a:xfrm flipH="1" flipV="1">
+                <a:off x="2293935" y="3022549"/>
+                <a:ext cx="291299" cy="232935"/>
+              </a:xfrm>
+              <a:prstGeom prst="line">
+                <a:avLst/>
+              </a:prstGeom>
+            </p:spPr>
+            <p:style>
+              <a:lnRef idx="2">
+                <a:schemeClr val="accent1"/>
+              </a:lnRef>
+              <a:fillRef idx="0">
+                <a:schemeClr val="accent1"/>
+              </a:fillRef>
+              <a:effectRef idx="1">
+                <a:schemeClr val="accent1"/>
+              </a:effectRef>
+              <a:fontRef idx="minor">
+                <a:schemeClr val="tx1"/>
+              </a:fontRef>
+            </p:style>
+          </p:cxnSp>
+          <p:cxnSp>
+            <p:nvCxnSpPr>
+              <p:cNvPr id="231" name="Straight Connector 230">
+                <a:extLst>
+                  <a:ext uri="{FF2B5EF4-FFF2-40B4-BE49-F238E27FC236}">
+                    <a16:creationId xmlns:a16="http://schemas.microsoft.com/office/drawing/2014/main" id="{23276963-BA10-2FD4-221A-27847595AD0D}"/>
+                  </a:ext>
+                </a:extLst>
+              </p:cNvPr>
+              <p:cNvCxnSpPr>
+                <a:cxnSpLocks/>
+                <a:stCxn id="50" idx="0"/>
+                <a:endCxn id="54" idx="4"/>
+              </p:cNvCxnSpPr>
+              <p:nvPr/>
+            </p:nvCxnSpPr>
+            <p:spPr>
+              <a:xfrm flipV="1">
+                <a:off x="2585234" y="2996334"/>
+                <a:ext cx="44864" cy="259150"/>
+              </a:xfrm>
+              <a:prstGeom prst="line">
+                <a:avLst/>
+              </a:prstGeom>
+            </p:spPr>
+            <p:style>
+              <a:lnRef idx="2">
+                <a:schemeClr val="accent1"/>
+              </a:lnRef>
+              <a:fillRef idx="0">
+                <a:schemeClr val="accent1"/>
+              </a:fillRef>
+              <a:effectRef idx="1">
+                <a:schemeClr val="accent1"/>
+              </a:effectRef>
+              <a:fontRef idx="minor">
+                <a:schemeClr val="tx1"/>
+              </a:fontRef>
+            </p:style>
+          </p:cxnSp>
+          <p:cxnSp>
+            <p:nvCxnSpPr>
+              <p:cNvPr id="234" name="Straight Connector 233">
+                <a:extLst>
+                  <a:ext uri="{FF2B5EF4-FFF2-40B4-BE49-F238E27FC236}">
+                    <a16:creationId xmlns:a16="http://schemas.microsoft.com/office/drawing/2014/main" id="{1EA8241D-A077-AC5F-4EAD-E13F7525E1F6}"/>
+                  </a:ext>
+                </a:extLst>
+              </p:cNvPr>
+              <p:cNvCxnSpPr>
+                <a:cxnSpLocks/>
+                <a:stCxn id="51" idx="0"/>
+                <a:endCxn id="54" idx="4"/>
+              </p:cNvCxnSpPr>
+              <p:nvPr/>
+            </p:nvCxnSpPr>
+            <p:spPr>
+              <a:xfrm flipH="1" flipV="1">
+                <a:off x="2630098" y="2996334"/>
+                <a:ext cx="175537" cy="259150"/>
+              </a:xfrm>
+              <a:prstGeom prst="line">
+                <a:avLst/>
+              </a:prstGeom>
+            </p:spPr>
+            <p:style>
+              <a:lnRef idx="2">
+                <a:schemeClr val="accent1"/>
+              </a:lnRef>
+              <a:fillRef idx="0">
+                <a:schemeClr val="accent1"/>
+              </a:fillRef>
+              <a:effectRef idx="1">
+                <a:schemeClr val="accent1"/>
+              </a:effectRef>
+              <a:fontRef idx="minor">
+                <a:schemeClr val="tx1"/>
+              </a:fontRef>
+            </p:style>
+          </p:cxnSp>
+          <p:cxnSp>
+            <p:nvCxnSpPr>
+              <p:cNvPr id="237" name="Straight Connector 236">
+                <a:extLst>
+                  <a:ext uri="{FF2B5EF4-FFF2-40B4-BE49-F238E27FC236}">
+                    <a16:creationId xmlns:a16="http://schemas.microsoft.com/office/drawing/2014/main" id="{7FC7B4C7-6646-79C6-5C7A-03D13CFD45B5}"/>
+                  </a:ext>
+                </a:extLst>
+              </p:cNvPr>
+              <p:cNvCxnSpPr>
+                <a:cxnSpLocks/>
+                <a:stCxn id="51" idx="0"/>
+              </p:cNvCxnSpPr>
+              <p:nvPr/>
+            </p:nvCxnSpPr>
+            <p:spPr>
+              <a:xfrm flipH="1" flipV="1">
+                <a:off x="2314155" y="3023037"/>
+                <a:ext cx="491480" cy="232447"/>
+              </a:xfrm>
+              <a:prstGeom prst="line">
+                <a:avLst/>
+              </a:prstGeom>
+            </p:spPr>
+            <p:style>
+              <a:lnRef idx="2">
+                <a:schemeClr val="accent1"/>
+              </a:lnRef>
+              <a:fillRef idx="0">
+                <a:schemeClr val="accent1"/>
+              </a:fillRef>
+              <a:effectRef idx="1">
+                <a:schemeClr val="accent1"/>
+              </a:effectRef>
+              <a:fontRef idx="minor">
+                <a:schemeClr val="tx1"/>
+              </a:fontRef>
+            </p:style>
+          </p:cxnSp>
+          <p:cxnSp>
+            <p:nvCxnSpPr>
+              <p:cNvPr id="239" name="Straight Connector 238">
+                <a:extLst>
+                  <a:ext uri="{FF2B5EF4-FFF2-40B4-BE49-F238E27FC236}">
+                    <a16:creationId xmlns:a16="http://schemas.microsoft.com/office/drawing/2014/main" id="{9A628346-3F45-301E-E723-233A06996A22}"/>
+                  </a:ext>
+                </a:extLst>
+              </p:cNvPr>
+              <p:cNvCxnSpPr>
+                <a:cxnSpLocks/>
+                <a:stCxn id="51" idx="0"/>
+              </p:cNvCxnSpPr>
+              <p:nvPr/>
+            </p:nvCxnSpPr>
+            <p:spPr>
+              <a:xfrm flipH="1" flipV="1">
+                <a:off x="2021722" y="3019439"/>
+                <a:ext cx="783913" cy="236045"/>
+              </a:xfrm>
+              <a:prstGeom prst="line">
+                <a:avLst/>
+              </a:prstGeom>
+            </p:spPr>
+            <p:style>
+              <a:lnRef idx="2">
+                <a:schemeClr val="accent1"/>
+              </a:lnRef>
+              <a:fillRef idx="0">
+                <a:schemeClr val="accent1"/>
+              </a:fillRef>
+              <a:effectRef idx="1">
+                <a:schemeClr val="accent1"/>
+              </a:effectRef>
+              <a:fontRef idx="minor">
+                <a:schemeClr val="tx1"/>
+              </a:fontRef>
+            </p:style>
+          </p:cxnSp>
+        </p:grpSp>
+        <mc:AlternateContent xmlns:mc="http://schemas.openxmlformats.org/markup-compatibility/2006" xmlns:a14="http://schemas.microsoft.com/office/drawing/2010/main">
+          <mc:Choice Requires="a14">
+            <p:sp>
+              <p:nvSpPr>
+                <p:cNvPr id="264" name="TextBox 263">
+                  <a:extLst>
+                    <a:ext uri="{FF2B5EF4-FFF2-40B4-BE49-F238E27FC236}">
+                      <a16:creationId xmlns:a16="http://schemas.microsoft.com/office/drawing/2014/main" id="{96ED5EB3-7963-D623-7BE5-AF7079C95684}"/>
+                    </a:ext>
+                  </a:extLst>
+                </p:cNvPr>
+                <p:cNvSpPr txBox="1"/>
+                <p:nvPr/>
+              </p:nvSpPr>
+              <p:spPr>
+                <a:xfrm>
+                  <a:off x="1521475" y="4320789"/>
+                  <a:ext cx="183062" cy="276999"/>
+                </a:xfrm>
+                <a:prstGeom prst="rect">
+                  <a:avLst/>
+                </a:prstGeom>
+                <a:noFill/>
+              </p:spPr>
+              <p:txBody>
+                <a:bodyPr wrap="none" lIns="0" tIns="0" rIns="0" bIns="0" rtlCol="0">
+                  <a:spAutoFit/>
+                </a:bodyPr>
+                <a:lstStyle/>
+                <a:p>
+                  <a:pPr/>
+                  <a14:m>
+                    <m:oMathPara xmlns:m="http://schemas.openxmlformats.org/officeDocument/2006/math">
+                      <m:oMathParaPr>
+                        <m:jc m:val="centerGroup"/>
+                      </m:oMathParaPr>
+                      <m:oMath xmlns:m="http://schemas.openxmlformats.org/officeDocument/2006/math">
+                        <m:r>
+                          <a:rPr lang="en-US" b="0" i="1" smtClean="0">
+                            <a:latin typeface="Cambria Math" panose="02040503050406030204" pitchFamily="18" charset="0"/>
+                          </a:rPr>
+                          <m:t>𝜃</m:t>
+                        </m:r>
+                      </m:oMath>
+                    </m:oMathPara>
+                  </a14:m>
+                  <a:endParaRPr lang="en-US" dirty="0"/>
+                </a:p>
+              </p:txBody>
+            </p:sp>
+          </mc:Choice>
+          <mc:Fallback xmlns="">
+            <p:sp>
+              <p:nvSpPr>
+                <p:cNvPr id="264" name="TextBox 263">
+                  <a:extLst>
+                    <a:ext uri="{FF2B5EF4-FFF2-40B4-BE49-F238E27FC236}">
+                      <a16:creationId xmlns:a16="http://schemas.microsoft.com/office/drawing/2014/main" id="{96ED5EB3-7963-D623-7BE5-AF7079C95684}"/>
+                    </a:ext>
+                  </a:extLst>
+                </p:cNvPr>
+                <p:cNvSpPr txBox="1">
+                  <a:spLocks noRot="1" noChangeAspect="1" noMove="1" noResize="1" noEditPoints="1" noAdjustHandles="1" noChangeArrowheads="1" noChangeShapeType="1" noTextEdit="1"/>
+                </p:cNvSpPr>
+                <p:nvPr/>
+              </p:nvSpPr>
+              <p:spPr>
+                <a:xfrm>
+                  <a:off x="1521475" y="4320789"/>
+                  <a:ext cx="183062" cy="276999"/>
+                </a:xfrm>
+                <a:prstGeom prst="rect">
+                  <a:avLst/>
+                </a:prstGeom>
+                <a:blipFill>
+                  <a:blip r:embed="rId8"/>
+                  <a:stretch>
+                    <a:fillRect l="-33333" r="-26667" b="-6667"/>
+                  </a:stretch>
+                </a:blipFill>
+              </p:spPr>
+              <p:txBody>
+                <a:bodyPr/>
+                <a:lstStyle/>
+                <a:p>
+                  <a:r>
+                    <a:rPr lang="en-US">
+                      <a:noFill/>
+                    </a:rPr>
+                    <a:t> </a:t>
+                  </a:r>
+                </a:p>
+              </p:txBody>
+            </p:sp>
+          </mc:Fallback>
+        </mc:AlternateContent>
+        <p:sp>
+          <p:nvSpPr>
+            <p:cNvPr id="2" name="TextBox 1">
+              <a:extLst>
+                <a:ext uri="{FF2B5EF4-FFF2-40B4-BE49-F238E27FC236}">
+                  <a16:creationId xmlns:a16="http://schemas.microsoft.com/office/drawing/2014/main" id="{6DCEA643-7CA9-AFBA-7E70-9EB599738F98}"/>
+                </a:ext>
+              </a:extLst>
+            </p:cNvPr>
+            <p:cNvSpPr txBox="1"/>
+            <p:nvPr/>
+          </p:nvSpPr>
+          <p:spPr>
+            <a:xfrm>
+              <a:off x="2215901" y="3085628"/>
+              <a:ext cx="373820" cy="369332"/>
+            </a:xfrm>
+            <a:prstGeom prst="rect">
+              <a:avLst/>
+            </a:prstGeom>
+            <a:noFill/>
+          </p:spPr>
+          <p:txBody>
+            <a:bodyPr wrap="none" rtlCol="0">
+              <a:spAutoFit/>
+            </a:bodyPr>
+            <a:lstStyle/>
+            <a:p>
+              <a:r>
+                <a:rPr lang="en-US" dirty="0"/>
+                <a:t>…</a:t>
+              </a:r>
+            </a:p>
+          </p:txBody>
+        </p:sp>
+      </p:grpSp>
+      <p:cxnSp>
+        <p:nvCxnSpPr>
+          <p:cNvPr id="7" name="Connector: Elbow 6">
+            <a:extLst>
+              <a:ext uri="{FF2B5EF4-FFF2-40B4-BE49-F238E27FC236}">
+                <a16:creationId xmlns:a16="http://schemas.microsoft.com/office/drawing/2014/main" id="{900345D2-18B3-476F-9B7D-D7CEAEA985C1}"/>
+              </a:ext>
+            </a:extLst>
+          </p:cNvPr>
+          <p:cNvCxnSpPr>
+            <a:cxnSpLocks/>
+            <a:stCxn id="245" idx="3"/>
+            <a:endCxn id="256" idx="1"/>
+          </p:cNvCxnSpPr>
+          <p:nvPr/>
+        </p:nvCxnSpPr>
+        <p:spPr>
+          <a:xfrm>
+            <a:off x="2961038" y="2154543"/>
+            <a:ext cx="1550802" cy="1185892"/>
+          </a:xfrm>
+          <a:prstGeom prst="bentConnector3">
+            <a:avLst>
+              <a:gd name="adj1" fmla="val 26971"/>
+            </a:avLst>
+          </a:prstGeom>
+          <a:ln>
+            <a:solidFill>
+              <a:schemeClr val="tx1"/>
+            </a:solidFill>
+            <a:tailEnd type="triangle"/>
+          </a:ln>
+        </p:spPr>
+        <p:style>
+          <a:lnRef idx="2">
+            <a:schemeClr val="accent1"/>
+          </a:lnRef>
+          <a:fillRef idx="0">
+            <a:schemeClr val="accent1"/>
+          </a:fillRef>
+          <a:effectRef idx="1">
+            <a:schemeClr val="accent1"/>
+          </a:effectRef>
+          <a:fontRef idx="minor">
+            <a:schemeClr val="tx1"/>
+          </a:fontRef>
+        </p:style>
+      </p:cxnSp>
+      <p:sp>
+        <p:nvSpPr>
+          <p:cNvPr id="6" name="TextBox 5">
+            <a:extLst>
+              <a:ext uri="{FF2B5EF4-FFF2-40B4-BE49-F238E27FC236}">
+                <a16:creationId xmlns:a16="http://schemas.microsoft.com/office/drawing/2014/main" id="{328B5DA6-9EC2-5C1B-6B0A-3EAC69623B53}"/>
+              </a:ext>
+            </a:extLst>
+          </p:cNvPr>
+          <p:cNvSpPr txBox="1"/>
+          <p:nvPr/>
+        </p:nvSpPr>
+        <p:spPr>
+          <a:xfrm>
+            <a:off x="2887614" y="1059132"/>
+            <a:ext cx="2635593" cy="369332"/>
+          </a:xfrm>
+          <a:prstGeom prst="rect">
+            <a:avLst/>
+          </a:prstGeom>
+          <a:noFill/>
+        </p:spPr>
+        <p:txBody>
+          <a:bodyPr wrap="none" rtlCol="0">
+            <a:spAutoFit/>
+          </a:bodyPr>
+          <a:lstStyle/>
+          <a:p>
+            <a:r>
+              <a:rPr lang="en-US" dirty="0">
+                <a:latin typeface="Times New Roman" panose="02020603050405020304" pitchFamily="18" charset="0"/>
+                <a:cs typeface="Times New Roman" panose="02020603050405020304" pitchFamily="18" charset="0"/>
+              </a:rPr>
+              <a:t>PINN Training Schematic</a:t>
             </a:r>
           </a:p>
         </p:txBody>
